--- a/assets uarm/2023 1 UarmPCrit/Kant - ilustracion proyecto critico educacion.pptx
+++ b/assets uarm/2023 1 UarmPCrit/Kant - ilustracion proyecto critico educacion.pptx
@@ -6,19 +6,31 @@
   </p:sldMasterIdLst>
   <p:sldIdLst>
     <p:sldId id="297" r:id="rId2"/>
-    <p:sldId id="298" r:id="rId3"/>
-    <p:sldId id="302" r:id="rId4"/>
+    <p:sldId id="302" r:id="rId3"/>
+    <p:sldId id="298" r:id="rId4"/>
     <p:sldId id="299" r:id="rId5"/>
-    <p:sldId id="300" r:id="rId6"/>
-    <p:sldId id="301" r:id="rId7"/>
-    <p:sldId id="256" r:id="rId8"/>
-    <p:sldId id="279" r:id="rId9"/>
-    <p:sldId id="280" r:id="rId10"/>
-    <p:sldId id="283" r:id="rId11"/>
-    <p:sldId id="288" r:id="rId12"/>
-    <p:sldId id="289" r:id="rId13"/>
-    <p:sldId id="304" r:id="rId14"/>
-    <p:sldId id="306" r:id="rId15"/>
+    <p:sldId id="308" r:id="rId6"/>
+    <p:sldId id="300" r:id="rId7"/>
+    <p:sldId id="301" r:id="rId8"/>
+    <p:sldId id="256" r:id="rId9"/>
+    <p:sldId id="279" r:id="rId10"/>
+    <p:sldId id="280" r:id="rId11"/>
+    <p:sldId id="283" r:id="rId12"/>
+    <p:sldId id="288" r:id="rId13"/>
+    <p:sldId id="289" r:id="rId14"/>
+    <p:sldId id="319" r:id="rId15"/>
+    <p:sldId id="309" r:id="rId16"/>
+    <p:sldId id="310" r:id="rId17"/>
+    <p:sldId id="311" r:id="rId18"/>
+    <p:sldId id="312" r:id="rId19"/>
+    <p:sldId id="314" r:id="rId20"/>
+    <p:sldId id="318" r:id="rId21"/>
+    <p:sldId id="316" r:id="rId22"/>
+    <p:sldId id="317" r:id="rId23"/>
+    <p:sldId id="320" r:id="rId24"/>
+    <p:sldId id="304" r:id="rId25"/>
+    <p:sldId id="321" r:id="rId26"/>
+    <p:sldId id="306" r:id="rId27"/>
   </p:sldIdLst>
   <p:sldSz cx="12192000" cy="6858000"/>
   <p:notesSz cx="6858000" cy="9144000"/>
@@ -256,7 +268,7 @@
           <a:p>
             <a:fld id="{72AF501A-13EC-4A9D-BBBE-13C0FDC72354}" type="datetimeFigureOut">
               <a:rPr lang="es-PE" smtClean="0"/>
-              <a:t>5/05/2023</a:t>
+              <a:t>21/05/2023</a:t>
             </a:fld>
             <a:endParaRPr lang="es-PE"/>
           </a:p>
@@ -426,7 +438,7 @@
           <a:p>
             <a:fld id="{72AF501A-13EC-4A9D-BBBE-13C0FDC72354}" type="datetimeFigureOut">
               <a:rPr lang="es-PE" smtClean="0"/>
-              <a:t>5/05/2023</a:t>
+              <a:t>21/05/2023</a:t>
             </a:fld>
             <a:endParaRPr lang="es-PE"/>
           </a:p>
@@ -606,7 +618,7 @@
           <a:p>
             <a:fld id="{72AF501A-13EC-4A9D-BBBE-13C0FDC72354}" type="datetimeFigureOut">
               <a:rPr lang="es-PE" smtClean="0"/>
-              <a:t>5/05/2023</a:t>
+              <a:t>21/05/2023</a:t>
             </a:fld>
             <a:endParaRPr lang="es-PE"/>
           </a:p>
@@ -776,7 +788,7 @@
           <a:p>
             <a:fld id="{72AF501A-13EC-4A9D-BBBE-13C0FDC72354}" type="datetimeFigureOut">
               <a:rPr lang="es-PE" smtClean="0"/>
-              <a:t>5/05/2023</a:t>
+              <a:t>21/05/2023</a:t>
             </a:fld>
             <a:endParaRPr lang="es-PE"/>
           </a:p>
@@ -1022,7 +1034,7 @@
           <a:p>
             <a:fld id="{72AF501A-13EC-4A9D-BBBE-13C0FDC72354}" type="datetimeFigureOut">
               <a:rPr lang="es-PE" smtClean="0"/>
-              <a:t>5/05/2023</a:t>
+              <a:t>21/05/2023</a:t>
             </a:fld>
             <a:endParaRPr lang="es-PE"/>
           </a:p>
@@ -1254,7 +1266,7 @@
           <a:p>
             <a:fld id="{72AF501A-13EC-4A9D-BBBE-13C0FDC72354}" type="datetimeFigureOut">
               <a:rPr lang="es-PE" smtClean="0"/>
-              <a:t>5/05/2023</a:t>
+              <a:t>21/05/2023</a:t>
             </a:fld>
             <a:endParaRPr lang="es-PE"/>
           </a:p>
@@ -1621,7 +1633,7 @@
           <a:p>
             <a:fld id="{72AF501A-13EC-4A9D-BBBE-13C0FDC72354}" type="datetimeFigureOut">
               <a:rPr lang="es-PE" smtClean="0"/>
-              <a:t>5/05/2023</a:t>
+              <a:t>21/05/2023</a:t>
             </a:fld>
             <a:endParaRPr lang="es-PE"/>
           </a:p>
@@ -1739,7 +1751,7 @@
           <a:p>
             <a:fld id="{72AF501A-13EC-4A9D-BBBE-13C0FDC72354}" type="datetimeFigureOut">
               <a:rPr lang="es-PE" smtClean="0"/>
-              <a:t>5/05/2023</a:t>
+              <a:t>21/05/2023</a:t>
             </a:fld>
             <a:endParaRPr lang="es-PE"/>
           </a:p>
@@ -1834,7 +1846,7 @@
           <a:p>
             <a:fld id="{72AF501A-13EC-4A9D-BBBE-13C0FDC72354}" type="datetimeFigureOut">
               <a:rPr lang="es-PE" smtClean="0"/>
-              <a:t>5/05/2023</a:t>
+              <a:t>21/05/2023</a:t>
             </a:fld>
             <a:endParaRPr lang="es-PE"/>
           </a:p>
@@ -2111,7 +2123,7 @@
           <a:p>
             <a:fld id="{72AF501A-13EC-4A9D-BBBE-13C0FDC72354}" type="datetimeFigureOut">
               <a:rPr lang="es-PE" smtClean="0"/>
-              <a:t>5/05/2023</a:t>
+              <a:t>21/05/2023</a:t>
             </a:fld>
             <a:endParaRPr lang="es-PE"/>
           </a:p>
@@ -2364,7 +2376,7 @@
           <a:p>
             <a:fld id="{72AF501A-13EC-4A9D-BBBE-13C0FDC72354}" type="datetimeFigureOut">
               <a:rPr lang="es-PE" smtClean="0"/>
-              <a:t>5/05/2023</a:t>
+              <a:t>21/05/2023</a:t>
             </a:fld>
             <a:endParaRPr lang="es-PE"/>
           </a:p>
@@ -2577,7 +2589,7 @@
           <a:p>
             <a:fld id="{72AF501A-13EC-4A9D-BBBE-13C0FDC72354}" type="datetimeFigureOut">
               <a:rPr lang="es-PE" smtClean="0"/>
-              <a:t>5/05/2023</a:t>
+              <a:t>21/05/2023</a:t>
             </a:fld>
             <a:endParaRPr lang="es-PE"/>
           </a:p>
@@ -3048,10 +3060,18 @@
             <a:r>
               <a:rPr lang="es-PE" sz="6000" b="1" dirty="0" smtClean="0">
                 <a:solidFill>
+                  <a:srgbClr val="FF0000"/>
+                </a:solidFill>
+              </a:rPr>
+              <a:t>Kant</a:t>
+            </a:r>
+            <a:r>
+              <a:rPr lang="es-PE" sz="6000" b="1" dirty="0" smtClean="0">
+                <a:solidFill>
                   <a:schemeClr val="bg1"/>
                 </a:solidFill>
               </a:rPr>
-              <a:t>Kant: </a:t>
+              <a:t>: </a:t>
             </a:r>
             <a:br>
               <a:rPr lang="es-PE" sz="6000" b="1" dirty="0" smtClean="0">
@@ -3138,7 +3158,7 @@
       </p:grpSpPr>
       <p:pic>
         <p:nvPicPr>
-          <p:cNvPr id="4" name="Imagen 3"/>
+          <p:cNvPr id="13" name="Imagen 12"/>
           <p:cNvPicPr>
             <a:picLocks noChangeAspect="1"/>
           </p:cNvPicPr>
@@ -3152,8 +3172,8 @@
         </p:blipFill>
         <p:spPr>
           <a:xfrm>
-            <a:off x="294691" y="748392"/>
-            <a:ext cx="10707705" cy="2405354"/>
+            <a:off x="407436" y="2518488"/>
+            <a:ext cx="11286749" cy="1978090"/>
           </a:xfrm>
           <a:prstGeom prst="rect">
             <a:avLst/>
@@ -3162,14 +3182,14 @@
       </p:pic>
       <p:sp>
         <p:nvSpPr>
-          <p:cNvPr id="5" name="Rectángulo 4"/>
+          <p:cNvPr id="14" name="Rectángulo 13"/>
           <p:cNvSpPr/>
           <p:nvPr/>
         </p:nvSpPr>
         <p:spPr>
           <a:xfrm>
-            <a:off x="2687216" y="2761861"/>
-            <a:ext cx="8315180" cy="391885"/>
+            <a:off x="3543689" y="4086031"/>
+            <a:ext cx="7893698" cy="410547"/>
           </a:xfrm>
           <a:prstGeom prst="rect">
             <a:avLst/>
@@ -3213,27 +3233,80 @@
           </a:p>
         </p:txBody>
       </p:sp>
-      <p:sp>
-        <p:nvSpPr>
-          <p:cNvPr id="6" name="Rectángulo 5"/>
-          <p:cNvSpPr/>
+    </p:spTree>
+    <p:extLst>
+      <p:ext uri="{BB962C8B-B14F-4D97-AF65-F5344CB8AC3E}">
+        <p14:creationId xmlns:p14="http://schemas.microsoft.com/office/powerpoint/2010/main" val="1125608569"/>
+      </p:ext>
+    </p:extLst>
+  </p:cSld>
+  <p:clrMapOvr>
+    <a:masterClrMapping/>
+  </p:clrMapOvr>
+</p:sld>
+</file>
+
+<file path=ppt/slides/slide11.xml><?xml version="1.0" encoding="utf-8"?>
+<p:sld xmlns:a="http://schemas.openxmlformats.org/drawingml/2006/main" xmlns:r="http://schemas.openxmlformats.org/officeDocument/2006/relationships" xmlns:p="http://schemas.openxmlformats.org/presentationml/2006/main">
+  <p:cSld>
+    <p:spTree>
+      <p:nvGrpSpPr>
+        <p:cNvPr id="1" name=""/>
+        <p:cNvGrpSpPr/>
+        <p:nvPr/>
+      </p:nvGrpSpPr>
+      <p:grpSpPr>
+        <a:xfrm>
+          <a:off x="0" y="0"/>
+          <a:ext cx="0" cy="0"/>
+          <a:chOff x="0" y="0"/>
+          <a:chExt cx="0" cy="0"/>
+        </a:xfrm>
+      </p:grpSpPr>
+      <p:pic>
+        <p:nvPicPr>
+          <p:cNvPr id="4" name="Imagen 3"/>
+          <p:cNvPicPr>
+            <a:picLocks noChangeAspect="1"/>
+          </p:cNvPicPr>
           <p:nvPr/>
-        </p:nvSpPr>
-        <p:spPr>
-          <a:xfrm>
-            <a:off x="8042988" y="1380931"/>
-            <a:ext cx="2959408" cy="373224"/>
+        </p:nvPicPr>
+        <p:blipFill>
+          <a:blip r:embed="rId2"/>
+          <a:stretch>
+            <a:fillRect/>
+          </a:stretch>
+        </p:blipFill>
+        <p:spPr>
+          <a:xfrm>
+            <a:off x="580441" y="2139042"/>
+            <a:ext cx="10707705" cy="2405354"/>
           </a:xfrm>
           <a:prstGeom prst="rect">
             <a:avLst/>
           </a:prstGeom>
-          <a:noFill/>
+        </p:spPr>
+      </p:pic>
+      <p:sp>
+        <p:nvSpPr>
+          <p:cNvPr id="5" name="Rectángulo 4"/>
+          <p:cNvSpPr/>
+          <p:nvPr/>
+        </p:nvSpPr>
+        <p:spPr>
+          <a:xfrm>
+            <a:off x="2972966" y="4152511"/>
+            <a:ext cx="8315180" cy="391885"/>
+          </a:xfrm>
+          <a:prstGeom prst="rect">
+            <a:avLst/>
+          </a:prstGeom>
+          <a:solidFill>
+            <a:schemeClr val="bg1"/>
+          </a:solidFill>
           <a:ln w="57150">
             <a:solidFill>
-              <a:schemeClr val="accent6">
-                <a:lumMod val="60000"/>
-                <a:lumOff val="40000"/>
-              </a:schemeClr>
+              <a:schemeClr val="bg1"/>
             </a:solidFill>
           </a:ln>
         </p:spPr>
@@ -3269,14 +3342,14 @@
       </p:sp>
       <p:sp>
         <p:nvSpPr>
-          <p:cNvPr id="7" name="Rectángulo 6"/>
+          <p:cNvPr id="6" name="Rectángulo 5"/>
           <p:cNvSpPr/>
           <p:nvPr/>
         </p:nvSpPr>
         <p:spPr>
           <a:xfrm>
-            <a:off x="522514" y="1735494"/>
-            <a:ext cx="5126029" cy="373224"/>
+            <a:off x="8328738" y="2771581"/>
+            <a:ext cx="2959408" cy="373224"/>
           </a:xfrm>
           <a:prstGeom prst="rect">
             <a:avLst/>
@@ -3321,6 +3394,60 @@
           </a:p>
         </p:txBody>
       </p:sp>
+      <p:sp>
+        <p:nvSpPr>
+          <p:cNvPr id="7" name="Rectángulo 6"/>
+          <p:cNvSpPr/>
+          <p:nvPr/>
+        </p:nvSpPr>
+        <p:spPr>
+          <a:xfrm>
+            <a:off x="808264" y="3126144"/>
+            <a:ext cx="5126029" cy="373224"/>
+          </a:xfrm>
+          <a:prstGeom prst="rect">
+            <a:avLst/>
+          </a:prstGeom>
+          <a:noFill/>
+          <a:ln w="57150">
+            <a:solidFill>
+              <a:schemeClr val="accent6">
+                <a:lumMod val="60000"/>
+                <a:lumOff val="40000"/>
+              </a:schemeClr>
+            </a:solidFill>
+          </a:ln>
+        </p:spPr>
+        <p:style>
+          <a:lnRef idx="2">
+            <a:schemeClr val="accent1">
+              <a:shade val="50000"/>
+            </a:schemeClr>
+          </a:lnRef>
+          <a:fillRef idx="1">
+            <a:schemeClr val="accent1"/>
+          </a:fillRef>
+          <a:effectRef idx="0">
+            <a:schemeClr val="accent1"/>
+          </a:effectRef>
+          <a:fontRef idx="minor">
+            <a:schemeClr val="lt1"/>
+          </a:fontRef>
+        </p:style>
+        <p:txBody>
+          <a:bodyPr rot="0" spcFirstLastPara="0" vertOverflow="overflow" horzOverflow="overflow" vert="horz" wrap="square" lIns="91440" tIns="45720" rIns="91440" bIns="45720" numCol="1" spcCol="0" rtlCol="0" fromWordArt="0" anchor="ctr" anchorCtr="0" forceAA="0" compatLnSpc="1">
+            <a:prstTxWarp prst="textNoShape">
+              <a:avLst/>
+            </a:prstTxWarp>
+            <a:noAutofit/>
+          </a:bodyPr>
+          <a:lstStyle/>
+          <a:p>
+            <a:pPr algn="ctr"/>
+            <a:endParaRPr lang="es-PE"/>
+          </a:p>
+        </p:txBody>
+      </p:sp>
     </p:spTree>
     <p:extLst>
       <p:ext uri="{BB962C8B-B14F-4D97-AF65-F5344CB8AC3E}">
@@ -3334,7 +3461,7 @@
 </p:sld>
 </file>
 
-<file path=ppt/slides/slide11.xml><?xml version="1.0" encoding="utf-8"?>
+<file path=ppt/slides/slide12.xml><?xml version="1.0" encoding="utf-8"?>
 <p:sld xmlns:a="http://schemas.openxmlformats.org/drawingml/2006/main" xmlns:r="http://schemas.openxmlformats.org/officeDocument/2006/relationships" xmlns:p="http://schemas.openxmlformats.org/presentationml/2006/main">
   <p:cSld>
     <p:spTree>
@@ -3367,7 +3494,7 @@
         </p:blipFill>
         <p:spPr>
           <a:xfrm>
-            <a:off x="198080" y="447773"/>
+            <a:off x="217130" y="2257523"/>
             <a:ext cx="11595461" cy="2295428"/>
           </a:xfrm>
           <a:prstGeom prst="rect">
@@ -3375,64 +3502,61 @@
           </a:prstGeom>
         </p:spPr>
       </p:pic>
+      <p:sp>
+        <p:nvSpPr>
+          <p:cNvPr id="2" name="Rectángulo 1"/>
+          <p:cNvSpPr/>
+          <p:nvPr/>
+        </p:nvSpPr>
+        <p:spPr>
+          <a:xfrm>
+            <a:off x="6705600" y="3981451"/>
+            <a:ext cx="1428750" cy="400050"/>
+          </a:xfrm>
+          <a:prstGeom prst="rect">
+            <a:avLst/>
+          </a:prstGeom>
+          <a:noFill/>
+          <a:ln w="57150">
+            <a:solidFill>
+              <a:srgbClr val="FF0000"/>
+            </a:solidFill>
+          </a:ln>
+        </p:spPr>
+        <p:style>
+          <a:lnRef idx="2">
+            <a:schemeClr val="accent1">
+              <a:shade val="50000"/>
+            </a:schemeClr>
+          </a:lnRef>
+          <a:fillRef idx="1">
+            <a:schemeClr val="accent1"/>
+          </a:fillRef>
+          <a:effectRef idx="0">
+            <a:schemeClr val="accent1"/>
+          </a:effectRef>
+          <a:fontRef idx="minor">
+            <a:schemeClr val="lt1"/>
+          </a:fontRef>
+        </p:style>
+        <p:txBody>
+          <a:bodyPr rot="0" spcFirstLastPara="0" vertOverflow="overflow" horzOverflow="overflow" vert="horz" wrap="square" lIns="91440" tIns="45720" rIns="91440" bIns="45720" numCol="1" spcCol="0" rtlCol="0" fromWordArt="0" anchor="ctr" anchorCtr="0" forceAA="0" compatLnSpc="1">
+            <a:prstTxWarp prst="textNoShape">
+              <a:avLst/>
+            </a:prstTxWarp>
+            <a:noAutofit/>
+          </a:bodyPr>
+          <a:lstStyle/>
+          <a:p>
+            <a:pPr algn="ctr"/>
+            <a:endParaRPr lang="es-PE"/>
+          </a:p>
+        </p:txBody>
+      </p:sp>
     </p:spTree>
     <p:extLst>
       <p:ext uri="{BB962C8B-B14F-4D97-AF65-F5344CB8AC3E}">
         <p14:creationId xmlns:p14="http://schemas.microsoft.com/office/powerpoint/2010/main" val="250428768"/>
-      </p:ext>
-    </p:extLst>
-  </p:cSld>
-  <p:clrMapOvr>
-    <a:masterClrMapping/>
-  </p:clrMapOvr>
-</p:sld>
-</file>
-
-<file path=ppt/slides/slide12.xml><?xml version="1.0" encoding="utf-8"?>
-<p:sld xmlns:a="http://schemas.openxmlformats.org/drawingml/2006/main" xmlns:r="http://schemas.openxmlformats.org/officeDocument/2006/relationships" xmlns:p="http://schemas.openxmlformats.org/presentationml/2006/main">
-  <p:cSld>
-    <p:spTree>
-      <p:nvGrpSpPr>
-        <p:cNvPr id="1" name=""/>
-        <p:cNvGrpSpPr/>
-        <p:nvPr/>
-      </p:nvGrpSpPr>
-      <p:grpSpPr>
-        <a:xfrm>
-          <a:off x="0" y="0"/>
-          <a:ext cx="0" cy="0"/>
-          <a:chOff x="0" y="0"/>
-          <a:chExt cx="0" cy="0"/>
-        </a:xfrm>
-      </p:grpSpPr>
-      <p:pic>
-        <p:nvPicPr>
-          <p:cNvPr id="4" name="Imagen 3"/>
-          <p:cNvPicPr>
-            <a:picLocks noChangeAspect="1"/>
-          </p:cNvPicPr>
-          <p:nvPr/>
-        </p:nvPicPr>
-        <p:blipFill>
-          <a:blip r:embed="rId2"/>
-          <a:stretch>
-            <a:fillRect/>
-          </a:stretch>
-        </p:blipFill>
-        <p:spPr>
-          <a:xfrm>
-            <a:off x="239195" y="577235"/>
-            <a:ext cx="11721527" cy="2147305"/>
-          </a:xfrm>
-          <a:prstGeom prst="rect">
-            <a:avLst/>
-          </a:prstGeom>
-        </p:spPr>
-      </p:pic>
-    </p:spTree>
-    <p:extLst>
-      <p:ext uri="{BB962C8B-B14F-4D97-AF65-F5344CB8AC3E}">
-        <p14:creationId xmlns:p14="http://schemas.microsoft.com/office/powerpoint/2010/main" val="4266794703"/>
       </p:ext>
     </p:extLst>
   </p:cSld>
@@ -3475,58 +3599,32 @@
         </p:blipFill>
         <p:spPr>
           <a:xfrm>
-            <a:off x="175532" y="142873"/>
-            <a:ext cx="4545758" cy="1229703"/>
+            <a:off x="182045" y="2253635"/>
+            <a:ext cx="11721527" cy="2147305"/>
           </a:xfrm>
           <a:prstGeom prst="rect">
             <a:avLst/>
           </a:prstGeom>
         </p:spPr>
       </p:pic>
-      <p:pic>
-        <p:nvPicPr>
-          <p:cNvPr id="2" name="Imagen 1"/>
-          <p:cNvPicPr>
-            <a:picLocks noChangeAspect="1"/>
-          </p:cNvPicPr>
+      <p:sp>
+        <p:nvSpPr>
+          <p:cNvPr id="2" name="Rectángulo 1"/>
+          <p:cNvSpPr/>
           <p:nvPr/>
-        </p:nvPicPr>
-        <p:blipFill>
-          <a:blip r:embed="rId3"/>
-          <a:stretch>
-            <a:fillRect/>
-          </a:stretch>
-        </p:blipFill>
-        <p:spPr>
-          <a:xfrm>
-            <a:off x="973591" y="1299482"/>
-            <a:ext cx="9753086" cy="5115832"/>
+        </p:nvSpPr>
+        <p:spPr>
+          <a:xfrm>
+            <a:off x="8115300" y="3905250"/>
+            <a:ext cx="1314450" cy="495690"/>
           </a:xfrm>
           <a:prstGeom prst="rect">
             <a:avLst/>
           </a:prstGeom>
-        </p:spPr>
-      </p:pic>
-      <p:sp>
-        <p:nvSpPr>
-          <p:cNvPr id="3" name="Rectángulo 2"/>
-          <p:cNvSpPr/>
-          <p:nvPr/>
-        </p:nvSpPr>
-        <p:spPr>
-          <a:xfrm>
-            <a:off x="4572000" y="6139543"/>
-            <a:ext cx="6154677" cy="275771"/>
-          </a:xfrm>
-          <a:prstGeom prst="rect">
-            <a:avLst/>
-          </a:prstGeom>
-          <a:solidFill>
-            <a:schemeClr val="bg1"/>
-          </a:solidFill>
-          <a:ln w="38100">
+          <a:noFill/>
+          <a:ln w="57150">
             <a:solidFill>
-              <a:schemeClr val="bg1"/>
+              <a:srgbClr val="FF0000"/>
             </a:solidFill>
           </a:ln>
         </p:spPr>
@@ -3560,378 +3658,10 @@
           </a:p>
         </p:txBody>
       </p:sp>
-      <p:sp>
-        <p:nvSpPr>
-          <p:cNvPr id="5" name="Rectángulo 4"/>
-          <p:cNvSpPr/>
-          <p:nvPr/>
-        </p:nvSpPr>
-        <p:spPr>
-          <a:xfrm>
-            <a:off x="1201783" y="2651759"/>
-            <a:ext cx="9524894" cy="1319349"/>
-          </a:xfrm>
-          <a:prstGeom prst="rect">
-            <a:avLst/>
-          </a:prstGeom>
-          <a:noFill/>
-          <a:ln w="38100">
-            <a:solidFill>
-              <a:srgbClr val="FF0000"/>
-            </a:solidFill>
-          </a:ln>
-        </p:spPr>
-        <p:style>
-          <a:lnRef idx="2">
-            <a:schemeClr val="accent1">
-              <a:shade val="50000"/>
-            </a:schemeClr>
-          </a:lnRef>
-          <a:fillRef idx="1">
-            <a:schemeClr val="accent1"/>
-          </a:fillRef>
-          <a:effectRef idx="0">
-            <a:schemeClr val="accent1"/>
-          </a:effectRef>
-          <a:fontRef idx="minor">
-            <a:schemeClr val="lt1"/>
-          </a:fontRef>
-        </p:style>
-        <p:txBody>
-          <a:bodyPr rtlCol="0" anchor="ctr"/>
-          <a:lstStyle/>
-          <a:p>
-            <a:pPr algn="ctr"/>
-            <a:endParaRPr lang="es-PE"/>
-          </a:p>
-        </p:txBody>
-      </p:sp>
-      <p:sp>
-        <p:nvSpPr>
-          <p:cNvPr id="6" name="Rectángulo 5"/>
-          <p:cNvSpPr/>
-          <p:nvPr/>
-        </p:nvSpPr>
-        <p:spPr>
-          <a:xfrm>
-            <a:off x="7171509" y="3971108"/>
-            <a:ext cx="2612571" cy="287383"/>
-          </a:xfrm>
-          <a:prstGeom prst="rect">
-            <a:avLst/>
-          </a:prstGeom>
-          <a:noFill/>
-          <a:ln w="38100">
-            <a:solidFill>
-              <a:srgbClr val="FF0000"/>
-            </a:solidFill>
-          </a:ln>
-        </p:spPr>
-        <p:style>
-          <a:lnRef idx="2">
-            <a:schemeClr val="accent1">
-              <a:shade val="50000"/>
-            </a:schemeClr>
-          </a:lnRef>
-          <a:fillRef idx="1">
-            <a:schemeClr val="accent1"/>
-          </a:fillRef>
-          <a:effectRef idx="0">
-            <a:schemeClr val="accent1"/>
-          </a:effectRef>
-          <a:fontRef idx="minor">
-            <a:schemeClr val="lt1"/>
-          </a:fontRef>
-        </p:style>
-        <p:txBody>
-          <a:bodyPr rtlCol="0" anchor="ctr"/>
-          <a:lstStyle/>
-          <a:p>
-            <a:pPr algn="ctr"/>
-            <a:endParaRPr lang="es-PE"/>
-          </a:p>
-        </p:txBody>
-      </p:sp>
-      <p:sp>
-        <p:nvSpPr>
-          <p:cNvPr id="7" name="Rectángulo 6"/>
-          <p:cNvSpPr/>
-          <p:nvPr/>
-        </p:nvSpPr>
-        <p:spPr>
-          <a:xfrm>
-            <a:off x="5643154" y="4264286"/>
-            <a:ext cx="5083523" cy="242400"/>
-          </a:xfrm>
-          <a:prstGeom prst="rect">
-            <a:avLst/>
-          </a:prstGeom>
-          <a:noFill/>
-          <a:ln w="38100">
-            <a:solidFill>
-              <a:srgbClr val="FF0000"/>
-            </a:solidFill>
-          </a:ln>
-        </p:spPr>
-        <p:style>
-          <a:lnRef idx="2">
-            <a:schemeClr val="accent1">
-              <a:shade val="50000"/>
-            </a:schemeClr>
-          </a:lnRef>
-          <a:fillRef idx="1">
-            <a:schemeClr val="accent1"/>
-          </a:fillRef>
-          <a:effectRef idx="0">
-            <a:schemeClr val="accent1"/>
-          </a:effectRef>
-          <a:fontRef idx="minor">
-            <a:schemeClr val="lt1"/>
-          </a:fontRef>
-        </p:style>
-        <p:txBody>
-          <a:bodyPr rtlCol="0" anchor="ctr"/>
-          <a:lstStyle/>
-          <a:p>
-            <a:pPr algn="ctr"/>
-            <a:endParaRPr lang="es-PE"/>
-          </a:p>
-        </p:txBody>
-      </p:sp>
-      <p:sp>
-        <p:nvSpPr>
-          <p:cNvPr id="8" name="Rectángulo 7"/>
-          <p:cNvSpPr/>
-          <p:nvPr/>
-        </p:nvSpPr>
-        <p:spPr>
-          <a:xfrm>
-            <a:off x="1201783" y="4506686"/>
-            <a:ext cx="9524894" cy="287383"/>
-          </a:xfrm>
-          <a:prstGeom prst="rect">
-            <a:avLst/>
-          </a:prstGeom>
-          <a:noFill/>
-          <a:ln w="38100">
-            <a:solidFill>
-              <a:srgbClr val="FF0000"/>
-            </a:solidFill>
-          </a:ln>
-        </p:spPr>
-        <p:style>
-          <a:lnRef idx="2">
-            <a:schemeClr val="accent1">
-              <a:shade val="50000"/>
-            </a:schemeClr>
-          </a:lnRef>
-          <a:fillRef idx="1">
-            <a:schemeClr val="accent1"/>
-          </a:fillRef>
-          <a:effectRef idx="0">
-            <a:schemeClr val="accent1"/>
-          </a:effectRef>
-          <a:fontRef idx="minor">
-            <a:schemeClr val="lt1"/>
-          </a:fontRef>
-        </p:style>
-        <p:txBody>
-          <a:bodyPr rtlCol="0" anchor="ctr"/>
-          <a:lstStyle/>
-          <a:p>
-            <a:pPr algn="ctr"/>
-            <a:endParaRPr lang="es-PE"/>
-          </a:p>
-        </p:txBody>
-      </p:sp>
-      <p:sp>
-        <p:nvSpPr>
-          <p:cNvPr id="9" name="Rectángulo 8"/>
-          <p:cNvSpPr/>
-          <p:nvPr/>
-        </p:nvSpPr>
-        <p:spPr>
-          <a:xfrm>
-            <a:off x="6792686" y="4794069"/>
-            <a:ext cx="3933991" cy="222068"/>
-          </a:xfrm>
-          <a:prstGeom prst="rect">
-            <a:avLst/>
-          </a:prstGeom>
-          <a:noFill/>
-          <a:ln w="38100">
-            <a:solidFill>
-              <a:srgbClr val="FF0000"/>
-            </a:solidFill>
-          </a:ln>
-        </p:spPr>
-        <p:style>
-          <a:lnRef idx="2">
-            <a:schemeClr val="accent1">
-              <a:shade val="50000"/>
-            </a:schemeClr>
-          </a:lnRef>
-          <a:fillRef idx="1">
-            <a:schemeClr val="accent1"/>
-          </a:fillRef>
-          <a:effectRef idx="0">
-            <a:schemeClr val="accent1"/>
-          </a:effectRef>
-          <a:fontRef idx="minor">
-            <a:schemeClr val="lt1"/>
-          </a:fontRef>
-        </p:style>
-        <p:txBody>
-          <a:bodyPr rtlCol="0" anchor="ctr"/>
-          <a:lstStyle/>
-          <a:p>
-            <a:pPr algn="ctr"/>
-            <a:endParaRPr lang="es-PE"/>
-          </a:p>
-        </p:txBody>
-      </p:sp>
-      <p:sp>
-        <p:nvSpPr>
-          <p:cNvPr id="10" name="Rectángulo 9"/>
-          <p:cNvSpPr/>
-          <p:nvPr/>
-        </p:nvSpPr>
-        <p:spPr>
-          <a:xfrm>
-            <a:off x="1201783" y="5087247"/>
-            <a:ext cx="1763486" cy="229335"/>
-          </a:xfrm>
-          <a:prstGeom prst="rect">
-            <a:avLst/>
-          </a:prstGeom>
-          <a:noFill/>
-          <a:ln w="38100">
-            <a:solidFill>
-              <a:srgbClr val="FF0000"/>
-            </a:solidFill>
-          </a:ln>
-        </p:spPr>
-        <p:style>
-          <a:lnRef idx="2">
-            <a:schemeClr val="accent1">
-              <a:shade val="50000"/>
-            </a:schemeClr>
-          </a:lnRef>
-          <a:fillRef idx="1">
-            <a:schemeClr val="accent1"/>
-          </a:fillRef>
-          <a:effectRef idx="0">
-            <a:schemeClr val="accent1"/>
-          </a:effectRef>
-          <a:fontRef idx="minor">
-            <a:schemeClr val="lt1"/>
-          </a:fontRef>
-        </p:style>
-        <p:txBody>
-          <a:bodyPr rtlCol="0" anchor="ctr"/>
-          <a:lstStyle/>
-          <a:p>
-            <a:pPr algn="ctr"/>
-            <a:endParaRPr lang="es-PE"/>
-          </a:p>
-        </p:txBody>
-      </p:sp>
-      <p:sp>
-        <p:nvSpPr>
-          <p:cNvPr id="11" name="Rectángulo 10"/>
-          <p:cNvSpPr/>
-          <p:nvPr/>
-        </p:nvSpPr>
-        <p:spPr>
-          <a:xfrm>
-            <a:off x="5643154" y="5323385"/>
-            <a:ext cx="5083523" cy="254455"/>
-          </a:xfrm>
-          <a:prstGeom prst="rect">
-            <a:avLst/>
-          </a:prstGeom>
-          <a:noFill/>
-          <a:ln w="38100">
-            <a:solidFill>
-              <a:srgbClr val="FF0000"/>
-            </a:solidFill>
-          </a:ln>
-        </p:spPr>
-        <p:style>
-          <a:lnRef idx="2">
-            <a:schemeClr val="accent1">
-              <a:shade val="50000"/>
-            </a:schemeClr>
-          </a:lnRef>
-          <a:fillRef idx="1">
-            <a:schemeClr val="accent1"/>
-          </a:fillRef>
-          <a:effectRef idx="0">
-            <a:schemeClr val="accent1"/>
-          </a:effectRef>
-          <a:fontRef idx="minor">
-            <a:schemeClr val="lt1"/>
-          </a:fontRef>
-        </p:style>
-        <p:txBody>
-          <a:bodyPr rtlCol="0" anchor="ctr"/>
-          <a:lstStyle/>
-          <a:p>
-            <a:pPr algn="ctr"/>
-            <a:endParaRPr lang="es-PE"/>
-          </a:p>
-        </p:txBody>
-      </p:sp>
-      <p:sp>
-        <p:nvSpPr>
-          <p:cNvPr id="12" name="Rectángulo 11"/>
-          <p:cNvSpPr/>
-          <p:nvPr/>
-        </p:nvSpPr>
-        <p:spPr>
-          <a:xfrm>
-            <a:off x="1201783" y="5577840"/>
-            <a:ext cx="9524894" cy="783771"/>
-          </a:xfrm>
-          <a:prstGeom prst="rect">
-            <a:avLst/>
-          </a:prstGeom>
-          <a:noFill/>
-          <a:ln w="38100">
-            <a:solidFill>
-              <a:srgbClr val="FF0000"/>
-            </a:solidFill>
-          </a:ln>
-        </p:spPr>
-        <p:style>
-          <a:lnRef idx="2">
-            <a:schemeClr val="accent1">
-              <a:shade val="50000"/>
-            </a:schemeClr>
-          </a:lnRef>
-          <a:fillRef idx="1">
-            <a:schemeClr val="accent1"/>
-          </a:fillRef>
-          <a:effectRef idx="0">
-            <a:schemeClr val="accent1"/>
-          </a:effectRef>
-          <a:fontRef idx="minor">
-            <a:schemeClr val="lt1"/>
-          </a:fontRef>
-        </p:style>
-        <p:txBody>
-          <a:bodyPr rtlCol="0" anchor="ctr"/>
-          <a:lstStyle/>
-          <a:p>
-            <a:pPr algn="ctr"/>
-            <a:endParaRPr lang="es-PE"/>
-          </a:p>
-        </p:txBody>
-      </p:sp>
     </p:spTree>
     <p:extLst>
       <p:ext uri="{BB962C8B-B14F-4D97-AF65-F5344CB8AC3E}">
-        <p14:creationId xmlns:p14="http://schemas.microsoft.com/office/powerpoint/2010/main" val="3296895344"/>
+        <p14:creationId xmlns:p14="http://schemas.microsoft.com/office/powerpoint/2010/main" val="4266794703"/>
       </p:ext>
     </p:extLst>
   </p:cSld>
@@ -3958,32 +3688,9 @@
           <a:chExt cx="0" cy="0"/>
         </a:xfrm>
       </p:grpSpPr>
-      <p:sp>
-        <p:nvSpPr>
-          <p:cNvPr id="2" name="Título 1"/>
-          <p:cNvSpPr>
-            <a:spLocks noGrp="1"/>
-          </p:cNvSpPr>
-          <p:nvPr>
-            <p:ph type="title"/>
-          </p:nvPr>
-        </p:nvSpPr>
-        <p:spPr/>
-        <p:txBody>
-          <a:bodyPr/>
-          <a:lstStyle/>
-          <a:p>
-            <a:r>
-              <a:rPr lang="es-PE" dirty="0" smtClean="0"/>
-              <a:t>Reflexión final: ¿qué pasa con la educación en Perú?</a:t>
-            </a:r>
-            <a:endParaRPr lang="es-PE" dirty="0"/>
-          </a:p>
-        </p:txBody>
-      </p:sp>
       <p:pic>
         <p:nvPicPr>
-          <p:cNvPr id="5" name="Imagen 4"/>
+          <p:cNvPr id="4" name="Imagen 3"/>
           <p:cNvPicPr>
             <a:picLocks noChangeAspect="1"/>
           </p:cNvPicPr>
@@ -3997,92 +3704,866 @@
         </p:blipFill>
         <p:spPr>
           <a:xfrm>
-            <a:off x="5970603" y="2099386"/>
-            <a:ext cx="8879942" cy="3772386"/>
+            <a:off x="3705224" y="190499"/>
+            <a:ext cx="4333875" cy="6532217"/>
           </a:xfrm>
           <a:prstGeom prst="rect">
             <a:avLst/>
           </a:prstGeom>
         </p:spPr>
       </p:pic>
+    </p:spTree>
+    <p:extLst>
+      <p:ext uri="{BB962C8B-B14F-4D97-AF65-F5344CB8AC3E}">
+        <p14:creationId xmlns:p14="http://schemas.microsoft.com/office/powerpoint/2010/main" val="612694174"/>
+      </p:ext>
+    </p:extLst>
+  </p:cSld>
+  <p:clrMapOvr>
+    <a:masterClrMapping/>
+  </p:clrMapOvr>
+</p:sld>
+</file>
+
+<file path=ppt/slides/slide15.xml><?xml version="1.0" encoding="utf-8"?>
+<p:sld xmlns:a="http://schemas.openxmlformats.org/drawingml/2006/main" xmlns:r="http://schemas.openxmlformats.org/officeDocument/2006/relationships" xmlns:p="http://schemas.openxmlformats.org/presentationml/2006/main">
+  <p:cSld>
+    <p:spTree>
+      <p:nvGrpSpPr>
+        <p:cNvPr id="1" name=""/>
+        <p:cNvGrpSpPr/>
+        <p:nvPr/>
+      </p:nvGrpSpPr>
+      <p:grpSpPr>
+        <a:xfrm>
+          <a:off x="0" y="0"/>
+          <a:ext cx="0" cy="0"/>
+          <a:chOff x="0" y="0"/>
+          <a:chExt cx="0" cy="0"/>
+        </a:xfrm>
+      </p:grpSpPr>
+      <p:sp>
+        <p:nvSpPr>
+          <p:cNvPr id="2" name="Título 1"/>
+          <p:cNvSpPr>
+            <a:spLocks noGrp="1"/>
+          </p:cNvSpPr>
+          <p:nvPr>
+            <p:ph type="title"/>
+          </p:nvPr>
+        </p:nvSpPr>
+        <p:spPr/>
+        <p:txBody>
+          <a:bodyPr>
+            <a:noAutofit/>
+          </a:bodyPr>
+          <a:lstStyle/>
+          <a:p>
+            <a:r>
+              <a:rPr lang="es-PE" sz="3200" dirty="0"/>
+              <a:t>Kant, I. </a:t>
+            </a:r>
+            <a:r>
+              <a:rPr lang="es-PE" sz="3200" i="1" dirty="0">
+                <a:solidFill>
+                  <a:srgbClr val="FF0000"/>
+                </a:solidFill>
+              </a:rPr>
+              <a:t>Lecciones de ética</a:t>
+            </a:r>
+            <a:r>
+              <a:rPr lang="es-PE" sz="3200" dirty="0"/>
+              <a:t>. Editorial Crítica, Barcelona, 1988.</a:t>
+            </a:r>
+            <a:br>
+              <a:rPr lang="es-PE" sz="3200" dirty="0"/>
+            </a:br>
+            <a:endParaRPr lang="es-PE" sz="3200" dirty="0"/>
+          </a:p>
+        </p:txBody>
+      </p:sp>
+      <p:sp>
+        <p:nvSpPr>
+          <p:cNvPr id="3" name="Marcador de contenido 2"/>
+          <p:cNvSpPr>
+            <a:spLocks noGrp="1"/>
+          </p:cNvSpPr>
+          <p:nvPr>
+            <p:ph idx="1"/>
+          </p:nvPr>
+        </p:nvSpPr>
+        <p:spPr>
+          <a:xfrm>
+            <a:off x="838200" y="1825625"/>
+            <a:ext cx="4114800" cy="4351338"/>
+          </a:xfrm>
+        </p:spPr>
+        <p:txBody>
+          <a:bodyPr>
+            <a:normAutofit/>
+          </a:bodyPr>
+          <a:lstStyle/>
+          <a:p>
+            <a:pPr marL="0" indent="0" algn="just">
+              <a:buNone/>
+            </a:pPr>
+            <a:r>
+              <a:rPr lang="es-PE" dirty="0"/>
+              <a:t>“¿A qué exigencias ha de responder entonces la formación del hombre, a las de la </a:t>
+            </a:r>
+            <a:r>
+              <a:rPr lang="es-PE" dirty="0">
+                <a:solidFill>
+                  <a:srgbClr val="FF0000"/>
+                </a:solidFill>
+              </a:rPr>
+              <a:t>naturaleza</a:t>
+            </a:r>
+            <a:r>
+              <a:rPr lang="es-PE" dirty="0"/>
+              <a:t> o a las de la </a:t>
+            </a:r>
+            <a:r>
+              <a:rPr lang="es-PE" dirty="0">
+                <a:solidFill>
+                  <a:srgbClr val="FF0000"/>
+                </a:solidFill>
+              </a:rPr>
+              <a:t>sociedad civil</a:t>
+            </a:r>
+            <a:r>
+              <a:rPr lang="es-PE" dirty="0"/>
+              <a:t>? </a:t>
+            </a:r>
+            <a:r>
+              <a:rPr lang="es-PE" dirty="0">
+                <a:solidFill>
+                  <a:srgbClr val="FF0000"/>
+                </a:solidFill>
+              </a:rPr>
+              <a:t>Ambas</a:t>
+            </a:r>
+            <a:r>
+              <a:rPr lang="es-PE" dirty="0"/>
+              <a:t> cosas han de ser tenidas en cuenta por la </a:t>
+            </a:r>
+            <a:r>
+              <a:rPr lang="es-PE" dirty="0">
+                <a:solidFill>
+                  <a:srgbClr val="FF0000"/>
+                </a:solidFill>
+              </a:rPr>
+              <a:t>educación</a:t>
+            </a:r>
+            <a:r>
+              <a:rPr lang="es-PE" dirty="0"/>
+              <a:t>, regla primordial en la formación del hombre civilizado</a:t>
+            </a:r>
+            <a:r>
+              <a:rPr lang="es-PE" dirty="0" smtClean="0"/>
+              <a:t>.” </a:t>
+            </a:r>
+            <a:r>
+              <a:rPr lang="es-PE" dirty="0"/>
+              <a:t>(Kant, 1988, p.297)</a:t>
+            </a:r>
+          </a:p>
+          <a:p>
+            <a:endParaRPr lang="es-PE" dirty="0"/>
+          </a:p>
+        </p:txBody>
+      </p:sp>
       <p:pic>
         <p:nvPicPr>
-          <p:cNvPr id="6" name="Imagen 5"/>
+          <p:cNvPr id="4" name="Imagen 3"/>
           <p:cNvPicPr>
             <a:picLocks noChangeAspect="1"/>
           </p:cNvPicPr>
           <p:nvPr/>
         </p:nvPicPr>
         <p:blipFill>
-          <a:blip r:embed="rId3"/>
+          <a:blip r:embed="rId2"/>
           <a:stretch>
             <a:fillRect/>
           </a:stretch>
         </p:blipFill>
         <p:spPr>
           <a:xfrm>
-            <a:off x="-339752" y="1853972"/>
-            <a:ext cx="6435752" cy="4017800"/>
+            <a:off x="6267450" y="1310988"/>
+            <a:ext cx="4286250" cy="5380612"/>
           </a:xfrm>
           <a:prstGeom prst="rect">
             <a:avLst/>
           </a:prstGeom>
         </p:spPr>
       </p:pic>
-      <p:sp>
-        <p:nvSpPr>
-          <p:cNvPr id="7" name="Título 1"/>
-          <p:cNvSpPr txBox="1">
-            <a:spLocks/>
-          </p:cNvSpPr>
+    </p:spTree>
+    <p:extLst>
+      <p:ext uri="{BB962C8B-B14F-4D97-AF65-F5344CB8AC3E}">
+        <p14:creationId xmlns:p14="http://schemas.microsoft.com/office/powerpoint/2010/main" val="3397745056"/>
+      </p:ext>
+    </p:extLst>
+  </p:cSld>
+  <p:clrMapOvr>
+    <a:masterClrMapping/>
+  </p:clrMapOvr>
+</p:sld>
+</file>
+
+<file path=ppt/slides/slide16.xml><?xml version="1.0" encoding="utf-8"?>
+<p:sld xmlns:a="http://schemas.openxmlformats.org/drawingml/2006/main" xmlns:r="http://schemas.openxmlformats.org/officeDocument/2006/relationships" xmlns:p="http://schemas.openxmlformats.org/presentationml/2006/main">
+  <p:cSld>
+    <p:spTree>
+      <p:nvGrpSpPr>
+        <p:cNvPr id="1" name=""/>
+        <p:cNvGrpSpPr/>
+        <p:nvPr/>
+      </p:nvGrpSpPr>
+      <p:grpSpPr>
+        <a:xfrm>
+          <a:off x="0" y="0"/>
+          <a:ext cx="0" cy="0"/>
+          <a:chOff x="0" y="0"/>
+          <a:chExt cx="0" cy="0"/>
+        </a:xfrm>
+      </p:grpSpPr>
+      <p:sp>
+        <p:nvSpPr>
+          <p:cNvPr id="2" name="Título 1"/>
+          <p:cNvSpPr>
+            <a:spLocks noGrp="1"/>
+          </p:cNvSpPr>
+          <p:nvPr>
+            <p:ph type="title"/>
+          </p:nvPr>
+        </p:nvSpPr>
+        <p:spPr/>
+        <p:txBody>
+          <a:bodyPr>
+            <a:noAutofit/>
+          </a:bodyPr>
+          <a:lstStyle/>
+          <a:p>
+            <a:r>
+              <a:rPr lang="es-PE" sz="3200" dirty="0"/>
+              <a:t>Kant, I. </a:t>
+            </a:r>
+            <a:r>
+              <a:rPr lang="es-PE" sz="3200" i="1" dirty="0">
+                <a:solidFill>
+                  <a:srgbClr val="FF0000"/>
+                </a:solidFill>
+              </a:rPr>
+              <a:t>Lecciones de ética</a:t>
+            </a:r>
+            <a:r>
+              <a:rPr lang="es-PE" sz="3200" dirty="0"/>
+              <a:t>. Editorial Crítica, Barcelona, 1988.</a:t>
+            </a:r>
+            <a:br>
+              <a:rPr lang="es-PE" sz="3200" dirty="0"/>
+            </a:br>
+            <a:endParaRPr lang="es-PE" sz="3200" dirty="0"/>
+          </a:p>
+        </p:txBody>
+      </p:sp>
+      <p:sp>
+        <p:nvSpPr>
+          <p:cNvPr id="3" name="Marcador de contenido 2"/>
+          <p:cNvSpPr>
+            <a:spLocks noGrp="1"/>
+          </p:cNvSpPr>
+          <p:nvPr>
+            <p:ph idx="1"/>
+          </p:nvPr>
+        </p:nvSpPr>
+        <p:spPr>
+          <a:xfrm>
+            <a:off x="6267450" y="1825625"/>
+            <a:ext cx="5086350" cy="4351338"/>
+          </a:xfrm>
+        </p:spPr>
+        <p:txBody>
+          <a:bodyPr>
+            <a:normAutofit/>
+          </a:bodyPr>
+          <a:lstStyle/>
+          <a:p>
+            <a:r>
+              <a:rPr lang="es-PE" dirty="0" smtClean="0"/>
+              <a:t>A </a:t>
+            </a:r>
+            <a:r>
+              <a:rPr lang="es-PE" dirty="0"/>
+              <a:t>través de la </a:t>
+            </a:r>
+            <a:r>
+              <a:rPr lang="es-PE" dirty="0">
+                <a:solidFill>
+                  <a:srgbClr val="FF0000"/>
+                </a:solidFill>
+              </a:rPr>
+              <a:t>disciplina</a:t>
+            </a:r>
+            <a:r>
+              <a:rPr lang="es-PE" dirty="0"/>
+              <a:t> se forja el </a:t>
+            </a:r>
+            <a:r>
+              <a:rPr lang="es-PE" dirty="0">
+                <a:solidFill>
+                  <a:srgbClr val="FF0000"/>
+                </a:solidFill>
+              </a:rPr>
+              <a:t>temperamento</a:t>
+            </a:r>
+            <a:r>
+              <a:rPr lang="es-PE" dirty="0"/>
+              <a:t> y mediante la doctrina el carácter. La esencia de la disciplina es la sujeción; con ella el niño no aprende nada nuevo, sino que </a:t>
+            </a:r>
+            <a:r>
+              <a:rPr lang="es-PE" dirty="0">
+                <a:solidFill>
+                  <a:srgbClr val="FF0000"/>
+                </a:solidFill>
+              </a:rPr>
+              <a:t>pone bridas a una libertad desenfrenada</a:t>
+            </a:r>
+            <a:r>
+              <a:rPr lang="es-PE" dirty="0" smtClean="0"/>
+              <a:t>.” </a:t>
+            </a:r>
+            <a:r>
+              <a:rPr lang="es-PE" dirty="0"/>
+              <a:t>(Kant, 1928, 298) </a:t>
+            </a:r>
+          </a:p>
+          <a:p>
+            <a:endParaRPr lang="es-PE" dirty="0"/>
+          </a:p>
+        </p:txBody>
+      </p:sp>
+      <p:pic>
+        <p:nvPicPr>
+          <p:cNvPr id="4" name="Imagen 3"/>
+          <p:cNvPicPr>
+            <a:picLocks noChangeAspect="1"/>
+          </p:cNvPicPr>
           <p:nvPr/>
-        </p:nvSpPr>
-        <p:spPr>
-          <a:xfrm>
-            <a:off x="838200" y="5871772"/>
-            <a:ext cx="10515600" cy="1325563"/>
+        </p:nvPicPr>
+        <p:blipFill>
+          <a:blip r:embed="rId2"/>
+          <a:stretch>
+            <a:fillRect/>
+          </a:stretch>
+        </p:blipFill>
+        <p:spPr>
+          <a:xfrm>
+            <a:off x="1504950" y="1385887"/>
+            <a:ext cx="3962400" cy="4583953"/>
           </a:xfrm>
           <a:prstGeom prst="rect">
             <a:avLst/>
           </a:prstGeom>
         </p:spPr>
-        <p:txBody>
-          <a:bodyPr vert="horz" lIns="91440" tIns="45720" rIns="91440" bIns="45720" rtlCol="0" anchor="ctr">
-            <a:normAutofit/>
-          </a:bodyPr>
-          <a:lstStyle>
-            <a:lvl1pPr algn="l" defTabSz="914400" rtl="0" eaLnBrk="1" latinLnBrk="0" hangingPunct="1">
-              <a:lnSpc>
-                <a:spcPct val="90000"/>
-              </a:lnSpc>
-              <a:spcBef>
-                <a:spcPct val="0"/>
-              </a:spcBef>
-              <a:buNone/>
-              <a:defRPr sz="4400" kern="1200">
-                <a:solidFill>
-                  <a:schemeClr val="tx1"/>
-                </a:solidFill>
-                <a:latin typeface="+mj-lt"/>
-                <a:ea typeface="+mj-ea"/>
-                <a:cs typeface="+mj-cs"/>
-              </a:defRPr>
-            </a:lvl1pPr>
-          </a:lstStyle>
-          <a:p>
-            <a:pPr algn="ctr"/>
-            <a:r>
-              <a:rPr lang="es-PE" smtClean="0"/>
-              <a:t>¿Es la educación un asunto político?</a:t>
-            </a:r>
-            <a:endParaRPr lang="es-PE" dirty="0"/>
-          </a:p>
-        </p:txBody>
-      </p:sp>
+      </p:pic>
     </p:spTree>
     <p:extLst>
       <p:ext uri="{BB962C8B-B14F-4D97-AF65-F5344CB8AC3E}">
-        <p14:creationId xmlns:p14="http://schemas.microsoft.com/office/powerpoint/2010/main" val="3159338309"/>
+        <p14:creationId xmlns:p14="http://schemas.microsoft.com/office/powerpoint/2010/main" val="2478809449"/>
+      </p:ext>
+    </p:extLst>
+  </p:cSld>
+  <p:clrMapOvr>
+    <a:masterClrMapping/>
+  </p:clrMapOvr>
+</p:sld>
+</file>
+
+<file path=ppt/slides/slide17.xml><?xml version="1.0" encoding="utf-8"?>
+<p:sld xmlns:a="http://schemas.openxmlformats.org/drawingml/2006/main" xmlns:r="http://schemas.openxmlformats.org/officeDocument/2006/relationships" xmlns:p="http://schemas.openxmlformats.org/presentationml/2006/main">
+  <p:cSld>
+    <p:spTree>
+      <p:nvGrpSpPr>
+        <p:cNvPr id="1" name=""/>
+        <p:cNvGrpSpPr/>
+        <p:nvPr/>
+      </p:nvGrpSpPr>
+      <p:grpSpPr>
+        <a:xfrm>
+          <a:off x="0" y="0"/>
+          <a:ext cx="0" cy="0"/>
+          <a:chOff x="0" y="0"/>
+          <a:chExt cx="0" cy="0"/>
+        </a:xfrm>
+      </p:grpSpPr>
+      <p:sp>
+        <p:nvSpPr>
+          <p:cNvPr id="2" name="Título 1"/>
+          <p:cNvSpPr>
+            <a:spLocks noGrp="1"/>
+          </p:cNvSpPr>
+          <p:nvPr>
+            <p:ph type="title"/>
+          </p:nvPr>
+        </p:nvSpPr>
+        <p:spPr/>
+        <p:txBody>
+          <a:bodyPr>
+            <a:noAutofit/>
+          </a:bodyPr>
+          <a:lstStyle/>
+          <a:p>
+            <a:r>
+              <a:rPr lang="es-PE" sz="3200" dirty="0"/>
+              <a:t>Kant, I. </a:t>
+            </a:r>
+            <a:r>
+              <a:rPr lang="es-PE" sz="3200" i="1" dirty="0">
+                <a:solidFill>
+                  <a:srgbClr val="FF0000"/>
+                </a:solidFill>
+              </a:rPr>
+              <a:t>Lecciones de ética</a:t>
+            </a:r>
+            <a:r>
+              <a:rPr lang="es-PE" sz="3200" dirty="0"/>
+              <a:t>. Editorial Crítica, Barcelona, 1988.</a:t>
+            </a:r>
+            <a:br>
+              <a:rPr lang="es-PE" sz="3200" dirty="0"/>
+            </a:br>
+            <a:endParaRPr lang="es-PE" sz="3200" dirty="0"/>
+          </a:p>
+        </p:txBody>
+      </p:sp>
+      <p:sp>
+        <p:nvSpPr>
+          <p:cNvPr id="3" name="Marcador de contenido 2"/>
+          <p:cNvSpPr>
+            <a:spLocks noGrp="1"/>
+          </p:cNvSpPr>
+          <p:nvPr>
+            <p:ph idx="1"/>
+          </p:nvPr>
+        </p:nvSpPr>
+        <p:spPr>
+          <a:xfrm>
+            <a:off x="838200" y="4476749"/>
+            <a:ext cx="10515600" cy="2081213"/>
+          </a:xfrm>
+        </p:spPr>
+        <p:txBody>
+          <a:bodyPr>
+            <a:normAutofit/>
+          </a:bodyPr>
+          <a:lstStyle/>
+          <a:p>
+            <a:pPr marL="0" indent="0" algn="just">
+              <a:buNone/>
+            </a:pPr>
+            <a:r>
+              <a:rPr lang="es-PE" dirty="0"/>
+              <a:t>“La libertad representa, sin embargo, el mayor valor del ser humano, por lo que disciplinar a la juventud no debe significar someterla a una coerción servil y anuladora de toda libertad. </a:t>
+            </a:r>
+            <a:r>
+              <a:rPr lang="es-PE" dirty="0">
+                <a:solidFill>
+                  <a:srgbClr val="FF0000"/>
+                </a:solidFill>
+              </a:rPr>
+              <a:t>La educación ha de respetar la libertad</a:t>
+            </a:r>
+            <a:r>
+              <a:rPr lang="es-PE" dirty="0"/>
+              <a:t>, en tanto que ésta haga lo propio con la de los demás.” (Kant, 1988, p.298)</a:t>
+            </a:r>
+          </a:p>
+          <a:p>
+            <a:pPr algn="just"/>
+            <a:endParaRPr lang="es-PE" dirty="0"/>
+          </a:p>
+        </p:txBody>
+      </p:sp>
+      <p:pic>
+        <p:nvPicPr>
+          <p:cNvPr id="4" name="Imagen 3"/>
+          <p:cNvPicPr>
+            <a:picLocks noChangeAspect="1"/>
+          </p:cNvPicPr>
+          <p:nvPr/>
+        </p:nvPicPr>
+        <p:blipFill>
+          <a:blip r:embed="rId2"/>
+          <a:stretch>
+            <a:fillRect/>
+          </a:stretch>
+        </p:blipFill>
+        <p:spPr>
+          <a:xfrm>
+            <a:off x="3109912" y="1275038"/>
+            <a:ext cx="5291138" cy="2820711"/>
+          </a:xfrm>
+          <a:prstGeom prst="rect">
+            <a:avLst/>
+          </a:prstGeom>
+        </p:spPr>
+      </p:pic>
+    </p:spTree>
+    <p:extLst>
+      <p:ext uri="{BB962C8B-B14F-4D97-AF65-F5344CB8AC3E}">
+        <p14:creationId xmlns:p14="http://schemas.microsoft.com/office/powerpoint/2010/main" val="975414367"/>
+      </p:ext>
+    </p:extLst>
+  </p:cSld>
+  <p:clrMapOvr>
+    <a:masterClrMapping/>
+  </p:clrMapOvr>
+</p:sld>
+</file>
+
+<file path=ppt/slides/slide18.xml><?xml version="1.0" encoding="utf-8"?>
+<p:sld xmlns:a="http://schemas.openxmlformats.org/drawingml/2006/main" xmlns:r="http://schemas.openxmlformats.org/officeDocument/2006/relationships" xmlns:p="http://schemas.openxmlformats.org/presentationml/2006/main">
+  <p:cSld>
+    <p:spTree>
+      <p:nvGrpSpPr>
+        <p:cNvPr id="1" name=""/>
+        <p:cNvGrpSpPr/>
+        <p:nvPr/>
+      </p:nvGrpSpPr>
+      <p:grpSpPr>
+        <a:xfrm>
+          <a:off x="0" y="0"/>
+          <a:ext cx="0" cy="0"/>
+          <a:chOff x="0" y="0"/>
+          <a:chExt cx="0" cy="0"/>
+        </a:xfrm>
+      </p:grpSpPr>
+      <p:sp>
+        <p:nvSpPr>
+          <p:cNvPr id="2" name="Título 1"/>
+          <p:cNvSpPr>
+            <a:spLocks noGrp="1"/>
+          </p:cNvSpPr>
+          <p:nvPr>
+            <p:ph type="title"/>
+          </p:nvPr>
+        </p:nvSpPr>
+        <p:spPr/>
+        <p:txBody>
+          <a:bodyPr>
+            <a:noAutofit/>
+          </a:bodyPr>
+          <a:lstStyle/>
+          <a:p>
+            <a:r>
+              <a:rPr lang="es-PE" sz="2400" dirty="0" err="1"/>
+              <a:t>Vandewalle</a:t>
+            </a:r>
+            <a:r>
+              <a:rPr lang="es-PE" sz="2400" dirty="0"/>
+              <a:t>, Bernard. </a:t>
+            </a:r>
+            <a:r>
+              <a:rPr lang="es-PE" sz="2400" i="1" dirty="0"/>
+              <a:t>Kant. Educación y crítica.</a:t>
+            </a:r>
+            <a:r>
+              <a:rPr lang="es-PE" sz="2400" dirty="0"/>
+              <a:t> Ed. Nueva Visión, Buenos Aires, 2005.</a:t>
+            </a:r>
+            <a:r>
+              <a:rPr lang="es-PE" sz="1600" dirty="0"/>
+              <a:t/>
+            </a:r>
+            <a:br>
+              <a:rPr lang="es-PE" sz="1600" dirty="0"/>
+            </a:br>
+            <a:endParaRPr lang="es-PE" sz="1600" dirty="0"/>
+          </a:p>
+        </p:txBody>
+      </p:sp>
+      <p:sp>
+        <p:nvSpPr>
+          <p:cNvPr id="3" name="Marcador de contenido 2"/>
+          <p:cNvSpPr>
+            <a:spLocks noGrp="1"/>
+          </p:cNvSpPr>
+          <p:nvPr>
+            <p:ph idx="1"/>
+          </p:nvPr>
+        </p:nvSpPr>
+        <p:spPr>
+          <a:xfrm>
+            <a:off x="971550" y="2244725"/>
+            <a:ext cx="10515600" cy="4351338"/>
+          </a:xfrm>
+        </p:spPr>
+        <p:txBody>
+          <a:bodyPr>
+            <a:normAutofit/>
+          </a:bodyPr>
+          <a:lstStyle/>
+          <a:p>
+            <a:pPr marL="0" indent="0">
+              <a:buNone/>
+            </a:pPr>
+            <a:r>
+              <a:rPr lang="es-PE" dirty="0"/>
+              <a:t>“¿Qué debe ser la </a:t>
+            </a:r>
+            <a:r>
+              <a:rPr lang="es-PE" dirty="0">
+                <a:solidFill>
+                  <a:srgbClr val="FF0000"/>
+                </a:solidFill>
+              </a:rPr>
+              <a:t>educación</a:t>
+            </a:r>
+            <a:r>
+              <a:rPr lang="es-PE" dirty="0"/>
+              <a:t> a la hora de la </a:t>
+            </a:r>
+            <a:r>
+              <a:rPr lang="es-PE" dirty="0">
+                <a:solidFill>
+                  <a:srgbClr val="FF0000"/>
+                </a:solidFill>
+              </a:rPr>
+              <a:t>filosofía crítica</a:t>
+            </a:r>
+            <a:r>
+              <a:rPr lang="es-PE" dirty="0"/>
+              <a:t>? </a:t>
+            </a:r>
+            <a:r>
+              <a:rPr lang="es-PE" dirty="0" smtClean="0"/>
+              <a:t>(…) </a:t>
+            </a:r>
+            <a:r>
+              <a:rPr lang="es-PE" dirty="0"/>
+              <a:t>¿cómo hay que pensar una educación auténticamente </a:t>
+            </a:r>
+            <a:r>
+              <a:rPr lang="es-PE" dirty="0">
+                <a:solidFill>
+                  <a:srgbClr val="FF0000"/>
+                </a:solidFill>
+              </a:rPr>
+              <a:t>ilustrada</a:t>
+            </a:r>
+            <a:r>
+              <a:rPr lang="es-PE" dirty="0"/>
+              <a:t>? Al instituir una nueva manera de pensar y tal vez de sentir y existir, la filosofía crítica impone un nuevo enfoque de la educación que se convierte en un objetivo filosófico e histórico fundamental. (…) </a:t>
+            </a:r>
+            <a:r>
+              <a:rPr lang="es-PE" dirty="0" smtClean="0"/>
+              <a:t>como </a:t>
+            </a:r>
+            <a:r>
+              <a:rPr lang="es-PE" dirty="0">
+                <a:solidFill>
+                  <a:srgbClr val="FF0000"/>
+                </a:solidFill>
+              </a:rPr>
+              <a:t>salida del dogmatismo </a:t>
+            </a:r>
+            <a:r>
+              <a:rPr lang="es-PE" dirty="0"/>
+              <a:t>y de la minoría de edad. (…) cuando para el dogmatismo lo importante es la doctrina en la escuela o la tradición, y por lo tanto aprender pensamientos en vez de </a:t>
+            </a:r>
+            <a:r>
+              <a:rPr lang="es-PE" dirty="0">
+                <a:solidFill>
+                  <a:srgbClr val="FF0000"/>
+                </a:solidFill>
+              </a:rPr>
+              <a:t>aprender a pensar</a:t>
+            </a:r>
+            <a:r>
+              <a:rPr lang="es-PE" dirty="0"/>
+              <a:t>.” (</a:t>
+            </a:r>
+            <a:r>
+              <a:rPr lang="es-PE" dirty="0" err="1"/>
+              <a:t>Vandewalle</a:t>
+            </a:r>
+            <a:r>
+              <a:rPr lang="es-PE" dirty="0"/>
+              <a:t>, 2005, p.9)</a:t>
+            </a:r>
+          </a:p>
+          <a:p>
+            <a:endParaRPr lang="es-PE" dirty="0"/>
+          </a:p>
+        </p:txBody>
+      </p:sp>
+    </p:spTree>
+    <p:extLst>
+      <p:ext uri="{BB962C8B-B14F-4D97-AF65-F5344CB8AC3E}">
+        <p14:creationId xmlns:p14="http://schemas.microsoft.com/office/powerpoint/2010/main" val="1455456645"/>
+      </p:ext>
+    </p:extLst>
+  </p:cSld>
+  <p:clrMapOvr>
+    <a:masterClrMapping/>
+  </p:clrMapOvr>
+</p:sld>
+</file>
+
+<file path=ppt/slides/slide19.xml><?xml version="1.0" encoding="utf-8"?>
+<p:sld xmlns:a="http://schemas.openxmlformats.org/drawingml/2006/main" xmlns:r="http://schemas.openxmlformats.org/officeDocument/2006/relationships" xmlns:p="http://schemas.openxmlformats.org/presentationml/2006/main">
+  <p:cSld>
+    <p:spTree>
+      <p:nvGrpSpPr>
+        <p:cNvPr id="1" name=""/>
+        <p:cNvGrpSpPr/>
+        <p:nvPr/>
+      </p:nvGrpSpPr>
+      <p:grpSpPr>
+        <a:xfrm>
+          <a:off x="0" y="0"/>
+          <a:ext cx="0" cy="0"/>
+          <a:chOff x="0" y="0"/>
+          <a:chExt cx="0" cy="0"/>
+        </a:xfrm>
+      </p:grpSpPr>
+      <p:sp>
+        <p:nvSpPr>
+          <p:cNvPr id="2" name="Título 1"/>
+          <p:cNvSpPr>
+            <a:spLocks noGrp="1"/>
+          </p:cNvSpPr>
+          <p:nvPr>
+            <p:ph type="title"/>
+          </p:nvPr>
+        </p:nvSpPr>
+        <p:spPr/>
+        <p:txBody>
+          <a:bodyPr>
+            <a:noAutofit/>
+          </a:bodyPr>
+          <a:lstStyle/>
+          <a:p>
+            <a:r>
+              <a:rPr lang="es-PE" sz="2000" dirty="0" err="1"/>
+              <a:t>Agazzi</a:t>
+            </a:r>
+            <a:r>
+              <a:rPr lang="es-PE" sz="2000" dirty="0"/>
+              <a:t>, Aldo. </a:t>
+            </a:r>
+            <a:r>
+              <a:rPr lang="es-PE" sz="2000" i="1" dirty="0"/>
+              <a:t>Historia de la filosofía y de la pedagogía. Tomo II.</a:t>
+            </a:r>
+            <a:r>
+              <a:rPr lang="es-PE" sz="2000" dirty="0"/>
+              <a:t> Ed. Marfil, Valencia, 1966.</a:t>
+            </a:r>
+            <a:r>
+              <a:rPr lang="es-PE" sz="800" dirty="0"/>
+              <a:t/>
+            </a:r>
+            <a:br>
+              <a:rPr lang="es-PE" sz="800" dirty="0"/>
+            </a:br>
+            <a:endParaRPr lang="es-PE" sz="800" dirty="0"/>
+          </a:p>
+        </p:txBody>
+      </p:sp>
+      <p:sp>
+        <p:nvSpPr>
+          <p:cNvPr id="3" name="Marcador de contenido 2"/>
+          <p:cNvSpPr>
+            <a:spLocks noGrp="1"/>
+          </p:cNvSpPr>
+          <p:nvPr>
+            <p:ph idx="1"/>
+          </p:nvPr>
+        </p:nvSpPr>
+        <p:spPr/>
+        <p:txBody>
+          <a:bodyPr>
+            <a:normAutofit/>
+          </a:bodyPr>
+          <a:lstStyle/>
+          <a:p>
+            <a:pPr marL="0" indent="0">
+              <a:buNone/>
+            </a:pPr>
+            <a:r>
+              <a:rPr lang="es-PE" dirty="0"/>
+              <a:t>“El fin de la </a:t>
+            </a:r>
+            <a:r>
+              <a:rPr lang="es-PE" dirty="0">
+                <a:solidFill>
+                  <a:srgbClr val="FF0000"/>
+                </a:solidFill>
+              </a:rPr>
+              <a:t>educación</a:t>
+            </a:r>
+            <a:r>
+              <a:rPr lang="es-PE" dirty="0"/>
+              <a:t> es el mismo fin del hombre y de la historia (…) La moralidad, aun siendo propia del hombre, </a:t>
+            </a:r>
+            <a:r>
+              <a:rPr lang="es-PE" dirty="0">
+                <a:solidFill>
+                  <a:srgbClr val="FF0000"/>
+                </a:solidFill>
+              </a:rPr>
+              <a:t>no es un punto de partida sino el fruto de una conquista</a:t>
+            </a:r>
+            <a:r>
+              <a:rPr lang="es-PE" dirty="0"/>
+              <a:t>.” (1966, p.360</a:t>
+            </a:r>
+            <a:r>
+              <a:rPr lang="es-PE" dirty="0" smtClean="0"/>
+              <a:t>)</a:t>
+            </a:r>
+          </a:p>
+          <a:p>
+            <a:endParaRPr lang="es-PE" dirty="0"/>
+          </a:p>
+          <a:p>
+            <a:pPr marL="0" indent="0">
+              <a:buNone/>
+            </a:pPr>
+            <a:r>
+              <a:rPr lang="es-PE" dirty="0"/>
+              <a:t>“Este es el lado individual de la educación; junto a él, está el del progreso universal del género humano, en cuya virtud los niños deben ser educados, no de acuerdo con el estado presente de la humanidad, sino </a:t>
+            </a:r>
+            <a:r>
+              <a:rPr lang="es-PE" dirty="0">
+                <a:solidFill>
+                  <a:srgbClr val="FF0000"/>
+                </a:solidFill>
+              </a:rPr>
+              <a:t>para un estado mejor y superior, posible en el futuro según el ideal de la humanidad </a:t>
+            </a:r>
+            <a:r>
+              <a:rPr lang="es-PE" dirty="0"/>
+              <a:t>y de su destino.” (1966, p.361)</a:t>
+            </a:r>
+          </a:p>
+          <a:p>
+            <a:endParaRPr lang="es-PE" dirty="0"/>
+          </a:p>
+          <a:p>
+            <a:pPr marL="0" indent="0">
+              <a:buNone/>
+            </a:pPr>
+            <a:endParaRPr lang="es-PE" dirty="0"/>
+          </a:p>
+        </p:txBody>
+      </p:sp>
+    </p:spTree>
+    <p:extLst>
+      <p:ext uri="{BB962C8B-B14F-4D97-AF65-F5344CB8AC3E}">
+        <p14:creationId xmlns:p14="http://schemas.microsoft.com/office/powerpoint/2010/main" val="2442826637"/>
       </p:ext>
     </p:extLst>
   </p:cSld>
@@ -4124,9 +4605,10 @@
           <a:bodyPr/>
           <a:lstStyle/>
           <a:p>
+            <a:pPr algn="ctr"/>
             <a:r>
               <a:rPr lang="es-PE" dirty="0" smtClean="0"/>
-              <a:t>Reflexión final: ¿qué pasa con la educación en Perú?</a:t>
+              <a:t>¿Es la educación un asunto político?</a:t>
             </a:r>
             <a:endParaRPr lang="es-PE" dirty="0"/>
           </a:p>
@@ -4134,13 +4616,11 @@
       </p:sp>
       <p:pic>
         <p:nvPicPr>
-          <p:cNvPr id="4" name="Marcador de contenido 3"/>
+          <p:cNvPr id="4" name="Imagen 3"/>
           <p:cNvPicPr>
-            <a:picLocks noGrp="1" noChangeAspect="1"/>
+            <a:picLocks noChangeAspect="1"/>
           </p:cNvPicPr>
-          <p:nvPr>
-            <p:ph idx="1"/>
-          </p:nvPr>
+          <p:nvPr/>
         </p:nvPicPr>
         <p:blipFill>
           <a:blip r:embed="rId2"/>
@@ -4150,8 +4630,8 @@
         </p:blipFill>
         <p:spPr>
           <a:xfrm>
-            <a:off x="1194318" y="1927759"/>
-            <a:ext cx="9442579" cy="4788930"/>
+            <a:off x="1733550" y="1490662"/>
+            <a:ext cx="8191500" cy="5199569"/>
           </a:xfrm>
           <a:prstGeom prst="rect">
             <a:avLst/>
@@ -4161,7 +4641,1287 @@
     </p:spTree>
     <p:extLst>
       <p:ext uri="{BB962C8B-B14F-4D97-AF65-F5344CB8AC3E}">
-        <p14:creationId xmlns:p14="http://schemas.microsoft.com/office/powerpoint/2010/main" val="1643174174"/>
+        <p14:creationId xmlns:p14="http://schemas.microsoft.com/office/powerpoint/2010/main" val="3384365286"/>
+      </p:ext>
+    </p:extLst>
+  </p:cSld>
+  <p:clrMapOvr>
+    <a:masterClrMapping/>
+  </p:clrMapOvr>
+</p:sld>
+</file>
+
+<file path=ppt/slides/slide20.xml><?xml version="1.0" encoding="utf-8"?>
+<p:sld xmlns:a="http://schemas.openxmlformats.org/drawingml/2006/main" xmlns:r="http://schemas.openxmlformats.org/officeDocument/2006/relationships" xmlns:p="http://schemas.openxmlformats.org/presentationml/2006/main">
+  <p:cSld>
+    <p:spTree>
+      <p:nvGrpSpPr>
+        <p:cNvPr id="1" name=""/>
+        <p:cNvGrpSpPr/>
+        <p:nvPr/>
+      </p:nvGrpSpPr>
+      <p:grpSpPr>
+        <a:xfrm>
+          <a:off x="0" y="0"/>
+          <a:ext cx="0" cy="0"/>
+          <a:chOff x="0" y="0"/>
+          <a:chExt cx="0" cy="0"/>
+        </a:xfrm>
+      </p:grpSpPr>
+      <p:sp>
+        <p:nvSpPr>
+          <p:cNvPr id="2" name="Título 1"/>
+          <p:cNvSpPr>
+            <a:spLocks noGrp="1"/>
+          </p:cNvSpPr>
+          <p:nvPr>
+            <p:ph type="title"/>
+          </p:nvPr>
+        </p:nvSpPr>
+        <p:spPr/>
+        <p:txBody>
+          <a:bodyPr/>
+          <a:lstStyle/>
+          <a:p>
+            <a:pPr algn="ctr"/>
+            <a:r>
+              <a:rPr lang="es-PE" dirty="0" smtClean="0"/>
+              <a:t>¿</a:t>
+            </a:r>
+            <a:r>
+              <a:rPr lang="es-PE" dirty="0" smtClean="0"/>
+              <a:t>qué pasa con la educación </a:t>
+            </a:r>
+            <a:r>
+              <a:rPr lang="es-PE" dirty="0" smtClean="0"/>
+              <a:t>HOY?</a:t>
+            </a:r>
+            <a:endParaRPr lang="es-PE" dirty="0"/>
+          </a:p>
+        </p:txBody>
+      </p:sp>
+      <p:pic>
+        <p:nvPicPr>
+          <p:cNvPr id="3" name="Imagen 2"/>
+          <p:cNvPicPr>
+            <a:picLocks noChangeAspect="1"/>
+          </p:cNvPicPr>
+          <p:nvPr/>
+        </p:nvPicPr>
+        <p:blipFill>
+          <a:blip r:embed="rId2"/>
+          <a:stretch>
+            <a:fillRect/>
+          </a:stretch>
+        </p:blipFill>
+        <p:spPr>
+          <a:xfrm>
+            <a:off x="1895474" y="1404937"/>
+            <a:ext cx="7915275" cy="5153470"/>
+          </a:xfrm>
+          <a:prstGeom prst="rect">
+            <a:avLst/>
+          </a:prstGeom>
+        </p:spPr>
+      </p:pic>
+      <p:sp>
+        <p:nvSpPr>
+          <p:cNvPr id="4" name="Rectángulo 3"/>
+          <p:cNvSpPr/>
+          <p:nvPr/>
+        </p:nvSpPr>
+        <p:spPr>
+          <a:xfrm>
+            <a:off x="9734548" y="1404937"/>
+            <a:ext cx="171451" cy="5153470"/>
+          </a:xfrm>
+          <a:prstGeom prst="rect">
+            <a:avLst/>
+          </a:prstGeom>
+          <a:solidFill>
+            <a:schemeClr val="bg1"/>
+          </a:solidFill>
+          <a:ln w="57150">
+            <a:solidFill>
+              <a:schemeClr val="bg1"/>
+            </a:solidFill>
+          </a:ln>
+        </p:spPr>
+        <p:style>
+          <a:lnRef idx="2">
+            <a:schemeClr val="accent1">
+              <a:shade val="50000"/>
+            </a:schemeClr>
+          </a:lnRef>
+          <a:fillRef idx="1">
+            <a:schemeClr val="accent1"/>
+          </a:fillRef>
+          <a:effectRef idx="0">
+            <a:schemeClr val="accent1"/>
+          </a:effectRef>
+          <a:fontRef idx="minor">
+            <a:schemeClr val="lt1"/>
+          </a:fontRef>
+        </p:style>
+        <p:txBody>
+          <a:bodyPr rot="0" spcFirstLastPara="0" vertOverflow="overflow" horzOverflow="overflow" vert="horz" wrap="square" lIns="91440" tIns="45720" rIns="91440" bIns="45720" numCol="1" spcCol="0" rtlCol="0" fromWordArt="0" anchor="ctr" anchorCtr="0" forceAA="0" compatLnSpc="1">
+            <a:prstTxWarp prst="textNoShape">
+              <a:avLst/>
+            </a:prstTxWarp>
+            <a:noAutofit/>
+          </a:bodyPr>
+          <a:lstStyle/>
+          <a:p>
+            <a:pPr algn="ctr"/>
+            <a:endParaRPr lang="es-PE"/>
+          </a:p>
+        </p:txBody>
+      </p:sp>
+    </p:spTree>
+    <p:extLst>
+      <p:ext uri="{BB962C8B-B14F-4D97-AF65-F5344CB8AC3E}">
+        <p14:creationId xmlns:p14="http://schemas.microsoft.com/office/powerpoint/2010/main" val="3934865875"/>
+      </p:ext>
+    </p:extLst>
+  </p:cSld>
+  <p:clrMapOvr>
+    <a:masterClrMapping/>
+  </p:clrMapOvr>
+</p:sld>
+</file>
+
+<file path=ppt/slides/slide21.xml><?xml version="1.0" encoding="utf-8"?>
+<p:sld xmlns:a="http://schemas.openxmlformats.org/drawingml/2006/main" xmlns:r="http://schemas.openxmlformats.org/officeDocument/2006/relationships" xmlns:p="http://schemas.openxmlformats.org/presentationml/2006/main">
+  <p:cSld>
+    <p:spTree>
+      <p:nvGrpSpPr>
+        <p:cNvPr id="1" name=""/>
+        <p:cNvGrpSpPr/>
+        <p:nvPr/>
+      </p:nvGrpSpPr>
+      <p:grpSpPr>
+        <a:xfrm>
+          <a:off x="0" y="0"/>
+          <a:ext cx="0" cy="0"/>
+          <a:chOff x="0" y="0"/>
+          <a:chExt cx="0" cy="0"/>
+        </a:xfrm>
+      </p:grpSpPr>
+      <p:sp>
+        <p:nvSpPr>
+          <p:cNvPr id="2" name="Título 1"/>
+          <p:cNvSpPr>
+            <a:spLocks noGrp="1"/>
+          </p:cNvSpPr>
+          <p:nvPr>
+            <p:ph type="title"/>
+          </p:nvPr>
+        </p:nvSpPr>
+        <p:spPr>
+          <a:xfrm>
+            <a:off x="952500" y="0"/>
+            <a:ext cx="10515600" cy="1325563"/>
+          </a:xfrm>
+        </p:spPr>
+        <p:txBody>
+          <a:bodyPr>
+            <a:noAutofit/>
+          </a:bodyPr>
+          <a:lstStyle/>
+          <a:p>
+            <a:r>
+              <a:rPr lang="es-PE" sz="2000" dirty="0"/>
+              <a:t>Figueroa, Maximiliano. </a:t>
+            </a:r>
+            <a:r>
+              <a:rPr lang="es-PE" sz="2000" i="1" dirty="0"/>
+              <a:t>Kant y el sentido ético de la educación. Una lectura en la época de la globalización.</a:t>
+            </a:r>
+            <a:r>
+              <a:rPr lang="es-PE" sz="2000" dirty="0"/>
+              <a:t> En: Persona y Sociedad, Universidad Alberto Hurtado, Vol. XX, Nº3, 2006, pp. 73-87. </a:t>
+            </a:r>
+            <a:br>
+              <a:rPr lang="es-PE" sz="2000" dirty="0"/>
+            </a:br>
+            <a:r>
+              <a:rPr lang="es-PE" sz="200" dirty="0"/>
+              <a:t/>
+            </a:r>
+            <a:br>
+              <a:rPr lang="es-PE" sz="200" dirty="0"/>
+            </a:br>
+            <a:endParaRPr lang="es-PE" sz="200" dirty="0"/>
+          </a:p>
+        </p:txBody>
+      </p:sp>
+      <p:sp>
+        <p:nvSpPr>
+          <p:cNvPr id="3" name="Marcador de contenido 2"/>
+          <p:cNvSpPr>
+            <a:spLocks noGrp="1"/>
+          </p:cNvSpPr>
+          <p:nvPr>
+            <p:ph idx="1"/>
+          </p:nvPr>
+        </p:nvSpPr>
+        <p:spPr>
+          <a:xfrm>
+            <a:off x="514350" y="1325563"/>
+            <a:ext cx="11391900" cy="5048250"/>
+          </a:xfrm>
+        </p:spPr>
+        <p:txBody>
+          <a:bodyPr>
+            <a:normAutofit fontScale="92500" lnSpcReduction="20000"/>
+          </a:bodyPr>
+          <a:lstStyle/>
+          <a:p>
+            <a:pPr marL="0" indent="0" algn="just">
+              <a:buNone/>
+            </a:pPr>
+            <a:r>
+              <a:rPr lang="es-PE" dirty="0"/>
+              <a:t>“La creciente complejidad de las relaciones económicas a nivel mundial –que exigen mayor eficiencia y sofisticación técnica, productiva y comercial- intensifica el carácter competitivo de nuestras sociedades y el énfasis en </a:t>
+            </a:r>
+            <a:r>
+              <a:rPr lang="es-PE" dirty="0">
+                <a:solidFill>
+                  <a:srgbClr val="FF0000"/>
+                </a:solidFill>
+              </a:rPr>
+              <a:t>expectativas de utilidad económica </a:t>
+            </a:r>
+            <a:r>
+              <a:rPr lang="es-PE" dirty="0"/>
+              <a:t>que los sujetos y los gobiernos dirigen a la </a:t>
+            </a:r>
+            <a:r>
+              <a:rPr lang="es-PE" dirty="0">
+                <a:solidFill>
+                  <a:srgbClr val="FF0000"/>
+                </a:solidFill>
+              </a:rPr>
+              <a:t>educación</a:t>
+            </a:r>
+            <a:r>
+              <a:rPr lang="es-PE" dirty="0"/>
+              <a:t>.” (2006, p. 73</a:t>
+            </a:r>
+            <a:r>
+              <a:rPr lang="es-PE" dirty="0" smtClean="0"/>
+              <a:t>)</a:t>
+            </a:r>
+          </a:p>
+          <a:p>
+            <a:endParaRPr lang="es-PE" dirty="0"/>
+          </a:p>
+          <a:p>
+            <a:pPr marL="0" indent="0" algn="just">
+              <a:buNone/>
+            </a:pPr>
+            <a:r>
+              <a:rPr lang="es-PE" dirty="0"/>
+              <a:t>“Si la educación se transforma en pura capacitación, lo que entonces se patentiza es el influjo que </a:t>
+            </a:r>
+            <a:r>
+              <a:rPr lang="es-PE" dirty="0">
+                <a:solidFill>
+                  <a:srgbClr val="FF0000"/>
+                </a:solidFill>
+              </a:rPr>
+              <a:t>la visión instrumental </a:t>
+            </a:r>
+            <a:r>
+              <a:rPr lang="es-PE" dirty="0"/>
+              <a:t>está ejerciendo sobre nosotros y nuestras expectativas, y, por lo tanto, el drástico deterioro o </a:t>
+            </a:r>
+            <a:r>
+              <a:rPr lang="es-PE" dirty="0">
+                <a:solidFill>
+                  <a:srgbClr val="FF0000"/>
+                </a:solidFill>
+              </a:rPr>
+              <a:t>empobrecimiento de sentido </a:t>
+            </a:r>
+            <a:r>
+              <a:rPr lang="es-PE" dirty="0"/>
+              <a:t>a que esta queda expuesta.” (2006, p. 74</a:t>
+            </a:r>
+            <a:r>
+              <a:rPr lang="es-PE" dirty="0" smtClean="0"/>
+              <a:t>)</a:t>
+            </a:r>
+          </a:p>
+          <a:p>
+            <a:endParaRPr lang="es-PE" dirty="0" smtClean="0"/>
+          </a:p>
+          <a:p>
+            <a:pPr marL="0" indent="0" algn="just">
+              <a:buNone/>
+            </a:pPr>
+            <a:r>
+              <a:rPr lang="es-PE" dirty="0"/>
+              <a:t>“Paradójicamente</a:t>
+            </a:r>
+            <a:r>
+              <a:rPr lang="es-PE" dirty="0">
+                <a:solidFill>
+                  <a:srgbClr val="FF0000"/>
+                </a:solidFill>
+              </a:rPr>
+              <a:t>, la vigencia de los cánones económico-utilitarios </a:t>
+            </a:r>
+            <a:r>
+              <a:rPr lang="es-PE" dirty="0" smtClean="0">
+                <a:solidFill>
+                  <a:srgbClr val="FF0000"/>
+                </a:solidFill>
+              </a:rPr>
+              <a:t>aparece</a:t>
+            </a:r>
+            <a:r>
+              <a:rPr lang="es-PE" dirty="0">
+                <a:solidFill>
+                  <a:srgbClr val="FF0000"/>
+                </a:solidFill>
+              </a:rPr>
+              <a:t>, en los hechos, fortaleciendo la desigualdad en el acceso y en la calidad de la educación</a:t>
+            </a:r>
+            <a:r>
+              <a:rPr lang="es-PE" dirty="0"/>
+              <a:t>. (…) Se hace inevitable esta retórica que vincula educación y desarrollo resulte sospechosa al no reflejar, al mismo tiempo, impulsos efectivos hacia la inclusión y equidad en el sistema educativo.” (2006, p.75)</a:t>
+            </a:r>
+          </a:p>
+          <a:p>
+            <a:endParaRPr lang="es-PE" dirty="0"/>
+          </a:p>
+          <a:p>
+            <a:endParaRPr lang="es-PE" dirty="0"/>
+          </a:p>
+          <a:p>
+            <a:pPr marL="0" indent="0">
+              <a:buNone/>
+            </a:pPr>
+            <a:endParaRPr lang="es-PE" dirty="0"/>
+          </a:p>
+        </p:txBody>
+      </p:sp>
+    </p:spTree>
+    <p:extLst>
+      <p:ext uri="{BB962C8B-B14F-4D97-AF65-F5344CB8AC3E}">
+        <p14:creationId xmlns:p14="http://schemas.microsoft.com/office/powerpoint/2010/main" val="2891717382"/>
+      </p:ext>
+    </p:extLst>
+  </p:cSld>
+  <p:clrMapOvr>
+    <a:masterClrMapping/>
+  </p:clrMapOvr>
+</p:sld>
+</file>
+
+<file path=ppt/slides/slide22.xml><?xml version="1.0" encoding="utf-8"?>
+<p:sld xmlns:a="http://schemas.openxmlformats.org/drawingml/2006/main" xmlns:r="http://schemas.openxmlformats.org/officeDocument/2006/relationships" xmlns:p="http://schemas.openxmlformats.org/presentationml/2006/main">
+  <p:cSld>
+    <p:spTree>
+      <p:nvGrpSpPr>
+        <p:cNvPr id="1" name=""/>
+        <p:cNvGrpSpPr/>
+        <p:nvPr/>
+      </p:nvGrpSpPr>
+      <p:grpSpPr>
+        <a:xfrm>
+          <a:off x="0" y="0"/>
+          <a:ext cx="0" cy="0"/>
+          <a:chOff x="0" y="0"/>
+          <a:chExt cx="0" cy="0"/>
+        </a:xfrm>
+      </p:grpSpPr>
+      <p:sp>
+        <p:nvSpPr>
+          <p:cNvPr id="2" name="Título 1"/>
+          <p:cNvSpPr>
+            <a:spLocks noGrp="1"/>
+          </p:cNvSpPr>
+          <p:nvPr>
+            <p:ph type="title"/>
+          </p:nvPr>
+        </p:nvSpPr>
+        <p:spPr/>
+        <p:txBody>
+          <a:bodyPr>
+            <a:noAutofit/>
+          </a:bodyPr>
+          <a:lstStyle/>
+          <a:p>
+            <a:r>
+              <a:rPr lang="es-PE" sz="2000" dirty="0"/>
+              <a:t>Figueroa, Maximiliano. </a:t>
+            </a:r>
+            <a:r>
+              <a:rPr lang="es-PE" sz="2000" i="1" dirty="0"/>
+              <a:t>Kant y el sentido ético de la educación. Una lectura en la época de la globalización.</a:t>
+            </a:r>
+            <a:r>
+              <a:rPr lang="es-PE" sz="2000" dirty="0"/>
+              <a:t> En: Persona y Sociedad, Universidad Alberto Hurtado, Vol. XX, Nº3, 2006, pp. 73-87. </a:t>
+            </a:r>
+            <a:br>
+              <a:rPr lang="es-PE" sz="2000" dirty="0"/>
+            </a:br>
+            <a:r>
+              <a:rPr lang="es-PE" sz="200" dirty="0"/>
+              <a:t/>
+            </a:r>
+            <a:br>
+              <a:rPr lang="es-PE" sz="200" dirty="0"/>
+            </a:br>
+            <a:endParaRPr lang="es-PE" sz="200" dirty="0"/>
+          </a:p>
+        </p:txBody>
+      </p:sp>
+      <p:sp>
+        <p:nvSpPr>
+          <p:cNvPr id="3" name="Marcador de contenido 2"/>
+          <p:cNvSpPr>
+            <a:spLocks noGrp="1"/>
+          </p:cNvSpPr>
+          <p:nvPr>
+            <p:ph idx="1"/>
+          </p:nvPr>
+        </p:nvSpPr>
+        <p:spPr/>
+        <p:txBody>
+          <a:bodyPr>
+            <a:normAutofit/>
+          </a:bodyPr>
+          <a:lstStyle/>
+          <a:p>
+            <a:pPr marL="0" indent="0" algn="just">
+              <a:buNone/>
+            </a:pPr>
+            <a:r>
+              <a:rPr lang="es-PE" dirty="0"/>
+              <a:t>“La palabra escuela proviene del vocablo griego </a:t>
+            </a:r>
+            <a:r>
+              <a:rPr lang="es-PE" i="1" dirty="0" err="1"/>
+              <a:t>scholé</a:t>
+            </a:r>
+            <a:r>
+              <a:rPr lang="es-PE" dirty="0"/>
+              <a:t> que se traduce como ocio, (…) el tiempo para </a:t>
+            </a:r>
+            <a:r>
+              <a:rPr lang="es-PE" dirty="0">
+                <a:solidFill>
+                  <a:srgbClr val="FF0000"/>
+                </a:solidFill>
+              </a:rPr>
+              <a:t>experimentarse como un ser libre a través de la realización de actividades promotoras de la excelencia humana, especialmente una: la práctica del pensar</a:t>
+            </a:r>
+            <a:r>
+              <a:rPr lang="es-PE" dirty="0"/>
+              <a:t>. (…) Si la escuela ha de hacer honor a su nombre, ha de articularse, en una medida no menor, como ese espacio institucional que propicia en los niños el desarrollo del pensar reflexivo como principio de moralización.” (2006, p. 86)</a:t>
+            </a:r>
+          </a:p>
+          <a:p>
+            <a:pPr marL="0" indent="0">
+              <a:buNone/>
+            </a:pPr>
+            <a:endParaRPr lang="es-PE" dirty="0"/>
+          </a:p>
+        </p:txBody>
+      </p:sp>
+    </p:spTree>
+    <p:extLst>
+      <p:ext uri="{BB962C8B-B14F-4D97-AF65-F5344CB8AC3E}">
+        <p14:creationId xmlns:p14="http://schemas.microsoft.com/office/powerpoint/2010/main" val="587951031"/>
+      </p:ext>
+    </p:extLst>
+  </p:cSld>
+  <p:clrMapOvr>
+    <a:masterClrMapping/>
+  </p:clrMapOvr>
+</p:sld>
+</file>
+
+<file path=ppt/slides/slide23.xml><?xml version="1.0" encoding="utf-8"?>
+<p:sld xmlns:a="http://schemas.openxmlformats.org/drawingml/2006/main" xmlns:r="http://schemas.openxmlformats.org/officeDocument/2006/relationships" xmlns:p="http://schemas.openxmlformats.org/presentationml/2006/main">
+  <p:cSld>
+    <p:spTree>
+      <p:nvGrpSpPr>
+        <p:cNvPr id="1" name=""/>
+        <p:cNvGrpSpPr/>
+        <p:nvPr/>
+      </p:nvGrpSpPr>
+      <p:grpSpPr>
+        <a:xfrm>
+          <a:off x="0" y="0"/>
+          <a:ext cx="0" cy="0"/>
+          <a:chOff x="0" y="0"/>
+          <a:chExt cx="0" cy="0"/>
+        </a:xfrm>
+      </p:grpSpPr>
+      <p:pic>
+        <p:nvPicPr>
+          <p:cNvPr id="5" name="Imagen 4"/>
+          <p:cNvPicPr>
+            <a:picLocks noChangeAspect="1"/>
+          </p:cNvPicPr>
+          <p:nvPr/>
+        </p:nvPicPr>
+        <p:blipFill>
+          <a:blip r:embed="rId2"/>
+          <a:stretch>
+            <a:fillRect/>
+          </a:stretch>
+        </p:blipFill>
+        <p:spPr>
+          <a:xfrm>
+            <a:off x="852487" y="623887"/>
+            <a:ext cx="10253663" cy="5661955"/>
+          </a:xfrm>
+          <a:prstGeom prst="rect">
+            <a:avLst/>
+          </a:prstGeom>
+        </p:spPr>
+      </p:pic>
+    </p:spTree>
+    <p:extLst>
+      <p:ext uri="{BB962C8B-B14F-4D97-AF65-F5344CB8AC3E}">
+        <p14:creationId xmlns:p14="http://schemas.microsoft.com/office/powerpoint/2010/main" val="2508286736"/>
+      </p:ext>
+    </p:extLst>
+  </p:cSld>
+  <p:clrMapOvr>
+    <a:masterClrMapping/>
+  </p:clrMapOvr>
+</p:sld>
+</file>
+
+<file path=ppt/slides/slide24.xml><?xml version="1.0" encoding="utf-8"?>
+<p:sld xmlns:a="http://schemas.openxmlformats.org/drawingml/2006/main" xmlns:r="http://schemas.openxmlformats.org/officeDocument/2006/relationships" xmlns:p="http://schemas.openxmlformats.org/presentationml/2006/main">
+  <p:cSld>
+    <p:spTree>
+      <p:nvGrpSpPr>
+        <p:cNvPr id="1" name=""/>
+        <p:cNvGrpSpPr/>
+        <p:nvPr/>
+      </p:nvGrpSpPr>
+      <p:grpSpPr>
+        <a:xfrm>
+          <a:off x="0" y="0"/>
+          <a:ext cx="0" cy="0"/>
+          <a:chOff x="0" y="0"/>
+          <a:chExt cx="0" cy="0"/>
+        </a:xfrm>
+      </p:grpSpPr>
+      <p:pic>
+        <p:nvPicPr>
+          <p:cNvPr id="4" name="Imagen 3"/>
+          <p:cNvPicPr>
+            <a:picLocks noChangeAspect="1"/>
+          </p:cNvPicPr>
+          <p:nvPr/>
+        </p:nvPicPr>
+        <p:blipFill>
+          <a:blip r:embed="rId2"/>
+          <a:stretch>
+            <a:fillRect/>
+          </a:stretch>
+        </p:blipFill>
+        <p:spPr>
+          <a:xfrm>
+            <a:off x="2195172" y="4237675"/>
+            <a:ext cx="7292068" cy="1972625"/>
+          </a:xfrm>
+          <a:prstGeom prst="rect">
+            <a:avLst/>
+          </a:prstGeom>
+        </p:spPr>
+      </p:pic>
+      <p:pic>
+        <p:nvPicPr>
+          <p:cNvPr id="13" name="Imagen 12"/>
+          <p:cNvPicPr>
+            <a:picLocks noChangeAspect="1"/>
+          </p:cNvPicPr>
+          <p:nvPr/>
+        </p:nvPicPr>
+        <p:blipFill>
+          <a:blip r:embed="rId3"/>
+          <a:stretch>
+            <a:fillRect/>
+          </a:stretch>
+        </p:blipFill>
+        <p:spPr>
+          <a:xfrm>
+            <a:off x="1338262" y="280987"/>
+            <a:ext cx="9005888" cy="3776663"/>
+          </a:xfrm>
+          <a:prstGeom prst="rect">
+            <a:avLst/>
+          </a:prstGeom>
+        </p:spPr>
+      </p:pic>
+    </p:spTree>
+    <p:extLst>
+      <p:ext uri="{BB962C8B-B14F-4D97-AF65-F5344CB8AC3E}">
+        <p14:creationId xmlns:p14="http://schemas.microsoft.com/office/powerpoint/2010/main" val="3296895344"/>
+      </p:ext>
+    </p:extLst>
+  </p:cSld>
+  <p:clrMapOvr>
+    <a:masterClrMapping/>
+  </p:clrMapOvr>
+</p:sld>
+</file>
+
+<file path=ppt/slides/slide25.xml><?xml version="1.0" encoding="utf-8"?>
+<p:sld xmlns:a="http://schemas.openxmlformats.org/drawingml/2006/main" xmlns:r="http://schemas.openxmlformats.org/officeDocument/2006/relationships" xmlns:p="http://schemas.openxmlformats.org/presentationml/2006/main">
+  <p:cSld>
+    <p:spTree>
+      <p:nvGrpSpPr>
+        <p:cNvPr id="1" name=""/>
+        <p:cNvGrpSpPr/>
+        <p:nvPr/>
+      </p:nvGrpSpPr>
+      <p:grpSpPr>
+        <a:xfrm>
+          <a:off x="0" y="0"/>
+          <a:ext cx="0" cy="0"/>
+          <a:chOff x="0" y="0"/>
+          <a:chExt cx="0" cy="0"/>
+        </a:xfrm>
+      </p:grpSpPr>
+      <p:pic>
+        <p:nvPicPr>
+          <p:cNvPr id="4" name="Imagen 3"/>
+          <p:cNvPicPr>
+            <a:picLocks noChangeAspect="1"/>
+          </p:cNvPicPr>
+          <p:nvPr/>
+        </p:nvPicPr>
+        <p:blipFill>
+          <a:blip r:embed="rId2"/>
+          <a:stretch>
+            <a:fillRect/>
+          </a:stretch>
+        </p:blipFill>
+        <p:spPr>
+          <a:xfrm>
+            <a:off x="175532" y="142873"/>
+            <a:ext cx="3901168" cy="1055331"/>
+          </a:xfrm>
+          <a:prstGeom prst="rect">
+            <a:avLst/>
+          </a:prstGeom>
+        </p:spPr>
+      </p:pic>
+      <p:pic>
+        <p:nvPicPr>
+          <p:cNvPr id="2" name="Imagen 1"/>
+          <p:cNvPicPr>
+            <a:picLocks noChangeAspect="1"/>
+          </p:cNvPicPr>
+          <p:nvPr/>
+        </p:nvPicPr>
+        <p:blipFill>
+          <a:blip r:embed="rId3"/>
+          <a:stretch>
+            <a:fillRect/>
+          </a:stretch>
+        </p:blipFill>
+        <p:spPr>
+          <a:xfrm>
+            <a:off x="973591" y="1299482"/>
+            <a:ext cx="9753086" cy="5115832"/>
+          </a:xfrm>
+          <a:prstGeom prst="rect">
+            <a:avLst/>
+          </a:prstGeom>
+        </p:spPr>
+      </p:pic>
+      <p:sp>
+        <p:nvSpPr>
+          <p:cNvPr id="3" name="Rectángulo 2"/>
+          <p:cNvSpPr/>
+          <p:nvPr/>
+        </p:nvSpPr>
+        <p:spPr>
+          <a:xfrm>
+            <a:off x="4572000" y="6139543"/>
+            <a:ext cx="6154677" cy="275771"/>
+          </a:xfrm>
+          <a:prstGeom prst="rect">
+            <a:avLst/>
+          </a:prstGeom>
+          <a:solidFill>
+            <a:schemeClr val="bg1"/>
+          </a:solidFill>
+          <a:ln w="38100">
+            <a:solidFill>
+              <a:schemeClr val="bg1"/>
+            </a:solidFill>
+          </a:ln>
+        </p:spPr>
+        <p:style>
+          <a:lnRef idx="2">
+            <a:schemeClr val="accent1">
+              <a:shade val="50000"/>
+            </a:schemeClr>
+          </a:lnRef>
+          <a:fillRef idx="1">
+            <a:schemeClr val="accent1"/>
+          </a:fillRef>
+          <a:effectRef idx="0">
+            <a:schemeClr val="accent1"/>
+          </a:effectRef>
+          <a:fontRef idx="minor">
+            <a:schemeClr val="lt1"/>
+          </a:fontRef>
+        </p:style>
+        <p:txBody>
+          <a:bodyPr rot="0" spcFirstLastPara="0" vertOverflow="overflow" horzOverflow="overflow" vert="horz" wrap="square" lIns="91440" tIns="45720" rIns="91440" bIns="45720" numCol="1" spcCol="0" rtlCol="0" fromWordArt="0" anchor="ctr" anchorCtr="0" forceAA="0" compatLnSpc="1">
+            <a:prstTxWarp prst="textNoShape">
+              <a:avLst/>
+            </a:prstTxWarp>
+            <a:noAutofit/>
+          </a:bodyPr>
+          <a:lstStyle/>
+          <a:p>
+            <a:pPr algn="ctr"/>
+            <a:endParaRPr lang="es-PE"/>
+          </a:p>
+        </p:txBody>
+      </p:sp>
+      <p:sp>
+        <p:nvSpPr>
+          <p:cNvPr id="5" name="Rectángulo 4"/>
+          <p:cNvSpPr/>
+          <p:nvPr/>
+        </p:nvSpPr>
+        <p:spPr>
+          <a:xfrm>
+            <a:off x="1201783" y="2651759"/>
+            <a:ext cx="9524894" cy="1319349"/>
+          </a:xfrm>
+          <a:prstGeom prst="rect">
+            <a:avLst/>
+          </a:prstGeom>
+          <a:noFill/>
+          <a:ln w="38100">
+            <a:solidFill>
+              <a:srgbClr val="FF0000"/>
+            </a:solidFill>
+          </a:ln>
+        </p:spPr>
+        <p:style>
+          <a:lnRef idx="2">
+            <a:schemeClr val="accent1">
+              <a:shade val="50000"/>
+            </a:schemeClr>
+          </a:lnRef>
+          <a:fillRef idx="1">
+            <a:schemeClr val="accent1"/>
+          </a:fillRef>
+          <a:effectRef idx="0">
+            <a:schemeClr val="accent1"/>
+          </a:effectRef>
+          <a:fontRef idx="minor">
+            <a:schemeClr val="lt1"/>
+          </a:fontRef>
+        </p:style>
+        <p:txBody>
+          <a:bodyPr rtlCol="0" anchor="ctr"/>
+          <a:lstStyle/>
+          <a:p>
+            <a:pPr algn="ctr"/>
+            <a:endParaRPr lang="es-PE"/>
+          </a:p>
+        </p:txBody>
+      </p:sp>
+      <p:sp>
+        <p:nvSpPr>
+          <p:cNvPr id="6" name="Rectángulo 5"/>
+          <p:cNvSpPr/>
+          <p:nvPr/>
+        </p:nvSpPr>
+        <p:spPr>
+          <a:xfrm>
+            <a:off x="7171509" y="3971108"/>
+            <a:ext cx="2612571" cy="287383"/>
+          </a:xfrm>
+          <a:prstGeom prst="rect">
+            <a:avLst/>
+          </a:prstGeom>
+          <a:noFill/>
+          <a:ln w="38100">
+            <a:solidFill>
+              <a:srgbClr val="FF0000"/>
+            </a:solidFill>
+          </a:ln>
+        </p:spPr>
+        <p:style>
+          <a:lnRef idx="2">
+            <a:schemeClr val="accent1">
+              <a:shade val="50000"/>
+            </a:schemeClr>
+          </a:lnRef>
+          <a:fillRef idx="1">
+            <a:schemeClr val="accent1"/>
+          </a:fillRef>
+          <a:effectRef idx="0">
+            <a:schemeClr val="accent1"/>
+          </a:effectRef>
+          <a:fontRef idx="minor">
+            <a:schemeClr val="lt1"/>
+          </a:fontRef>
+        </p:style>
+        <p:txBody>
+          <a:bodyPr rtlCol="0" anchor="ctr"/>
+          <a:lstStyle/>
+          <a:p>
+            <a:pPr algn="ctr"/>
+            <a:endParaRPr lang="es-PE"/>
+          </a:p>
+        </p:txBody>
+      </p:sp>
+      <p:sp>
+        <p:nvSpPr>
+          <p:cNvPr id="7" name="Rectángulo 6"/>
+          <p:cNvSpPr/>
+          <p:nvPr/>
+        </p:nvSpPr>
+        <p:spPr>
+          <a:xfrm>
+            <a:off x="5643154" y="4264286"/>
+            <a:ext cx="5083523" cy="242400"/>
+          </a:xfrm>
+          <a:prstGeom prst="rect">
+            <a:avLst/>
+          </a:prstGeom>
+          <a:noFill/>
+          <a:ln w="38100">
+            <a:solidFill>
+              <a:srgbClr val="FF0000"/>
+            </a:solidFill>
+          </a:ln>
+        </p:spPr>
+        <p:style>
+          <a:lnRef idx="2">
+            <a:schemeClr val="accent1">
+              <a:shade val="50000"/>
+            </a:schemeClr>
+          </a:lnRef>
+          <a:fillRef idx="1">
+            <a:schemeClr val="accent1"/>
+          </a:fillRef>
+          <a:effectRef idx="0">
+            <a:schemeClr val="accent1"/>
+          </a:effectRef>
+          <a:fontRef idx="minor">
+            <a:schemeClr val="lt1"/>
+          </a:fontRef>
+        </p:style>
+        <p:txBody>
+          <a:bodyPr rtlCol="0" anchor="ctr"/>
+          <a:lstStyle/>
+          <a:p>
+            <a:pPr algn="ctr"/>
+            <a:endParaRPr lang="es-PE"/>
+          </a:p>
+        </p:txBody>
+      </p:sp>
+      <p:sp>
+        <p:nvSpPr>
+          <p:cNvPr id="8" name="Rectángulo 7"/>
+          <p:cNvSpPr/>
+          <p:nvPr/>
+        </p:nvSpPr>
+        <p:spPr>
+          <a:xfrm>
+            <a:off x="1201783" y="4506686"/>
+            <a:ext cx="9524894" cy="287383"/>
+          </a:xfrm>
+          <a:prstGeom prst="rect">
+            <a:avLst/>
+          </a:prstGeom>
+          <a:noFill/>
+          <a:ln w="38100">
+            <a:solidFill>
+              <a:srgbClr val="FF0000"/>
+            </a:solidFill>
+          </a:ln>
+        </p:spPr>
+        <p:style>
+          <a:lnRef idx="2">
+            <a:schemeClr val="accent1">
+              <a:shade val="50000"/>
+            </a:schemeClr>
+          </a:lnRef>
+          <a:fillRef idx="1">
+            <a:schemeClr val="accent1"/>
+          </a:fillRef>
+          <a:effectRef idx="0">
+            <a:schemeClr val="accent1"/>
+          </a:effectRef>
+          <a:fontRef idx="minor">
+            <a:schemeClr val="lt1"/>
+          </a:fontRef>
+        </p:style>
+        <p:txBody>
+          <a:bodyPr rtlCol="0" anchor="ctr"/>
+          <a:lstStyle/>
+          <a:p>
+            <a:pPr algn="ctr"/>
+            <a:endParaRPr lang="es-PE"/>
+          </a:p>
+        </p:txBody>
+      </p:sp>
+      <p:sp>
+        <p:nvSpPr>
+          <p:cNvPr id="9" name="Rectángulo 8"/>
+          <p:cNvSpPr/>
+          <p:nvPr/>
+        </p:nvSpPr>
+        <p:spPr>
+          <a:xfrm>
+            <a:off x="6792686" y="4794069"/>
+            <a:ext cx="3933991" cy="222068"/>
+          </a:xfrm>
+          <a:prstGeom prst="rect">
+            <a:avLst/>
+          </a:prstGeom>
+          <a:noFill/>
+          <a:ln w="38100">
+            <a:solidFill>
+              <a:srgbClr val="FF0000"/>
+            </a:solidFill>
+          </a:ln>
+        </p:spPr>
+        <p:style>
+          <a:lnRef idx="2">
+            <a:schemeClr val="accent1">
+              <a:shade val="50000"/>
+            </a:schemeClr>
+          </a:lnRef>
+          <a:fillRef idx="1">
+            <a:schemeClr val="accent1"/>
+          </a:fillRef>
+          <a:effectRef idx="0">
+            <a:schemeClr val="accent1"/>
+          </a:effectRef>
+          <a:fontRef idx="minor">
+            <a:schemeClr val="lt1"/>
+          </a:fontRef>
+        </p:style>
+        <p:txBody>
+          <a:bodyPr rtlCol="0" anchor="ctr"/>
+          <a:lstStyle/>
+          <a:p>
+            <a:pPr algn="ctr"/>
+            <a:endParaRPr lang="es-PE"/>
+          </a:p>
+        </p:txBody>
+      </p:sp>
+      <p:sp>
+        <p:nvSpPr>
+          <p:cNvPr id="10" name="Rectángulo 9"/>
+          <p:cNvSpPr/>
+          <p:nvPr/>
+        </p:nvSpPr>
+        <p:spPr>
+          <a:xfrm>
+            <a:off x="1201783" y="5087247"/>
+            <a:ext cx="1763486" cy="229335"/>
+          </a:xfrm>
+          <a:prstGeom prst="rect">
+            <a:avLst/>
+          </a:prstGeom>
+          <a:noFill/>
+          <a:ln w="38100">
+            <a:solidFill>
+              <a:srgbClr val="FF0000"/>
+            </a:solidFill>
+          </a:ln>
+        </p:spPr>
+        <p:style>
+          <a:lnRef idx="2">
+            <a:schemeClr val="accent1">
+              <a:shade val="50000"/>
+            </a:schemeClr>
+          </a:lnRef>
+          <a:fillRef idx="1">
+            <a:schemeClr val="accent1"/>
+          </a:fillRef>
+          <a:effectRef idx="0">
+            <a:schemeClr val="accent1"/>
+          </a:effectRef>
+          <a:fontRef idx="minor">
+            <a:schemeClr val="lt1"/>
+          </a:fontRef>
+        </p:style>
+        <p:txBody>
+          <a:bodyPr rtlCol="0" anchor="ctr"/>
+          <a:lstStyle/>
+          <a:p>
+            <a:pPr algn="ctr"/>
+            <a:endParaRPr lang="es-PE"/>
+          </a:p>
+        </p:txBody>
+      </p:sp>
+      <p:sp>
+        <p:nvSpPr>
+          <p:cNvPr id="11" name="Rectángulo 10"/>
+          <p:cNvSpPr/>
+          <p:nvPr/>
+        </p:nvSpPr>
+        <p:spPr>
+          <a:xfrm>
+            <a:off x="5643154" y="5323385"/>
+            <a:ext cx="5083523" cy="254455"/>
+          </a:xfrm>
+          <a:prstGeom prst="rect">
+            <a:avLst/>
+          </a:prstGeom>
+          <a:noFill/>
+          <a:ln w="38100">
+            <a:solidFill>
+              <a:srgbClr val="FF0000"/>
+            </a:solidFill>
+          </a:ln>
+        </p:spPr>
+        <p:style>
+          <a:lnRef idx="2">
+            <a:schemeClr val="accent1">
+              <a:shade val="50000"/>
+            </a:schemeClr>
+          </a:lnRef>
+          <a:fillRef idx="1">
+            <a:schemeClr val="accent1"/>
+          </a:fillRef>
+          <a:effectRef idx="0">
+            <a:schemeClr val="accent1"/>
+          </a:effectRef>
+          <a:fontRef idx="minor">
+            <a:schemeClr val="lt1"/>
+          </a:fontRef>
+        </p:style>
+        <p:txBody>
+          <a:bodyPr rtlCol="0" anchor="ctr"/>
+          <a:lstStyle/>
+          <a:p>
+            <a:pPr algn="ctr"/>
+            <a:endParaRPr lang="es-PE"/>
+          </a:p>
+        </p:txBody>
+      </p:sp>
+      <p:sp>
+        <p:nvSpPr>
+          <p:cNvPr id="12" name="Rectángulo 11"/>
+          <p:cNvSpPr/>
+          <p:nvPr/>
+        </p:nvSpPr>
+        <p:spPr>
+          <a:xfrm>
+            <a:off x="1201783" y="5577840"/>
+            <a:ext cx="9524894" cy="783771"/>
+          </a:xfrm>
+          <a:prstGeom prst="rect">
+            <a:avLst/>
+          </a:prstGeom>
+          <a:noFill/>
+          <a:ln w="38100">
+            <a:solidFill>
+              <a:srgbClr val="FF0000"/>
+            </a:solidFill>
+          </a:ln>
+        </p:spPr>
+        <p:style>
+          <a:lnRef idx="2">
+            <a:schemeClr val="accent1">
+              <a:shade val="50000"/>
+            </a:schemeClr>
+          </a:lnRef>
+          <a:fillRef idx="1">
+            <a:schemeClr val="accent1"/>
+          </a:fillRef>
+          <a:effectRef idx="0">
+            <a:schemeClr val="accent1"/>
+          </a:effectRef>
+          <a:fontRef idx="minor">
+            <a:schemeClr val="lt1"/>
+          </a:fontRef>
+        </p:style>
+        <p:txBody>
+          <a:bodyPr rtlCol="0" anchor="ctr"/>
+          <a:lstStyle/>
+          <a:p>
+            <a:pPr algn="ctr"/>
+            <a:endParaRPr lang="es-PE"/>
+          </a:p>
+        </p:txBody>
+      </p:sp>
+    </p:spTree>
+    <p:extLst>
+      <p:ext uri="{BB962C8B-B14F-4D97-AF65-F5344CB8AC3E}">
+        <p14:creationId xmlns:p14="http://schemas.microsoft.com/office/powerpoint/2010/main" val="2934519252"/>
+      </p:ext>
+    </p:extLst>
+  </p:cSld>
+  <p:clrMapOvr>
+    <a:masterClrMapping/>
+  </p:clrMapOvr>
+</p:sld>
+</file>
+
+<file path=ppt/slides/slide26.xml><?xml version="1.0" encoding="utf-8"?>
+<p:sld xmlns:a="http://schemas.openxmlformats.org/drawingml/2006/main" xmlns:r="http://schemas.openxmlformats.org/officeDocument/2006/relationships" xmlns:p="http://schemas.openxmlformats.org/presentationml/2006/main">
+  <p:cSld>
+    <p:spTree>
+      <p:nvGrpSpPr>
+        <p:cNvPr id="1" name=""/>
+        <p:cNvGrpSpPr/>
+        <p:nvPr/>
+      </p:nvGrpSpPr>
+      <p:grpSpPr>
+        <a:xfrm>
+          <a:off x="0" y="0"/>
+          <a:ext cx="0" cy="0"/>
+          <a:chOff x="0" y="0"/>
+          <a:chExt cx="0" cy="0"/>
+        </a:xfrm>
+      </p:grpSpPr>
+      <p:sp>
+        <p:nvSpPr>
+          <p:cNvPr id="2" name="Título 1"/>
+          <p:cNvSpPr>
+            <a:spLocks noGrp="1"/>
+          </p:cNvSpPr>
+          <p:nvPr>
+            <p:ph type="title"/>
+          </p:nvPr>
+        </p:nvSpPr>
+        <p:spPr/>
+        <p:txBody>
+          <a:bodyPr>
+            <a:normAutofit/>
+          </a:bodyPr>
+          <a:lstStyle/>
+          <a:p>
+            <a:pPr algn="ctr"/>
+            <a:r>
+              <a:rPr lang="es-PE" sz="3600" dirty="0" smtClean="0"/>
+              <a:t>Reflexión final: ¿qué pasa con la educación en Perú?</a:t>
+            </a:r>
+            <a:endParaRPr lang="es-PE" sz="3600" dirty="0"/>
+          </a:p>
+        </p:txBody>
+      </p:sp>
+      <p:pic>
+        <p:nvPicPr>
+          <p:cNvPr id="5" name="Imagen 4"/>
+          <p:cNvPicPr>
+            <a:picLocks noChangeAspect="1"/>
+          </p:cNvPicPr>
+          <p:nvPr/>
+        </p:nvPicPr>
+        <p:blipFill>
+          <a:blip r:embed="rId2"/>
+          <a:stretch>
+            <a:fillRect/>
+          </a:stretch>
+        </p:blipFill>
+        <p:spPr>
+          <a:xfrm>
+            <a:off x="0" y="2050828"/>
+            <a:ext cx="7648897" cy="3249412"/>
+          </a:xfrm>
+          <a:prstGeom prst="rect">
+            <a:avLst/>
+          </a:prstGeom>
+        </p:spPr>
+      </p:pic>
+      <p:pic>
+        <p:nvPicPr>
+          <p:cNvPr id="6" name="Imagen 5"/>
+          <p:cNvPicPr>
+            <a:picLocks noChangeAspect="1"/>
+          </p:cNvPicPr>
+          <p:nvPr/>
+        </p:nvPicPr>
+        <p:blipFill>
+          <a:blip r:embed="rId3"/>
+          <a:stretch>
+            <a:fillRect/>
+          </a:stretch>
+        </p:blipFill>
+        <p:spPr>
+          <a:xfrm>
+            <a:off x="6953249" y="2050828"/>
+            <a:ext cx="5210175" cy="3252680"/>
+          </a:xfrm>
+          <a:prstGeom prst="rect">
+            <a:avLst/>
+          </a:prstGeom>
+        </p:spPr>
+      </p:pic>
+      <p:sp>
+        <p:nvSpPr>
+          <p:cNvPr id="7" name="Título 1"/>
+          <p:cNvSpPr txBox="1">
+            <a:spLocks/>
+          </p:cNvSpPr>
+          <p:nvPr/>
+        </p:nvSpPr>
+        <p:spPr>
+          <a:xfrm>
+            <a:off x="838200" y="5532437"/>
+            <a:ext cx="10515600" cy="1325563"/>
+          </a:xfrm>
+          <a:prstGeom prst="rect">
+            <a:avLst/>
+          </a:prstGeom>
+        </p:spPr>
+        <p:txBody>
+          <a:bodyPr vert="horz" lIns="91440" tIns="45720" rIns="91440" bIns="45720" rtlCol="0" anchor="ctr">
+            <a:normAutofit/>
+          </a:bodyPr>
+          <a:lstStyle>
+            <a:lvl1pPr algn="l" defTabSz="914400" rtl="0" eaLnBrk="1" latinLnBrk="0" hangingPunct="1">
+              <a:lnSpc>
+                <a:spcPct val="90000"/>
+              </a:lnSpc>
+              <a:spcBef>
+                <a:spcPct val="0"/>
+              </a:spcBef>
+              <a:buNone/>
+              <a:defRPr sz="4400" kern="1200">
+                <a:solidFill>
+                  <a:schemeClr val="tx1"/>
+                </a:solidFill>
+                <a:latin typeface="+mj-lt"/>
+                <a:ea typeface="+mj-ea"/>
+                <a:cs typeface="+mj-cs"/>
+              </a:defRPr>
+            </a:lvl1pPr>
+          </a:lstStyle>
+          <a:p>
+            <a:pPr algn="ctr"/>
+            <a:r>
+              <a:rPr lang="es-PE" dirty="0" smtClean="0"/>
+              <a:t>¿Es la educación un asunto político?</a:t>
+            </a:r>
+            <a:endParaRPr lang="es-PE" dirty="0"/>
+          </a:p>
+        </p:txBody>
+      </p:sp>
+    </p:spTree>
+    <p:extLst>
+      <p:ext uri="{BB962C8B-B14F-4D97-AF65-F5344CB8AC3E}">
+        <p14:creationId xmlns:p14="http://schemas.microsoft.com/office/powerpoint/2010/main" val="3159338309"/>
       </p:ext>
     </p:extLst>
   </p:cSld>
@@ -4200,41 +5960,50 @@
         </p:nvSpPr>
         <p:spPr/>
         <p:txBody>
-          <a:bodyPr/>
+          <a:bodyPr>
+            <a:normAutofit/>
+          </a:bodyPr>
           <a:lstStyle/>
           <a:p>
             <a:pPr algn="ctr"/>
             <a:r>
-              <a:rPr lang="es-PE" dirty="0" smtClean="0"/>
-              <a:t>¿Es la educación un asunto político?</a:t>
-            </a:r>
-            <a:endParaRPr lang="es-PE" dirty="0"/>
-          </a:p>
-        </p:txBody>
-      </p:sp>
-      <p:sp>
-        <p:nvSpPr>
-          <p:cNvPr id="3" name="Marcador de contenido 2"/>
-          <p:cNvSpPr>
-            <a:spLocks noGrp="1"/>
-          </p:cNvSpPr>
+              <a:rPr lang="es-PE" sz="3600" dirty="0" smtClean="0"/>
+              <a:t>Reflexión final: ¿qué pasa con la educación en Perú?</a:t>
+            </a:r>
+            <a:endParaRPr lang="es-PE" sz="3600" dirty="0"/>
+          </a:p>
+        </p:txBody>
+      </p:sp>
+      <p:pic>
+        <p:nvPicPr>
+          <p:cNvPr id="4" name="Marcador de contenido 3"/>
+          <p:cNvPicPr>
+            <a:picLocks noGrp="1" noChangeAspect="1"/>
+          </p:cNvPicPr>
           <p:nvPr>
             <p:ph idx="1"/>
           </p:nvPr>
-        </p:nvSpPr>
-        <p:spPr/>
-        <p:txBody>
-          <a:bodyPr/>
-          <a:lstStyle/>
-          <a:p>
-            <a:endParaRPr lang="es-PE"/>
-          </a:p>
-        </p:txBody>
-      </p:sp>
+        </p:nvPicPr>
+        <p:blipFill>
+          <a:blip r:embed="rId2"/>
+          <a:stretch>
+            <a:fillRect/>
+          </a:stretch>
+        </p:blipFill>
+        <p:spPr>
+          <a:xfrm>
+            <a:off x="1194318" y="1927759"/>
+            <a:ext cx="9442579" cy="4788930"/>
+          </a:xfrm>
+          <a:prstGeom prst="rect">
+            <a:avLst/>
+          </a:prstGeom>
+        </p:spPr>
+      </p:pic>
     </p:spTree>
     <p:extLst>
       <p:ext uri="{BB962C8B-B14F-4D97-AF65-F5344CB8AC3E}">
-        <p14:creationId xmlns:p14="http://schemas.microsoft.com/office/powerpoint/2010/main" val="3384365286"/>
+        <p14:creationId xmlns:p14="http://schemas.microsoft.com/office/powerpoint/2010/main" val="1643174174"/>
       </p:ext>
     </p:extLst>
   </p:cSld>
@@ -4348,15 +6117,7 @@
             </a:pPr>
             <a:r>
               <a:rPr lang="es-PE" dirty="0"/>
-              <a:t>¿</a:t>
-            </a:r>
-            <a:r>
-              <a:rPr lang="es-PE" dirty="0"/>
-              <a:t>Qué </a:t>
-            </a:r>
-            <a:r>
-              <a:rPr lang="es-PE" dirty="0"/>
-              <a:t>debo </a:t>
+              <a:t>¿Qué debo </a:t>
             </a:r>
             <a:r>
               <a:rPr lang="es-PE" dirty="0">
@@ -4368,17 +6129,8 @@
             </a:r>
             <a:r>
               <a:rPr lang="es-PE" dirty="0"/>
-              <a:t>?		          </a:t>
-            </a:r>
-            <a:r>
-              <a:rPr lang="es-PE" dirty="0"/>
-              <a:t>(Campo de la </a:t>
-            </a:r>
-            <a:r>
-              <a:rPr lang="es-PE" dirty="0"/>
-              <a:t>Moral)</a:t>
-            </a:r>
-            <a:endParaRPr lang="es-PE" dirty="0"/>
+              <a:t>?		          (Campo de la Moral)</a:t>
+            </a:r>
           </a:p>
           <a:p>
             <a:pPr marL="285750" indent="-285750">
@@ -4401,11 +6153,7 @@
             </a:pPr>
             <a:r>
               <a:rPr lang="es-PE" dirty="0"/>
-              <a:t>¿</a:t>
-            </a:r>
-            <a:r>
-              <a:rPr lang="es-PE" dirty="0"/>
-              <a:t>Qué puedo </a:t>
+              <a:t>¿Qué puedo </a:t>
             </a:r>
             <a:r>
               <a:rPr lang="es-PE" dirty="0">
@@ -4417,17 +6165,8 @@
             </a:r>
             <a:r>
               <a:rPr lang="es-PE" dirty="0"/>
-              <a:t>?		          </a:t>
-            </a:r>
-            <a:r>
-              <a:rPr lang="es-PE" dirty="0"/>
-              <a:t>(Campo de la </a:t>
-            </a:r>
-            <a:r>
-              <a:rPr lang="es-PE" dirty="0"/>
-              <a:t>Religión)</a:t>
-            </a:r>
-            <a:endParaRPr lang="es-PE" dirty="0"/>
+              <a:t>?		          (Campo de la Religión)</a:t>
+            </a:r>
           </a:p>
           <a:p>
             <a:pPr marL="285750" indent="-285750">
@@ -4450,15 +6189,7 @@
             </a:pPr>
             <a:r>
               <a:rPr lang="es-PE" dirty="0"/>
-              <a:t>¿</a:t>
-            </a:r>
-            <a:r>
-              <a:rPr lang="es-PE" dirty="0"/>
-              <a:t>Qué </a:t>
-            </a:r>
-            <a:r>
-              <a:rPr lang="es-PE" dirty="0"/>
-              <a:t>es el ser </a:t>
+              <a:t>¿Qué es el ser </a:t>
             </a:r>
             <a:r>
               <a:rPr lang="es-PE" dirty="0">
@@ -4470,17 +6201,8 @@
             </a:r>
             <a:r>
               <a:rPr lang="es-PE" dirty="0"/>
-              <a:t>?                                </a:t>
-            </a:r>
-            <a:r>
-              <a:rPr lang="es-PE" dirty="0"/>
-              <a:t>(Campo de la </a:t>
-            </a:r>
-            <a:r>
-              <a:rPr lang="es-PE" dirty="0"/>
-              <a:t>Antropología)</a:t>
-            </a:r>
-            <a:endParaRPr lang="es-PE" dirty="0"/>
+              <a:t>?                                (Campo de la Antropología)</a:t>
+            </a:r>
           </a:p>
           <a:p>
             <a:endParaRPr lang="es-PE" dirty="0"/>
@@ -4754,6 +6476,192 @@
       </p:grpSpPr>
       <p:sp>
         <p:nvSpPr>
+          <p:cNvPr id="2" name="Título 1"/>
+          <p:cNvSpPr>
+            <a:spLocks noGrp="1"/>
+          </p:cNvSpPr>
+          <p:nvPr>
+            <p:ph type="title"/>
+          </p:nvPr>
+        </p:nvSpPr>
+        <p:spPr/>
+        <p:txBody>
+          <a:bodyPr/>
+          <a:lstStyle/>
+          <a:p>
+            <a:pPr algn="ctr"/>
+            <a:r>
+              <a:rPr lang="es-PE" dirty="0" smtClean="0"/>
+              <a:t>El proyecto Crítico de Kant</a:t>
+            </a:r>
+            <a:endParaRPr lang="es-PE" dirty="0"/>
+          </a:p>
+        </p:txBody>
+      </p:sp>
+      <p:sp>
+        <p:nvSpPr>
+          <p:cNvPr id="5" name="CuadroTexto 4"/>
+          <p:cNvSpPr txBox="1"/>
+          <p:nvPr/>
+        </p:nvSpPr>
+        <p:spPr>
+          <a:xfrm>
+            <a:off x="513572" y="3646723"/>
+            <a:ext cx="5296677" cy="1323439"/>
+          </a:xfrm>
+          <a:prstGeom prst="rect">
+            <a:avLst/>
+          </a:prstGeom>
+          <a:noFill/>
+        </p:spPr>
+        <p:txBody>
+          <a:bodyPr wrap="square" rtlCol="0">
+            <a:spAutoFit/>
+          </a:bodyPr>
+          <a:lstStyle/>
+          <a:p>
+            <a:r>
+              <a:rPr lang="es-PE" sz="4000" dirty="0" smtClean="0"/>
+              <a:t>Arquitectónica de la Razón</a:t>
+            </a:r>
+            <a:endParaRPr lang="es-PE" sz="4000" dirty="0"/>
+          </a:p>
+        </p:txBody>
+      </p:sp>
+      <p:sp>
+        <p:nvSpPr>
+          <p:cNvPr id="6" name="CuadroTexto 5"/>
+          <p:cNvSpPr txBox="1"/>
+          <p:nvPr/>
+        </p:nvSpPr>
+        <p:spPr>
+          <a:xfrm>
+            <a:off x="6976057" y="3646724"/>
+            <a:ext cx="5996473" cy="1323439"/>
+          </a:xfrm>
+          <a:prstGeom prst="rect">
+            <a:avLst/>
+          </a:prstGeom>
+          <a:noFill/>
+        </p:spPr>
+        <p:txBody>
+          <a:bodyPr wrap="square" rtlCol="0">
+            <a:spAutoFit/>
+          </a:bodyPr>
+          <a:lstStyle/>
+          <a:p>
+            <a:r>
+              <a:rPr lang="es-PE" sz="4000" dirty="0" smtClean="0"/>
+              <a:t>Invitación a la autonomía/libertad</a:t>
+            </a:r>
+            <a:endParaRPr lang="es-PE" sz="4000" dirty="0"/>
+          </a:p>
+        </p:txBody>
+      </p:sp>
+      <p:cxnSp>
+        <p:nvCxnSpPr>
+          <p:cNvPr id="7" name="Conector recto de flecha 6"/>
+          <p:cNvCxnSpPr/>
+          <p:nvPr/>
+        </p:nvCxnSpPr>
+        <p:spPr>
+          <a:xfrm flipH="1">
+            <a:off x="2724150" y="2041739"/>
+            <a:ext cx="2221464" cy="1406311"/>
+          </a:xfrm>
+          <a:prstGeom prst="straightConnector1">
+            <a:avLst/>
+          </a:prstGeom>
+          <a:ln w="57150">
+            <a:solidFill>
+              <a:srgbClr val="FF0000"/>
+            </a:solidFill>
+            <a:tailEnd type="triangle"/>
+          </a:ln>
+        </p:spPr>
+        <p:style>
+          <a:lnRef idx="1">
+            <a:schemeClr val="accent1"/>
+          </a:lnRef>
+          <a:fillRef idx="0">
+            <a:schemeClr val="accent1"/>
+          </a:fillRef>
+          <a:effectRef idx="0">
+            <a:schemeClr val="accent1"/>
+          </a:effectRef>
+          <a:fontRef idx="minor">
+            <a:schemeClr val="tx1"/>
+          </a:fontRef>
+        </p:style>
+      </p:cxnSp>
+      <p:cxnSp>
+        <p:nvCxnSpPr>
+          <p:cNvPr id="8" name="Conector recto de flecha 7"/>
+          <p:cNvCxnSpPr/>
+          <p:nvPr/>
+        </p:nvCxnSpPr>
+        <p:spPr>
+          <a:xfrm>
+            <a:off x="6811215" y="2047325"/>
+            <a:ext cx="2008935" cy="1400725"/>
+          </a:xfrm>
+          <a:prstGeom prst="straightConnector1">
+            <a:avLst/>
+          </a:prstGeom>
+          <a:ln w="57150">
+            <a:solidFill>
+              <a:srgbClr val="FF0000"/>
+            </a:solidFill>
+            <a:tailEnd type="triangle"/>
+          </a:ln>
+        </p:spPr>
+        <p:style>
+          <a:lnRef idx="1">
+            <a:schemeClr val="accent1"/>
+          </a:lnRef>
+          <a:fillRef idx="0">
+            <a:schemeClr val="accent1"/>
+          </a:fillRef>
+          <a:effectRef idx="0">
+            <a:schemeClr val="accent1"/>
+          </a:effectRef>
+          <a:fontRef idx="minor">
+            <a:schemeClr val="tx1"/>
+          </a:fontRef>
+        </p:style>
+      </p:cxnSp>
+    </p:spTree>
+    <p:extLst>
+      <p:ext uri="{BB962C8B-B14F-4D97-AF65-F5344CB8AC3E}">
+        <p14:creationId xmlns:p14="http://schemas.microsoft.com/office/powerpoint/2010/main" val="4027625218"/>
+      </p:ext>
+    </p:extLst>
+  </p:cSld>
+  <p:clrMapOvr>
+    <a:masterClrMapping/>
+  </p:clrMapOvr>
+</p:sld>
+</file>
+
+<file path=ppt/slides/slide6.xml><?xml version="1.0" encoding="utf-8"?>
+<p:sld xmlns:a="http://schemas.openxmlformats.org/drawingml/2006/main" xmlns:r="http://schemas.openxmlformats.org/officeDocument/2006/relationships" xmlns:p="http://schemas.openxmlformats.org/presentationml/2006/main">
+  <p:cSld>
+    <p:spTree>
+      <p:nvGrpSpPr>
+        <p:cNvPr id="1" name=""/>
+        <p:cNvGrpSpPr/>
+        <p:nvPr/>
+      </p:nvGrpSpPr>
+      <p:grpSpPr>
+        <a:xfrm>
+          <a:off x="0" y="0"/>
+          <a:ext cx="0" cy="0"/>
+          <a:chOff x="0" y="0"/>
+          <a:chExt cx="0" cy="0"/>
+        </a:xfrm>
+      </p:grpSpPr>
+      <p:sp>
+        <p:nvSpPr>
           <p:cNvPr id="4" name="3 CuadroTexto"/>
           <p:cNvSpPr txBox="1"/>
           <p:nvPr/>
@@ -4950,11 +6858,6 @@
               </a:rPr>
               <a:t>Kant, de algún modo, sintetiza ambas corrientes.</a:t>
             </a:r>
-            <a:endParaRPr lang="es-PE" sz="1400" dirty="0">
-              <a:solidFill>
-                <a:srgbClr val="00B050"/>
-              </a:solidFill>
-            </a:endParaRPr>
           </a:p>
         </p:txBody>
       </p:sp>
@@ -5164,7 +7067,7 @@
 </p:sld>
 </file>
 
-<file path=ppt/slides/slide6.xml><?xml version="1.0" encoding="utf-8"?>
+<file path=ppt/slides/slide7.xml><?xml version="1.0" encoding="utf-8"?>
 <p:sld xmlns:a="http://schemas.openxmlformats.org/drawingml/2006/main" xmlns:r="http://schemas.openxmlformats.org/officeDocument/2006/relationships" xmlns:p="http://schemas.openxmlformats.org/presentationml/2006/main">
   <p:cSld>
     <p:spTree>
@@ -5208,7 +7111,6 @@
               <a:rPr lang="es-PE" dirty="0"/>
               <a:t>Éste sería el ámbito de la C.R.P</a:t>
             </a:r>
-            <a:endParaRPr lang="es-PE" dirty="0"/>
           </a:p>
         </p:txBody>
       </p:sp>
@@ -5347,7 +7249,7 @@
 </p:sld>
 </file>
 
-<file path=ppt/slides/slide7.xml><?xml version="1.0" encoding="utf-8"?>
+<file path=ppt/slides/slide8.xml><?xml version="1.0" encoding="utf-8"?>
 <p:sld xmlns:a="http://schemas.openxmlformats.org/drawingml/2006/main" xmlns:r="http://schemas.openxmlformats.org/officeDocument/2006/relationships" xmlns:p="http://schemas.openxmlformats.org/presentationml/2006/main">
   <p:cSld>
     <p:spTree>
@@ -5366,7 +7268,7 @@
       </p:grpSpPr>
       <p:pic>
         <p:nvPicPr>
-          <p:cNvPr id="5" name="Imagen 4"/>
+          <p:cNvPr id="4" name="Imagen 3"/>
           <p:cNvPicPr>
             <a:picLocks noChangeAspect="1"/>
           </p:cNvPicPr>
@@ -5380,8 +7282,8 @@
         </p:blipFill>
         <p:spPr>
           <a:xfrm>
-            <a:off x="2504657" y="923366"/>
-            <a:ext cx="7259216" cy="2883522"/>
+            <a:off x="866357" y="602432"/>
+            <a:ext cx="10791744" cy="3036117"/>
           </a:xfrm>
           <a:prstGeom prst="rect">
             <a:avLst/>
@@ -5390,7 +7292,7 @@
       </p:pic>
       <p:pic>
         <p:nvPicPr>
-          <p:cNvPr id="4" name="Imagen 3"/>
+          <p:cNvPr id="2" name="Imagen 1"/>
           <p:cNvPicPr>
             <a:picLocks noChangeAspect="1"/>
           </p:cNvPicPr>
@@ -5404,8 +7306,8 @@
         </p:blipFill>
         <p:spPr>
           <a:xfrm>
-            <a:off x="2504657" y="4050483"/>
-            <a:ext cx="7029214" cy="1977578"/>
+            <a:off x="2076450" y="3771900"/>
+            <a:ext cx="7562850" cy="2354060"/>
           </a:xfrm>
           <a:prstGeom prst="rect">
             <a:avLst/>
@@ -5425,7 +7327,7 @@
 </p:sld>
 </file>
 
-<file path=ppt/slides/slide8.xml><?xml version="1.0" encoding="utf-8"?>
+<file path=ppt/slides/slide9.xml><?xml version="1.0" encoding="utf-8"?>
 <p:sld xmlns:a="http://schemas.openxmlformats.org/drawingml/2006/main" xmlns:r="http://schemas.openxmlformats.org/officeDocument/2006/relationships" xmlns:p="http://schemas.openxmlformats.org/presentationml/2006/main">
   <p:cSld>
     <p:spTree>
@@ -5458,7 +7360,7 @@
         </p:blipFill>
         <p:spPr>
           <a:xfrm>
-            <a:off x="321517" y="470807"/>
+            <a:off x="302467" y="2147207"/>
             <a:ext cx="11333476" cy="2421683"/>
           </a:xfrm>
           <a:prstGeom prst="rect">
@@ -5474,7 +7376,7 @@
         </p:nvSpPr>
         <p:spPr>
           <a:xfrm>
-            <a:off x="2780523" y="1511557"/>
+            <a:off x="2761473" y="3187957"/>
             <a:ext cx="8874470" cy="354565"/>
           </a:xfrm>
           <a:prstGeom prst="rect">
@@ -5528,7 +7430,7 @@
         </p:nvSpPr>
         <p:spPr>
           <a:xfrm>
-            <a:off x="522514" y="1847461"/>
+            <a:off x="503464" y="3523861"/>
             <a:ext cx="11132479" cy="335902"/>
           </a:xfrm>
           <a:prstGeom prst="rect">
@@ -5582,7 +7484,7 @@
         </p:nvSpPr>
         <p:spPr>
           <a:xfrm>
-            <a:off x="522514" y="2183363"/>
+            <a:off x="503464" y="3859763"/>
             <a:ext cx="3526972" cy="335903"/>
           </a:xfrm>
           <a:prstGeom prst="rect">
@@ -5628,273 +7530,10 @@
           </a:p>
         </p:txBody>
       </p:sp>
-      <p:sp>
-        <p:nvSpPr>
-          <p:cNvPr id="7" name="CuadroTexto 6"/>
-          <p:cNvSpPr txBox="1"/>
-          <p:nvPr/>
-        </p:nvSpPr>
-        <p:spPr>
-          <a:xfrm>
-            <a:off x="5054082" y="4208882"/>
-            <a:ext cx="4795935" cy="369332"/>
-          </a:xfrm>
-          <a:prstGeom prst="rect">
-            <a:avLst/>
-          </a:prstGeom>
-          <a:noFill/>
-        </p:spPr>
-        <p:txBody>
-          <a:bodyPr wrap="square" rtlCol="0">
-            <a:spAutoFit/>
-          </a:bodyPr>
-          <a:lstStyle/>
-          <a:p>
-            <a:r>
-              <a:rPr lang="es-PE" dirty="0" smtClean="0"/>
-              <a:t>Proyecto Crítico</a:t>
-            </a:r>
-            <a:endParaRPr lang="es-PE" dirty="0"/>
-          </a:p>
-        </p:txBody>
-      </p:sp>
-      <p:sp>
-        <p:nvSpPr>
-          <p:cNvPr id="8" name="CuadroTexto 7"/>
-          <p:cNvSpPr txBox="1"/>
-          <p:nvPr/>
-        </p:nvSpPr>
-        <p:spPr>
-          <a:xfrm>
-            <a:off x="2780523" y="5347216"/>
-            <a:ext cx="3020008" cy="369332"/>
-          </a:xfrm>
-          <a:prstGeom prst="rect">
-            <a:avLst/>
-          </a:prstGeom>
-          <a:noFill/>
-        </p:spPr>
-        <p:txBody>
-          <a:bodyPr wrap="square" rtlCol="0">
-            <a:spAutoFit/>
-          </a:bodyPr>
-          <a:lstStyle/>
-          <a:p>
-            <a:r>
-              <a:rPr lang="es-PE" dirty="0" smtClean="0"/>
-              <a:t>Arquitectónica de la Razón</a:t>
-            </a:r>
-            <a:endParaRPr lang="es-PE" dirty="0"/>
-          </a:p>
-        </p:txBody>
-      </p:sp>
-      <p:sp>
-        <p:nvSpPr>
-          <p:cNvPr id="9" name="CuadroTexto 8"/>
-          <p:cNvSpPr txBox="1"/>
-          <p:nvPr/>
-        </p:nvSpPr>
-        <p:spPr>
-          <a:xfrm>
-            <a:off x="6403910" y="5347216"/>
-            <a:ext cx="3707363" cy="369332"/>
-          </a:xfrm>
-          <a:prstGeom prst="rect">
-            <a:avLst/>
-          </a:prstGeom>
-          <a:noFill/>
-        </p:spPr>
-        <p:txBody>
-          <a:bodyPr wrap="square" rtlCol="0">
-            <a:spAutoFit/>
-          </a:bodyPr>
-          <a:lstStyle/>
-          <a:p>
-            <a:r>
-              <a:rPr lang="es-PE" dirty="0" smtClean="0"/>
-              <a:t>Invitación a la autonomía/libertad</a:t>
-            </a:r>
-            <a:endParaRPr lang="es-PE" dirty="0"/>
-          </a:p>
-        </p:txBody>
-      </p:sp>
-      <p:cxnSp>
-        <p:nvCxnSpPr>
-          <p:cNvPr id="11" name="Conector recto de flecha 10"/>
-          <p:cNvCxnSpPr/>
-          <p:nvPr/>
-        </p:nvCxnSpPr>
-        <p:spPr>
-          <a:xfrm flipH="1">
-            <a:off x="4792825" y="4712736"/>
-            <a:ext cx="727788" cy="391885"/>
-          </a:xfrm>
-          <a:prstGeom prst="straightConnector1">
-            <a:avLst/>
-          </a:prstGeom>
-          <a:ln>
-            <a:tailEnd type="triangle"/>
-          </a:ln>
-        </p:spPr>
-        <p:style>
-          <a:lnRef idx="1">
-            <a:schemeClr val="accent1"/>
-          </a:lnRef>
-          <a:fillRef idx="0">
-            <a:schemeClr val="accent1"/>
-          </a:fillRef>
-          <a:effectRef idx="0">
-            <a:schemeClr val="accent1"/>
-          </a:effectRef>
-          <a:fontRef idx="minor">
-            <a:schemeClr val="tx1"/>
-          </a:fontRef>
-        </p:style>
-      </p:cxnSp>
-      <p:cxnSp>
-        <p:nvCxnSpPr>
-          <p:cNvPr id="12" name="Conector recto de flecha 11"/>
-          <p:cNvCxnSpPr/>
-          <p:nvPr/>
-        </p:nvCxnSpPr>
-        <p:spPr>
-          <a:xfrm>
-            <a:off x="6403910" y="4712736"/>
-            <a:ext cx="730897" cy="482080"/>
-          </a:xfrm>
-          <a:prstGeom prst="straightConnector1">
-            <a:avLst/>
-          </a:prstGeom>
-          <a:ln>
-            <a:tailEnd type="triangle"/>
-          </a:ln>
-        </p:spPr>
-        <p:style>
-          <a:lnRef idx="1">
-            <a:schemeClr val="accent1"/>
-          </a:lnRef>
-          <a:fillRef idx="0">
-            <a:schemeClr val="accent1"/>
-          </a:fillRef>
-          <a:effectRef idx="0">
-            <a:schemeClr val="accent1"/>
-          </a:effectRef>
-          <a:fontRef idx="minor">
-            <a:schemeClr val="tx1"/>
-          </a:fontRef>
-        </p:style>
-      </p:cxnSp>
     </p:spTree>
     <p:extLst>
       <p:ext uri="{BB962C8B-B14F-4D97-AF65-F5344CB8AC3E}">
         <p14:creationId xmlns:p14="http://schemas.microsoft.com/office/powerpoint/2010/main" val="2390027888"/>
-      </p:ext>
-    </p:extLst>
-  </p:cSld>
-  <p:clrMapOvr>
-    <a:masterClrMapping/>
-  </p:clrMapOvr>
-</p:sld>
-</file>
-
-<file path=ppt/slides/slide9.xml><?xml version="1.0" encoding="utf-8"?>
-<p:sld xmlns:a="http://schemas.openxmlformats.org/drawingml/2006/main" xmlns:r="http://schemas.openxmlformats.org/officeDocument/2006/relationships" xmlns:p="http://schemas.openxmlformats.org/presentationml/2006/main">
-  <p:cSld>
-    <p:spTree>
-      <p:nvGrpSpPr>
-        <p:cNvPr id="1" name=""/>
-        <p:cNvGrpSpPr/>
-        <p:nvPr/>
-      </p:nvGrpSpPr>
-      <p:grpSpPr>
-        <a:xfrm>
-          <a:off x="0" y="0"/>
-          <a:ext cx="0" cy="0"/>
-          <a:chOff x="0" y="0"/>
-          <a:chExt cx="0" cy="0"/>
-        </a:xfrm>
-      </p:grpSpPr>
-      <p:pic>
-        <p:nvPicPr>
-          <p:cNvPr id="13" name="Imagen 12"/>
-          <p:cNvPicPr>
-            <a:picLocks noChangeAspect="1"/>
-          </p:cNvPicPr>
-          <p:nvPr/>
-        </p:nvPicPr>
-        <p:blipFill>
-          <a:blip r:embed="rId2"/>
-          <a:stretch>
-            <a:fillRect/>
-          </a:stretch>
-        </p:blipFill>
-        <p:spPr>
-          <a:xfrm>
-            <a:off x="502686" y="727788"/>
-            <a:ext cx="11286749" cy="1978090"/>
-          </a:xfrm>
-          <a:prstGeom prst="rect">
-            <a:avLst/>
-          </a:prstGeom>
-        </p:spPr>
-      </p:pic>
-      <p:sp>
-        <p:nvSpPr>
-          <p:cNvPr id="14" name="Rectángulo 13"/>
-          <p:cNvSpPr/>
-          <p:nvPr/>
-        </p:nvSpPr>
-        <p:spPr>
-          <a:xfrm>
-            <a:off x="3638939" y="2295331"/>
-            <a:ext cx="7893698" cy="410547"/>
-          </a:xfrm>
-          <a:prstGeom prst="rect">
-            <a:avLst/>
-          </a:prstGeom>
-          <a:solidFill>
-            <a:schemeClr val="bg1"/>
-          </a:solidFill>
-          <a:ln w="57150">
-            <a:solidFill>
-              <a:schemeClr val="bg1"/>
-            </a:solidFill>
-          </a:ln>
-        </p:spPr>
-        <p:style>
-          <a:lnRef idx="2">
-            <a:schemeClr val="accent1">
-              <a:shade val="50000"/>
-            </a:schemeClr>
-          </a:lnRef>
-          <a:fillRef idx="1">
-            <a:schemeClr val="accent1"/>
-          </a:fillRef>
-          <a:effectRef idx="0">
-            <a:schemeClr val="accent1"/>
-          </a:effectRef>
-          <a:fontRef idx="minor">
-            <a:schemeClr val="lt1"/>
-          </a:fontRef>
-        </p:style>
-        <p:txBody>
-          <a:bodyPr rot="0" spcFirstLastPara="0" vertOverflow="overflow" horzOverflow="overflow" vert="horz" wrap="square" lIns="91440" tIns="45720" rIns="91440" bIns="45720" numCol="1" spcCol="0" rtlCol="0" fromWordArt="0" anchor="ctr" anchorCtr="0" forceAA="0" compatLnSpc="1">
-            <a:prstTxWarp prst="textNoShape">
-              <a:avLst/>
-            </a:prstTxWarp>
-            <a:noAutofit/>
-          </a:bodyPr>
-          <a:lstStyle/>
-          <a:p>
-            <a:pPr algn="ctr"/>
-            <a:endParaRPr lang="es-PE"/>
-          </a:p>
-        </p:txBody>
-      </p:sp>
-    </p:spTree>
-    <p:extLst>
-      <p:ext uri="{BB962C8B-B14F-4D97-AF65-F5344CB8AC3E}">
-        <p14:creationId xmlns:p14="http://schemas.microsoft.com/office/powerpoint/2010/main" val="1125608569"/>
       </p:ext>
     </p:extLst>
   </p:cSld>

--- a/assets uarm/2023 1 UarmPCrit/Kant - ilustracion proyecto critico educacion.pptx
+++ b/assets uarm/2023 1 UarmPCrit/Kant - ilustracion proyecto critico educacion.pptx
@@ -9,12 +9,12 @@
     <p:sldId id="302" r:id="rId3"/>
     <p:sldId id="298" r:id="rId4"/>
     <p:sldId id="299" r:id="rId5"/>
-    <p:sldId id="308" r:id="rId6"/>
-    <p:sldId id="300" r:id="rId7"/>
-    <p:sldId id="301" r:id="rId8"/>
-    <p:sldId id="256" r:id="rId9"/>
-    <p:sldId id="279" r:id="rId10"/>
-    <p:sldId id="280" r:id="rId11"/>
+    <p:sldId id="324" r:id="rId6"/>
+    <p:sldId id="308" r:id="rId7"/>
+    <p:sldId id="256" r:id="rId8"/>
+    <p:sldId id="279" r:id="rId9"/>
+    <p:sldId id="280" r:id="rId10"/>
+    <p:sldId id="325" r:id="rId11"/>
     <p:sldId id="283" r:id="rId12"/>
     <p:sldId id="288" r:id="rId13"/>
     <p:sldId id="289" r:id="rId14"/>
@@ -22,15 +22,25 @@
     <p:sldId id="309" r:id="rId16"/>
     <p:sldId id="310" r:id="rId17"/>
     <p:sldId id="311" r:id="rId18"/>
-    <p:sldId id="312" r:id="rId19"/>
-    <p:sldId id="314" r:id="rId20"/>
-    <p:sldId id="318" r:id="rId21"/>
-    <p:sldId id="316" r:id="rId22"/>
-    <p:sldId id="317" r:id="rId23"/>
-    <p:sldId id="320" r:id="rId24"/>
-    <p:sldId id="304" r:id="rId25"/>
-    <p:sldId id="321" r:id="rId26"/>
-    <p:sldId id="306" r:id="rId27"/>
+    <p:sldId id="326" r:id="rId19"/>
+    <p:sldId id="327" r:id="rId20"/>
+    <p:sldId id="328" r:id="rId21"/>
+    <p:sldId id="312" r:id="rId22"/>
+    <p:sldId id="322" r:id="rId23"/>
+    <p:sldId id="314" r:id="rId24"/>
+    <p:sldId id="323" r:id="rId25"/>
+    <p:sldId id="329" r:id="rId26"/>
+    <p:sldId id="333" r:id="rId27"/>
+    <p:sldId id="330" r:id="rId28"/>
+    <p:sldId id="331" r:id="rId29"/>
+    <p:sldId id="332" r:id="rId30"/>
+    <p:sldId id="318" r:id="rId31"/>
+    <p:sldId id="316" r:id="rId32"/>
+    <p:sldId id="317" r:id="rId33"/>
+    <p:sldId id="320" r:id="rId34"/>
+    <p:sldId id="304" r:id="rId35"/>
+    <p:sldId id="321" r:id="rId36"/>
+    <p:sldId id="306" r:id="rId37"/>
   </p:sldIdLst>
   <p:sldSz cx="12192000" cy="6858000"/>
   <p:notesSz cx="6858000" cy="9144000"/>
@@ -268,7 +278,7 @@
           <a:p>
             <a:fld id="{72AF501A-13EC-4A9D-BBBE-13C0FDC72354}" type="datetimeFigureOut">
               <a:rPr lang="es-PE" smtClean="0"/>
-              <a:t>21/05/2023</a:t>
+              <a:t>18/06/2023</a:t>
             </a:fld>
             <a:endParaRPr lang="es-PE"/>
           </a:p>
@@ -438,7 +448,7 @@
           <a:p>
             <a:fld id="{72AF501A-13EC-4A9D-BBBE-13C0FDC72354}" type="datetimeFigureOut">
               <a:rPr lang="es-PE" smtClean="0"/>
-              <a:t>21/05/2023</a:t>
+              <a:t>18/06/2023</a:t>
             </a:fld>
             <a:endParaRPr lang="es-PE"/>
           </a:p>
@@ -618,7 +628,7 @@
           <a:p>
             <a:fld id="{72AF501A-13EC-4A9D-BBBE-13C0FDC72354}" type="datetimeFigureOut">
               <a:rPr lang="es-PE" smtClean="0"/>
-              <a:t>21/05/2023</a:t>
+              <a:t>18/06/2023</a:t>
             </a:fld>
             <a:endParaRPr lang="es-PE"/>
           </a:p>
@@ -788,7 +798,7 @@
           <a:p>
             <a:fld id="{72AF501A-13EC-4A9D-BBBE-13C0FDC72354}" type="datetimeFigureOut">
               <a:rPr lang="es-PE" smtClean="0"/>
-              <a:t>21/05/2023</a:t>
+              <a:t>18/06/2023</a:t>
             </a:fld>
             <a:endParaRPr lang="es-PE"/>
           </a:p>
@@ -1034,7 +1044,7 @@
           <a:p>
             <a:fld id="{72AF501A-13EC-4A9D-BBBE-13C0FDC72354}" type="datetimeFigureOut">
               <a:rPr lang="es-PE" smtClean="0"/>
-              <a:t>21/05/2023</a:t>
+              <a:t>18/06/2023</a:t>
             </a:fld>
             <a:endParaRPr lang="es-PE"/>
           </a:p>
@@ -1266,7 +1276,7 @@
           <a:p>
             <a:fld id="{72AF501A-13EC-4A9D-BBBE-13C0FDC72354}" type="datetimeFigureOut">
               <a:rPr lang="es-PE" smtClean="0"/>
-              <a:t>21/05/2023</a:t>
+              <a:t>18/06/2023</a:t>
             </a:fld>
             <a:endParaRPr lang="es-PE"/>
           </a:p>
@@ -1633,7 +1643,7 @@
           <a:p>
             <a:fld id="{72AF501A-13EC-4A9D-BBBE-13C0FDC72354}" type="datetimeFigureOut">
               <a:rPr lang="es-PE" smtClean="0"/>
-              <a:t>21/05/2023</a:t>
+              <a:t>18/06/2023</a:t>
             </a:fld>
             <a:endParaRPr lang="es-PE"/>
           </a:p>
@@ -1751,7 +1761,7 @@
           <a:p>
             <a:fld id="{72AF501A-13EC-4A9D-BBBE-13C0FDC72354}" type="datetimeFigureOut">
               <a:rPr lang="es-PE" smtClean="0"/>
-              <a:t>21/05/2023</a:t>
+              <a:t>18/06/2023</a:t>
             </a:fld>
             <a:endParaRPr lang="es-PE"/>
           </a:p>
@@ -1846,7 +1856,7 @@
           <a:p>
             <a:fld id="{72AF501A-13EC-4A9D-BBBE-13C0FDC72354}" type="datetimeFigureOut">
               <a:rPr lang="es-PE" smtClean="0"/>
-              <a:t>21/05/2023</a:t>
+              <a:t>18/06/2023</a:t>
             </a:fld>
             <a:endParaRPr lang="es-PE"/>
           </a:p>
@@ -2123,7 +2133,7 @@
           <a:p>
             <a:fld id="{72AF501A-13EC-4A9D-BBBE-13C0FDC72354}" type="datetimeFigureOut">
               <a:rPr lang="es-PE" smtClean="0"/>
-              <a:t>21/05/2023</a:t>
+              <a:t>18/06/2023</a:t>
             </a:fld>
             <a:endParaRPr lang="es-PE"/>
           </a:p>
@@ -2376,7 +2386,7 @@
           <a:p>
             <a:fld id="{72AF501A-13EC-4A9D-BBBE-13C0FDC72354}" type="datetimeFigureOut">
               <a:rPr lang="es-PE" smtClean="0"/>
-              <a:t>21/05/2023</a:t>
+              <a:t>18/06/2023</a:t>
             </a:fld>
             <a:endParaRPr lang="es-PE"/>
           </a:p>
@@ -2589,7 +2599,7 @@
           <a:p>
             <a:fld id="{72AF501A-13EC-4A9D-BBBE-13C0FDC72354}" type="datetimeFigureOut">
               <a:rPr lang="es-PE" smtClean="0"/>
-              <a:t>21/05/2023</a:t>
+              <a:t>18/06/2023</a:t>
             </a:fld>
             <a:endParaRPr lang="es-PE"/>
           </a:p>
@@ -3156,87 +3166,74 @@
           <a:chExt cx="0" cy="0"/>
         </a:xfrm>
       </p:grpSpPr>
-      <p:pic>
-        <p:nvPicPr>
-          <p:cNvPr id="13" name="Imagen 12"/>
-          <p:cNvPicPr>
-            <a:picLocks noChangeAspect="1"/>
-          </p:cNvPicPr>
-          <p:nvPr/>
-        </p:nvPicPr>
-        <p:blipFill>
-          <a:blip r:embed="rId2"/>
-          <a:stretch>
-            <a:fillRect/>
-          </a:stretch>
-        </p:blipFill>
-        <p:spPr>
-          <a:xfrm>
-            <a:off x="407436" y="2518488"/>
-            <a:ext cx="11286749" cy="1978090"/>
-          </a:xfrm>
-          <a:prstGeom prst="rect">
-            <a:avLst/>
-          </a:prstGeom>
-        </p:spPr>
-      </p:pic>
-      <p:sp>
-        <p:nvSpPr>
-          <p:cNvPr id="14" name="Rectángulo 13"/>
-          <p:cNvSpPr/>
-          <p:nvPr/>
-        </p:nvSpPr>
-        <p:spPr>
-          <a:xfrm>
-            <a:off x="3543689" y="4086031"/>
-            <a:ext cx="7893698" cy="410547"/>
-          </a:xfrm>
-          <a:prstGeom prst="rect">
-            <a:avLst/>
-          </a:prstGeom>
-          <a:solidFill>
-            <a:schemeClr val="bg1"/>
-          </a:solidFill>
-          <a:ln w="57150">
-            <a:solidFill>
-              <a:schemeClr val="bg1"/>
-            </a:solidFill>
-          </a:ln>
-        </p:spPr>
-        <p:style>
-          <a:lnRef idx="2">
-            <a:schemeClr val="accent1">
-              <a:shade val="50000"/>
-            </a:schemeClr>
-          </a:lnRef>
-          <a:fillRef idx="1">
-            <a:schemeClr val="accent1"/>
-          </a:fillRef>
-          <a:effectRef idx="0">
-            <a:schemeClr val="accent1"/>
-          </a:effectRef>
-          <a:fontRef idx="minor">
-            <a:schemeClr val="lt1"/>
-          </a:fontRef>
-        </p:style>
-        <p:txBody>
-          <a:bodyPr rot="0" spcFirstLastPara="0" vertOverflow="overflow" horzOverflow="overflow" vert="horz" wrap="square" lIns="91440" tIns="45720" rIns="91440" bIns="45720" numCol="1" spcCol="0" rtlCol="0" fromWordArt="0" anchor="ctr" anchorCtr="0" forceAA="0" compatLnSpc="1">
-            <a:prstTxWarp prst="textNoShape">
-              <a:avLst/>
-            </a:prstTxWarp>
+      <p:sp>
+        <p:nvSpPr>
+          <p:cNvPr id="2" name="Título 1"/>
+          <p:cNvSpPr>
+            <a:spLocks noGrp="1"/>
+          </p:cNvSpPr>
+          <p:nvPr>
+            <p:ph type="title"/>
+          </p:nvPr>
+        </p:nvSpPr>
+        <p:spPr/>
+        <p:txBody>
+          <a:bodyPr>
             <a:noAutofit/>
           </a:bodyPr>
           <a:lstStyle/>
           <a:p>
-            <a:pPr algn="ctr"/>
-            <a:endParaRPr lang="es-PE"/>
+            <a:r>
+              <a:rPr lang="es-PE" sz="2400" dirty="0"/>
+              <a:t>Figueroa, Maximiliano. </a:t>
+            </a:r>
+            <a:r>
+              <a:rPr lang="es-PE" sz="2400" i="1" dirty="0"/>
+              <a:t>Kant y el sentido ético de la educación. Una lectura en la época de la globalización.</a:t>
+            </a:r>
+            <a:r>
+              <a:rPr lang="es-PE" sz="2400" dirty="0"/>
+              <a:t> En: Persona y Sociedad, Universidad Alberto Hurtado, Vol. XX, Nº3, 2006, pp. 73-87. </a:t>
+            </a:r>
+            <a:br>
+              <a:rPr lang="es-PE" sz="2400" dirty="0"/>
+            </a:br>
+            <a:endParaRPr lang="es-PE" sz="2400" dirty="0"/>
+          </a:p>
+        </p:txBody>
+      </p:sp>
+      <p:sp>
+        <p:nvSpPr>
+          <p:cNvPr id="3" name="Marcador de contenido 2"/>
+          <p:cNvSpPr>
+            <a:spLocks noGrp="1"/>
+          </p:cNvSpPr>
+          <p:nvPr>
+            <p:ph idx="1"/>
+          </p:nvPr>
+        </p:nvSpPr>
+        <p:spPr>
+          <a:xfrm>
+            <a:off x="838200" y="2724911"/>
+            <a:ext cx="10515600" cy="3452051"/>
+          </a:xfrm>
+        </p:spPr>
+        <p:txBody>
+          <a:bodyPr/>
+          <a:lstStyle/>
+          <a:p>
+            <a:r>
+              <a:rPr lang="es-PE" dirty="0"/>
+              <a:t>“¡Atrévete!” significa haz el esfuerzo, ten el valor. ¿Pero por qué alguien aceptaría vivir bajo la guía de otro? Respuesta de Kant: por comodidad y por temor, por pereza y cobardía. Aquí es donde suelen afincarse los autoritarismos y los paternalismos, aquí radica la contribución de los individuos para que estas lógicas de sometimiento logren su fuerza y eficacia.” (2006, p.80)</a:t>
+            </a:r>
+            <a:endParaRPr lang="es-PE" dirty="0"/>
           </a:p>
         </p:txBody>
       </p:sp>
     </p:spTree>
     <p:extLst>
       <p:ext uri="{BB962C8B-B14F-4D97-AF65-F5344CB8AC3E}">
-        <p14:creationId xmlns:p14="http://schemas.microsoft.com/office/powerpoint/2010/main" val="1125608569"/>
+        <p14:creationId xmlns:p14="http://schemas.microsoft.com/office/powerpoint/2010/main" val="725678504"/>
       </p:ext>
     </p:extLst>
   </p:cSld>
@@ -4252,65 +4249,61 @@
         <p:spPr/>
         <p:txBody>
           <a:bodyPr>
-            <a:noAutofit/>
-          </a:bodyPr>
-          <a:lstStyle/>
-          <a:p>
-            <a:r>
-              <a:rPr lang="es-PE" sz="2400" dirty="0" err="1"/>
-              <a:t>Vandewalle</a:t>
-            </a:r>
-            <a:r>
-              <a:rPr lang="es-PE" sz="2400" dirty="0"/>
-              <a:t>, Bernard. </a:t>
-            </a:r>
-            <a:r>
-              <a:rPr lang="es-PE" sz="2400" i="1" dirty="0"/>
-              <a:t>Kant. Educación y crítica.</a:t>
-            </a:r>
-            <a:r>
-              <a:rPr lang="es-PE" sz="2400" dirty="0"/>
-              <a:t> Ed. Nueva Visión, Buenos Aires, 2005.</a:t>
-            </a:r>
-            <a:r>
-              <a:rPr lang="es-PE" sz="1600" dirty="0"/>
-              <a:t/>
-            </a:r>
-            <a:br>
-              <a:rPr lang="es-PE" sz="1600" dirty="0"/>
-            </a:br>
-            <a:endParaRPr lang="es-PE" sz="1600" dirty="0"/>
-          </a:p>
-        </p:txBody>
-      </p:sp>
-      <p:sp>
-        <p:nvSpPr>
-          <p:cNvPr id="3" name="Marcador de contenido 2"/>
-          <p:cNvSpPr>
-            <a:spLocks noGrp="1"/>
-          </p:cNvSpPr>
-          <p:nvPr>
-            <p:ph idx="1"/>
-          </p:nvPr>
-        </p:nvSpPr>
-        <p:spPr>
-          <a:xfrm>
-            <a:off x="971550" y="2244725"/>
-            <a:ext cx="10515600" cy="4351338"/>
-          </a:xfrm>
-        </p:spPr>
-        <p:txBody>
-          <a:bodyPr>
             <a:normAutofit/>
           </a:bodyPr>
           <a:lstStyle/>
           <a:p>
-            <a:pPr marL="0" indent="0">
-              <a:buNone/>
-            </a:pPr>
+            <a:r>
+              <a:rPr lang="es-PE" sz="3600" dirty="0" err="1"/>
+              <a:t>Lacroix</a:t>
+            </a:r>
+            <a:r>
+              <a:rPr lang="es-PE" sz="3600" dirty="0"/>
+              <a:t>, Jean. </a:t>
+            </a:r>
+            <a:r>
+              <a:rPr lang="en-US" sz="3600" dirty="0"/>
+              <a:t>Kant. Ed. </a:t>
+            </a:r>
+            <a:r>
+              <a:rPr lang="en-US" sz="3600" dirty="0" err="1"/>
+              <a:t>Sudamericana</a:t>
+            </a:r>
+            <a:r>
+              <a:rPr lang="en-US" sz="3600" dirty="0"/>
+              <a:t>. </a:t>
+            </a:r>
+            <a:r>
+              <a:rPr lang="es-PE" sz="3600" dirty="0"/>
+              <a:t>Bs. As. 1969.</a:t>
+            </a:r>
+            <a:endParaRPr lang="es-PE" sz="3600" dirty="0"/>
+          </a:p>
+        </p:txBody>
+      </p:sp>
+      <p:sp>
+        <p:nvSpPr>
+          <p:cNvPr id="3" name="Marcador de contenido 2"/>
+          <p:cNvSpPr>
+            <a:spLocks noGrp="1"/>
+          </p:cNvSpPr>
+          <p:nvPr>
+            <p:ph idx="1"/>
+          </p:nvPr>
+        </p:nvSpPr>
+        <p:spPr>
+          <a:xfrm>
+            <a:off x="838200" y="3310127"/>
+            <a:ext cx="10515600" cy="2866835"/>
+          </a:xfrm>
+        </p:spPr>
+        <p:txBody>
+          <a:bodyPr/>
+          <a:lstStyle/>
+          <a:p>
             <a:r>
               <a:rPr lang="es-PE" dirty="0"/>
-              <a:t>“¿Qué debe ser la </a:t>
+              <a:t>“</a:t>
             </a:r>
             <a:r>
               <a:rPr lang="es-PE" dirty="0">
@@ -4318,11 +4311,11 @@
                   <a:srgbClr val="FF0000"/>
                 </a:solidFill>
               </a:rPr>
-              <a:t>educación</a:t>
+              <a:t>La función suprema de la educación </a:t>
             </a:r>
             <a:r>
               <a:rPr lang="es-PE" dirty="0"/>
-              <a:t> a la hora de la </a:t>
+              <a:t>y del derecho, fundados ambos sobre la libertad humana (…) es permitir a la naturaleza expandirse en la </a:t>
             </a:r>
             <a:r>
               <a:rPr lang="es-PE" dirty="0">
@@ -4330,67 +4323,11 @@
                   <a:srgbClr val="FF0000"/>
                 </a:solidFill>
               </a:rPr>
-              <a:t>filosofía crítica</a:t>
+              <a:t>cultura</a:t>
             </a:r>
             <a:r>
               <a:rPr lang="es-PE" dirty="0"/>
-              <a:t>? </a:t>
-            </a:r>
-            <a:r>
-              <a:rPr lang="es-PE" dirty="0" smtClean="0"/>
-              <a:t>(…) </a:t>
-            </a:r>
-            <a:r>
-              <a:rPr lang="es-PE" dirty="0"/>
-              <a:t>¿cómo hay que pensar una educación auténticamente </a:t>
-            </a:r>
-            <a:r>
-              <a:rPr lang="es-PE" dirty="0">
-                <a:solidFill>
-                  <a:srgbClr val="FF0000"/>
-                </a:solidFill>
-              </a:rPr>
-              <a:t>ilustrada</a:t>
-            </a:r>
-            <a:r>
-              <a:rPr lang="es-PE" dirty="0"/>
-              <a:t>? Al instituir una nueva manera de pensar y tal vez de sentir y existir, la filosofía crítica impone un nuevo enfoque de la educación que se convierte en un objetivo filosófico e histórico fundamental. (…) </a:t>
-            </a:r>
-            <a:r>
-              <a:rPr lang="es-PE" dirty="0" smtClean="0"/>
-              <a:t>como </a:t>
-            </a:r>
-            <a:r>
-              <a:rPr lang="es-PE" dirty="0">
-                <a:solidFill>
-                  <a:srgbClr val="FF0000"/>
-                </a:solidFill>
-              </a:rPr>
-              <a:t>salida del dogmatismo </a:t>
-            </a:r>
-            <a:r>
-              <a:rPr lang="es-PE" dirty="0"/>
-              <a:t>y de la minoría de edad. (…) cuando para el dogmatismo lo importante es la doctrina en la escuela o la tradición, y por lo tanto aprender pensamientos en vez de </a:t>
-            </a:r>
-            <a:r>
-              <a:rPr lang="es-PE" dirty="0">
-                <a:solidFill>
-                  <a:srgbClr val="FF0000"/>
-                </a:solidFill>
-              </a:rPr>
-              <a:t>aprender a pensar</a:t>
-            </a:r>
-            <a:r>
-              <a:rPr lang="es-PE" dirty="0"/>
-              <a:t>.” (</a:t>
-            </a:r>
-            <a:r>
-              <a:rPr lang="es-PE" dirty="0" err="1"/>
-              <a:t>Vandewalle</a:t>
-            </a:r>
-            <a:r>
-              <a:rPr lang="es-PE" dirty="0"/>
-              <a:t>, 2005, p.9)</a:t>
+              <a:t>. O más bien es la cultura misma que se vuelve la verdadera naturaleza del hombre.” (p. 101)</a:t>
             </a:r>
           </a:p>
           <a:p>
@@ -4401,7 +4338,7 @@
     </p:spTree>
     <p:extLst>
       <p:ext uri="{BB962C8B-B14F-4D97-AF65-F5344CB8AC3E}">
-        <p14:creationId xmlns:p14="http://schemas.microsoft.com/office/powerpoint/2010/main" val="1455456645"/>
+        <p14:creationId xmlns:p14="http://schemas.microsoft.com/office/powerpoint/2010/main" val="1597301453"/>
       </p:ext>
     </p:extLst>
   </p:cSld>
@@ -4441,60 +4378,51 @@
         <p:spPr/>
         <p:txBody>
           <a:bodyPr>
-            <a:noAutofit/>
-          </a:bodyPr>
-          <a:lstStyle/>
-          <a:p>
-            <a:r>
-              <a:rPr lang="es-PE" sz="2000" dirty="0" err="1"/>
-              <a:t>Agazzi</a:t>
-            </a:r>
-            <a:r>
-              <a:rPr lang="es-PE" sz="2000" dirty="0"/>
-              <a:t>, Aldo. </a:t>
-            </a:r>
-            <a:r>
-              <a:rPr lang="es-PE" sz="2000" i="1" dirty="0"/>
-              <a:t>Historia de la filosofía y de la pedagogía. Tomo II.</a:t>
-            </a:r>
-            <a:r>
-              <a:rPr lang="es-PE" sz="2000" dirty="0"/>
-              <a:t> Ed. Marfil, Valencia, 1966.</a:t>
-            </a:r>
-            <a:r>
-              <a:rPr lang="es-PE" sz="800" dirty="0"/>
-              <a:t/>
-            </a:r>
-            <a:br>
-              <a:rPr lang="es-PE" sz="800" dirty="0"/>
-            </a:br>
-            <a:endParaRPr lang="es-PE" sz="800" dirty="0"/>
-          </a:p>
-        </p:txBody>
-      </p:sp>
-      <p:sp>
-        <p:nvSpPr>
-          <p:cNvPr id="3" name="Marcador de contenido 2"/>
-          <p:cNvSpPr>
-            <a:spLocks noGrp="1"/>
-          </p:cNvSpPr>
-          <p:nvPr>
-            <p:ph idx="1"/>
-          </p:nvPr>
-        </p:nvSpPr>
-        <p:spPr/>
-        <p:txBody>
-          <a:bodyPr>
             <a:normAutofit/>
           </a:bodyPr>
           <a:lstStyle/>
           <a:p>
-            <a:pPr marL="0" indent="0">
-              <a:buNone/>
-            </a:pPr>
+            <a:r>
+              <a:rPr lang="es-PE" sz="2800" dirty="0"/>
+              <a:t>Kant, I. Cómo orientarse en el pensamiento. Ed. </a:t>
+            </a:r>
+            <a:r>
+              <a:rPr lang="es-PE" sz="2800" dirty="0" err="1"/>
+              <a:t>Quadrata</a:t>
+            </a:r>
+            <a:r>
+              <a:rPr lang="es-PE" sz="2800" dirty="0"/>
+              <a:t>, Bs. As., 2005.</a:t>
+            </a:r>
+            <a:endParaRPr lang="es-PE" sz="2000" dirty="0"/>
+          </a:p>
+        </p:txBody>
+      </p:sp>
+      <p:sp>
+        <p:nvSpPr>
+          <p:cNvPr id="3" name="Marcador de contenido 2"/>
+          <p:cNvSpPr>
+            <a:spLocks noGrp="1"/>
+          </p:cNvSpPr>
+          <p:nvPr>
+            <p:ph idx="1"/>
+          </p:nvPr>
+        </p:nvSpPr>
+        <p:spPr>
+          <a:xfrm>
+            <a:off x="838200" y="3310127"/>
+            <a:ext cx="10515600" cy="2866835"/>
+          </a:xfrm>
+        </p:spPr>
+        <p:txBody>
+          <a:bodyPr>
+            <a:normAutofit fontScale="92500" lnSpcReduction="20000"/>
+          </a:bodyPr>
+          <a:lstStyle/>
+          <a:p>
             <a:r>
               <a:rPr lang="es-PE" dirty="0"/>
-              <a:t>“El fin de la </a:t>
+              <a:t>“Es por la mera </a:t>
             </a:r>
             <a:r>
               <a:rPr lang="es-PE" dirty="0">
@@ -4502,11 +4430,24 @@
                   <a:srgbClr val="FF0000"/>
                 </a:solidFill>
               </a:rPr>
-              <a:t>educación</a:t>
+              <a:t>razón</a:t>
             </a:r>
             <a:r>
               <a:rPr lang="es-PE" dirty="0"/>
-              <a:t> es el mismo fin del hombre y de la historia (…) La moralidad, aun siendo propia del hombre, </a:t>
+              <a:t> por lo que hay que orientarse, y no por un presuntamente oculto sentido de la verdad o una intuición exaltada en la que se podría injertar, sin consentimiento de la razón, la tradición y la revelación.” (p. 42</a:t>
+            </a:r>
+            <a:r>
+              <a:rPr lang="es-PE" dirty="0" smtClean="0"/>
+              <a:t>)</a:t>
+            </a:r>
+          </a:p>
+          <a:p>
+            <a:endParaRPr lang="es-PE" dirty="0"/>
+          </a:p>
+          <a:p>
+            <a:r>
+              <a:rPr lang="es-PE" dirty="0"/>
+              <a:t>“Ya se trate de hechos, ya se trate de fundamentos racionales: </a:t>
             </a:r>
             <a:r>
               <a:rPr lang="es-PE" dirty="0">
@@ -4514,48 +4455,17 @@
                   <a:srgbClr val="FF0000"/>
                 </a:solidFill>
               </a:rPr>
-              <a:t>no es un punto de partida sino el fruto de una conquista</a:t>
+              <a:t>Admitid lo que os parezca más auténtico luego de un examen cuidadoso y sincero</a:t>
             </a:r>
             <a:r>
               <a:rPr lang="es-PE" dirty="0"/>
-              <a:t>.” (1966, p.360</a:t>
-            </a:r>
-            <a:r>
-              <a:rPr lang="es-PE" dirty="0" smtClean="0"/>
-              <a:t>)</a:t>
-            </a:r>
-          </a:p>
-          <a:p>
-            <a:endParaRPr lang="es-PE" dirty="0"/>
-          </a:p>
-          <a:p>
-            <a:pPr marL="0" indent="0">
-              <a:buNone/>
-            </a:pPr>
-            <a:r>
-              <a:rPr lang="es-PE" dirty="0"/>
-              <a:t>“Este es el lado individual de la educación; junto a él, está el del progreso universal del género humano, en cuya virtud los niños deben ser educados, no de acuerdo con el estado presente de la humanidad, sino </a:t>
-            </a:r>
-            <a:r>
-              <a:rPr lang="es-PE" dirty="0">
-                <a:solidFill>
-                  <a:srgbClr val="FF0000"/>
-                </a:solidFill>
-              </a:rPr>
-              <a:t>para un estado mejor y superior, posible en el futuro según el ideal de la humanidad </a:t>
-            </a:r>
-            <a:r>
-              <a:rPr lang="es-PE" dirty="0"/>
-              <a:t>y de su destino.” (1966, p.361)</a:t>
-            </a:r>
-          </a:p>
-          <a:p>
-            <a:endParaRPr lang="es-PE" dirty="0"/>
-          </a:p>
-          <a:p>
-            <a:pPr marL="0" indent="0">
-              <a:buNone/>
-            </a:pPr>
+              <a:t>.” (p.77)</a:t>
+            </a:r>
+          </a:p>
+          <a:p>
+            <a:endParaRPr lang="es-PE" dirty="0" smtClean="0"/>
+          </a:p>
+          <a:p>
             <a:endParaRPr lang="es-PE" dirty="0"/>
           </a:p>
         </p:txBody>
@@ -4563,7 +4473,7 @@
     </p:spTree>
     <p:extLst>
       <p:ext uri="{BB962C8B-B14F-4D97-AF65-F5344CB8AC3E}">
-        <p14:creationId xmlns:p14="http://schemas.microsoft.com/office/powerpoint/2010/main" val="2442826637"/>
+        <p14:creationId xmlns:p14="http://schemas.microsoft.com/office/powerpoint/2010/main" val="254603186"/>
       </p:ext>
     </p:extLst>
   </p:cSld>
@@ -4678,109 +4588,127 @@
             <p:ph type="title"/>
           </p:nvPr>
         </p:nvSpPr>
-        <p:spPr/>
+        <p:spPr>
+          <a:xfrm>
+            <a:off x="838200" y="1454212"/>
+            <a:ext cx="10515600" cy="1325563"/>
+          </a:xfrm>
+        </p:spPr>
+        <p:txBody>
+          <a:bodyPr>
+            <a:noAutofit/>
+          </a:bodyPr>
+          <a:lstStyle/>
+          <a:p>
+            <a:r>
+              <a:rPr lang="es-PE" sz="2000" dirty="0"/>
+              <a:t>Kant, I. Definición de la raza humana (En: Kant, I. Filosofía de la historia. Ed. Nova. Bs. As., 1964)</a:t>
+            </a:r>
+            <a:br>
+              <a:rPr lang="es-PE" sz="2000" dirty="0"/>
+            </a:br>
+            <a:endParaRPr lang="es-PE" sz="2000" dirty="0"/>
+          </a:p>
+        </p:txBody>
+      </p:sp>
+      <p:sp>
+        <p:nvSpPr>
+          <p:cNvPr id="3" name="Marcador de contenido 2"/>
+          <p:cNvSpPr>
+            <a:spLocks noGrp="1"/>
+          </p:cNvSpPr>
+          <p:nvPr>
+            <p:ph idx="1"/>
+          </p:nvPr>
+        </p:nvSpPr>
+        <p:spPr>
+          <a:xfrm>
+            <a:off x="838200" y="2779775"/>
+            <a:ext cx="10515600" cy="3397187"/>
+          </a:xfrm>
+        </p:spPr>
         <p:txBody>
           <a:bodyPr/>
           <a:lstStyle/>
           <a:p>
-            <a:pPr algn="ctr"/>
-            <a:r>
-              <a:rPr lang="es-PE" dirty="0" smtClean="0"/>
-              <a:t>¿</a:t>
-            </a:r>
-            <a:r>
-              <a:rPr lang="es-PE" dirty="0" smtClean="0"/>
-              <a:t>qué pasa con la educación </a:t>
-            </a:r>
-            <a:r>
-              <a:rPr lang="es-PE" dirty="0" smtClean="0"/>
-              <a:t>HOY?</a:t>
-            </a:r>
+            <a:r>
+              <a:rPr lang="es-PE" dirty="0"/>
+              <a:t>“La clase de los blancos no se diferencia de la de los negros como especie particular del género humano. No existen, en absoluto, diferencias específicas entre los hombres.” (p. 79)</a:t>
+            </a:r>
+          </a:p>
+          <a:p>
+            <a:r>
+              <a:rPr lang="es-PE" dirty="0"/>
+              <a:t>“He aquí el concepto de raza: consiste en la diferencia de clase en animales de una y la misma especie, en cuanto esa diferencia se hereda infaliblemente.” (p. 80)</a:t>
+            </a:r>
+          </a:p>
+          <a:p>
             <a:endParaRPr lang="es-PE" dirty="0"/>
           </a:p>
         </p:txBody>
       </p:sp>
-      <p:pic>
-        <p:nvPicPr>
-          <p:cNvPr id="3" name="Imagen 2"/>
-          <p:cNvPicPr>
-            <a:picLocks noChangeAspect="1"/>
-          </p:cNvPicPr>
+      <p:sp>
+        <p:nvSpPr>
+          <p:cNvPr id="5" name="Título 1"/>
+          <p:cNvSpPr txBox="1">
+            <a:spLocks/>
+          </p:cNvSpPr>
           <p:nvPr/>
-        </p:nvPicPr>
-        <p:blipFill>
-          <a:blip r:embed="rId2"/>
-          <a:stretch>
-            <a:fillRect/>
-          </a:stretch>
-        </p:blipFill>
-        <p:spPr>
-          <a:xfrm>
-            <a:off x="1895474" y="1404937"/>
-            <a:ext cx="7915275" cy="5153470"/>
+        </p:nvSpPr>
+        <p:spPr>
+          <a:xfrm>
+            <a:off x="838200" y="128649"/>
+            <a:ext cx="10515600" cy="1325563"/>
           </a:xfrm>
           <a:prstGeom prst="rect">
             <a:avLst/>
           </a:prstGeom>
         </p:spPr>
-      </p:pic>
-      <p:sp>
-        <p:nvSpPr>
-          <p:cNvPr id="4" name="Rectángulo 3"/>
-          <p:cNvSpPr/>
-          <p:nvPr/>
-        </p:nvSpPr>
-        <p:spPr>
-          <a:xfrm>
-            <a:off x="9734548" y="1404937"/>
-            <a:ext cx="171451" cy="5153470"/>
-          </a:xfrm>
-          <a:prstGeom prst="rect">
-            <a:avLst/>
-          </a:prstGeom>
-          <a:solidFill>
-            <a:schemeClr val="bg1"/>
-          </a:solidFill>
-          <a:ln w="57150">
-            <a:solidFill>
-              <a:schemeClr val="bg1"/>
-            </a:solidFill>
-          </a:ln>
-        </p:spPr>
-        <p:style>
-          <a:lnRef idx="2">
-            <a:schemeClr val="accent1">
-              <a:shade val="50000"/>
-            </a:schemeClr>
-          </a:lnRef>
-          <a:fillRef idx="1">
-            <a:schemeClr val="accent1"/>
-          </a:fillRef>
-          <a:effectRef idx="0">
-            <a:schemeClr val="accent1"/>
-          </a:effectRef>
-          <a:fontRef idx="minor">
-            <a:schemeClr val="lt1"/>
-          </a:fontRef>
-        </p:style>
-        <p:txBody>
-          <a:bodyPr rot="0" spcFirstLastPara="0" vertOverflow="overflow" horzOverflow="overflow" vert="horz" wrap="square" lIns="91440" tIns="45720" rIns="91440" bIns="45720" numCol="1" spcCol="0" rtlCol="0" fromWordArt="0" anchor="ctr" anchorCtr="0" forceAA="0" compatLnSpc="1">
-            <a:prstTxWarp prst="textNoShape">
-              <a:avLst/>
-            </a:prstTxWarp>
+        <p:txBody>
+          <a:bodyPr vert="horz" lIns="91440" tIns="45720" rIns="91440" bIns="45720" rtlCol="0" anchor="ctr">
             <a:noAutofit/>
           </a:bodyPr>
-          <a:lstStyle/>
+          <a:lstStyle>
+            <a:lvl1pPr algn="l" defTabSz="914400" rtl="0" eaLnBrk="1" latinLnBrk="0" hangingPunct="1">
+              <a:lnSpc>
+                <a:spcPct val="90000"/>
+              </a:lnSpc>
+              <a:spcBef>
+                <a:spcPct val="0"/>
+              </a:spcBef>
+              <a:buNone/>
+              <a:defRPr sz="4400" kern="1200">
+                <a:solidFill>
+                  <a:schemeClr val="tx1"/>
+                </a:solidFill>
+                <a:latin typeface="+mj-lt"/>
+                <a:ea typeface="+mj-ea"/>
+                <a:cs typeface="+mj-cs"/>
+              </a:defRPr>
+            </a:lvl1pPr>
+          </a:lstStyle>
           <a:p>
             <a:pPr algn="ctr"/>
-            <a:endParaRPr lang="es-PE"/>
+            <a:r>
+              <a:rPr lang="es-PE" sz="2000" dirty="0" smtClean="0">
+                <a:solidFill>
+                  <a:srgbClr val="FF0000"/>
+                </a:solidFill>
+              </a:rPr>
+              <a:t>¿ A quién le incumbe la educación? … Al ser humano (a todos)</a:t>
+            </a:r>
+            <a:endParaRPr lang="es-PE" sz="2000" dirty="0">
+              <a:solidFill>
+                <a:srgbClr val="FF0000"/>
+              </a:solidFill>
+            </a:endParaRPr>
           </a:p>
         </p:txBody>
       </p:sp>
     </p:spTree>
     <p:extLst>
       <p:ext uri="{BB962C8B-B14F-4D97-AF65-F5344CB8AC3E}">
-        <p14:creationId xmlns:p14="http://schemas.microsoft.com/office/powerpoint/2010/main" val="3934865875"/>
+        <p14:creationId xmlns:p14="http://schemas.microsoft.com/office/powerpoint/2010/main" val="3529269853"/>
       </p:ext>
     </p:extLst>
   </p:cSld>
@@ -4817,12 +4745,7 @@
             <p:ph type="title"/>
           </p:nvPr>
         </p:nvSpPr>
-        <p:spPr>
-          <a:xfrm>
-            <a:off x="952500" y="0"/>
-            <a:ext cx="10515600" cy="1325563"/>
-          </a:xfrm>
-        </p:spPr>
+        <p:spPr/>
         <p:txBody>
           <a:bodyPr>
             <a:noAutofit/>
@@ -4830,28 +4753,29 @@
           <a:lstStyle/>
           <a:p>
             <a:r>
-              <a:rPr lang="es-PE" sz="2000" dirty="0"/>
-              <a:t>Figueroa, Maximiliano. </a:t>
-            </a:r>
-            <a:r>
-              <a:rPr lang="es-PE" sz="2000" i="1" dirty="0"/>
-              <a:t>Kant y el sentido ético de la educación. Una lectura en la época de la globalización.</a:t>
-            </a:r>
-            <a:r>
-              <a:rPr lang="es-PE" sz="2000" dirty="0"/>
-              <a:t> En: Persona y Sociedad, Universidad Alberto Hurtado, Vol. XX, Nº3, 2006, pp. 73-87. </a:t>
+              <a:rPr lang="es-PE" sz="2400" dirty="0" err="1"/>
+              <a:t>Vandewalle</a:t>
+            </a:r>
+            <a:r>
+              <a:rPr lang="es-PE" sz="2400" dirty="0"/>
+              <a:t>, Bernard. </a:t>
+            </a:r>
+            <a:r>
+              <a:rPr lang="es-PE" sz="2400" i="1" dirty="0"/>
+              <a:t>Kant. Educación y crítica.</a:t>
+            </a:r>
+            <a:r>
+              <a:rPr lang="es-PE" sz="2400" dirty="0"/>
+              <a:t> Ed. Nueva Visión, Buenos Aires, 2005.</a:t>
+            </a:r>
+            <a:r>
+              <a:rPr lang="es-PE" sz="1600" dirty="0"/>
+              <a:t/>
             </a:r>
             <a:br>
-              <a:rPr lang="es-PE" sz="2000" dirty="0"/>
+              <a:rPr lang="es-PE" sz="1600" dirty="0"/>
             </a:br>
-            <a:r>
-              <a:rPr lang="es-PE" sz="200" dirty="0"/>
-              <a:t/>
-            </a:r>
-            <a:br>
-              <a:rPr lang="es-PE" sz="200" dirty="0"/>
-            </a:br>
-            <a:endParaRPr lang="es-PE" sz="200" dirty="0"/>
+            <a:endParaRPr lang="es-PE" sz="1600" dirty="0"/>
           </a:p>
         </p:txBody>
       </p:sp>
@@ -4867,34 +4791,22 @@
         </p:nvSpPr>
         <p:spPr>
           <a:xfrm>
-            <a:off x="514350" y="1325563"/>
-            <a:ext cx="11391900" cy="5048250"/>
+            <a:off x="971550" y="2244725"/>
+            <a:ext cx="10515600" cy="4351338"/>
           </a:xfrm>
         </p:spPr>
         <p:txBody>
           <a:bodyPr>
-            <a:normAutofit fontScale="92500" lnSpcReduction="20000"/>
+            <a:normAutofit/>
           </a:bodyPr>
           <a:lstStyle/>
           <a:p>
-            <a:pPr marL="0" indent="0" algn="just">
+            <a:pPr marL="0" indent="0">
               <a:buNone/>
             </a:pPr>
             <a:r>
               <a:rPr lang="es-PE" dirty="0"/>
-              <a:t>“La creciente complejidad de las relaciones económicas a nivel mundial –que exigen mayor eficiencia y sofisticación técnica, productiva y comercial- intensifica el carácter competitivo de nuestras sociedades y el énfasis en </a:t>
-            </a:r>
-            <a:r>
-              <a:rPr lang="es-PE" dirty="0">
-                <a:solidFill>
-                  <a:srgbClr val="FF0000"/>
-                </a:solidFill>
-              </a:rPr>
-              <a:t>expectativas de utilidad económica </a:t>
-            </a:r>
-            <a:r>
-              <a:rPr lang="es-PE" dirty="0"/>
-              <a:t>que los sujetos y los gobiernos dirigen a la </a:t>
+              <a:t>“¿Qué debe ser la </a:t>
             </a:r>
             <a:r>
               <a:rPr lang="es-PE" dirty="0">
@@ -4906,23 +4818,7 @@
             </a:r>
             <a:r>
               <a:rPr lang="es-PE" dirty="0"/>
-              <a:t>.” (2006, p. 73</a:t>
-            </a:r>
-            <a:r>
-              <a:rPr lang="es-PE" dirty="0" smtClean="0"/>
-              <a:t>)</a:t>
-            </a:r>
-          </a:p>
-          <a:p>
-            <a:endParaRPr lang="es-PE" dirty="0"/>
-          </a:p>
-          <a:p>
-            <a:pPr marL="0" indent="0" algn="just">
-              <a:buNone/>
-            </a:pPr>
-            <a:r>
-              <a:rPr lang="es-PE" dirty="0"/>
-              <a:t>“Si la educación se transforma en pura capacitación, lo que entonces se patentiza es el influjo que </a:t>
+              <a:t> a la hora de la </a:t>
             </a:r>
             <a:r>
               <a:rPr lang="es-PE" dirty="0">
@@ -4930,11 +4826,19 @@
                   <a:srgbClr val="FF0000"/>
                 </a:solidFill>
               </a:rPr>
-              <a:t>la visión instrumental </a:t>
+              <a:t>filosofía crítica</a:t>
             </a:r>
             <a:r>
               <a:rPr lang="es-PE" dirty="0"/>
-              <a:t>está ejerciendo sobre nosotros y nuestras expectativas, y, por lo tanto, el drástico deterioro o </a:t>
+              <a:t>? </a:t>
+            </a:r>
+            <a:r>
+              <a:rPr lang="es-PE" dirty="0" smtClean="0"/>
+              <a:t>(…) </a:t>
+            </a:r>
+            <a:r>
+              <a:rPr lang="es-PE" dirty="0"/>
+              <a:t>¿cómo hay que pensar una educación auténticamente </a:t>
             </a:r>
             <a:r>
               <a:rPr lang="es-PE" dirty="0">
@@ -4942,27 +4846,15 @@
                   <a:srgbClr val="FF0000"/>
                 </a:solidFill>
               </a:rPr>
-              <a:t>empobrecimiento de sentido </a:t>
+              <a:t>ilustrada</a:t>
             </a:r>
             <a:r>
               <a:rPr lang="es-PE" dirty="0"/>
-              <a:t>a que esta queda expuesta.” (2006, p. 74</a:t>
+              <a:t>? Al instituir una nueva manera de pensar y tal vez de sentir y existir, la filosofía crítica impone un nuevo enfoque de la educación que se convierte en un objetivo filosófico e histórico fundamental. (…) </a:t>
             </a:r>
             <a:r>
               <a:rPr lang="es-PE" dirty="0" smtClean="0"/>
-              <a:t>)</a:t>
-            </a:r>
-          </a:p>
-          <a:p>
-            <a:endParaRPr lang="es-PE" dirty="0" smtClean="0"/>
-          </a:p>
-          <a:p>
-            <a:pPr marL="0" indent="0" algn="just">
-              <a:buNone/>
-            </a:pPr>
-            <a:r>
-              <a:rPr lang="es-PE" dirty="0"/>
-              <a:t>“Paradójicamente</a:t>
+              <a:t>como </a:t>
             </a:r>
             <a:r>
               <a:rPr lang="es-PE" dirty="0">
@@ -4970,15 +4862,11 @@
                   <a:srgbClr val="FF0000"/>
                 </a:solidFill>
               </a:rPr>
-              <a:t>, la vigencia de los cánones económico-utilitarios </a:t>
-            </a:r>
-            <a:r>
-              <a:rPr lang="es-PE" dirty="0" smtClean="0">
-                <a:solidFill>
-                  <a:srgbClr val="FF0000"/>
-                </a:solidFill>
-              </a:rPr>
-              <a:t>aparece</a:t>
+              <a:t>salida del dogmatismo </a:t>
+            </a:r>
+            <a:r>
+              <a:rPr lang="es-PE" dirty="0"/>
+              <a:t>y de la minoría de edad. (…) cuando para el dogmatismo lo importante es la doctrina en la escuela o la tradición, y por lo tanto aprender pensamientos en vez de </a:t>
             </a:r>
             <a:r>
               <a:rPr lang="es-PE" dirty="0">
@@ -4986,23 +4874,22 @@
                   <a:srgbClr val="FF0000"/>
                 </a:solidFill>
               </a:rPr>
-              <a:t>, en los hechos, fortaleciendo la desigualdad en el acceso y en la calidad de la educación</a:t>
+              <a:t>aprender a pensar</a:t>
             </a:r>
             <a:r>
               <a:rPr lang="es-PE" dirty="0"/>
-              <a:t>. (…) Se hace inevitable esta retórica que vincula educación y desarrollo resulte sospechosa al no reflejar, al mismo tiempo, impulsos efectivos hacia la inclusión y equidad en el sistema educativo.” (2006, p.75)</a:t>
-            </a:r>
-          </a:p>
-          <a:p>
-            <a:endParaRPr lang="es-PE" dirty="0"/>
-          </a:p>
-          <a:p>
-            <a:endParaRPr lang="es-PE" dirty="0"/>
-          </a:p>
-          <a:p>
-            <a:pPr marL="0" indent="0">
-              <a:buNone/>
-            </a:pPr>
+              <a:t>.” (</a:t>
+            </a:r>
+            <a:r>
+              <a:rPr lang="es-PE" dirty="0" err="1"/>
+              <a:t>Vandewalle</a:t>
+            </a:r>
+            <a:r>
+              <a:rPr lang="es-PE" dirty="0"/>
+              <a:t>, 2005, p.9)</a:t>
+            </a:r>
+          </a:p>
+          <a:p>
             <a:endParaRPr lang="es-PE" dirty="0"/>
           </a:p>
         </p:txBody>
@@ -5010,7 +4897,7 @@
     </p:spTree>
     <p:extLst>
       <p:ext uri="{BB962C8B-B14F-4D97-AF65-F5344CB8AC3E}">
-        <p14:creationId xmlns:p14="http://schemas.microsoft.com/office/powerpoint/2010/main" val="2891717382"/>
+        <p14:creationId xmlns:p14="http://schemas.microsoft.com/office/powerpoint/2010/main" val="1455456645"/>
       </p:ext>
     </p:extLst>
   </p:cSld>
@@ -5050,6 +4937,1513 @@
         <p:spPr/>
         <p:txBody>
           <a:bodyPr>
+            <a:normAutofit fontScale="90000"/>
+          </a:bodyPr>
+          <a:lstStyle/>
+          <a:p>
+            <a:r>
+              <a:rPr lang="es-PE" dirty="0" smtClean="0"/>
+              <a:t>Hannah </a:t>
+            </a:r>
+            <a:r>
+              <a:rPr lang="es-PE" dirty="0" err="1" smtClean="0"/>
+              <a:t>Arendt</a:t>
+            </a:r>
+            <a:r>
+              <a:rPr lang="es-PE" dirty="0" smtClean="0"/>
+              <a:t> – El pensar y las reflexiones morales. (En: De la historia a la acción, Barcelona, 1995. pp. 109 – 138)</a:t>
+            </a:r>
+            <a:endParaRPr lang="es-PE" dirty="0"/>
+          </a:p>
+        </p:txBody>
+      </p:sp>
+      <p:sp>
+        <p:nvSpPr>
+          <p:cNvPr id="3" name="Marcador de contenido 2"/>
+          <p:cNvSpPr>
+            <a:spLocks noGrp="1"/>
+          </p:cNvSpPr>
+          <p:nvPr>
+            <p:ph idx="1"/>
+          </p:nvPr>
+        </p:nvSpPr>
+        <p:spPr>
+          <a:xfrm>
+            <a:off x="838200" y="2578607"/>
+            <a:ext cx="10515600" cy="3598355"/>
+          </a:xfrm>
+        </p:spPr>
+        <p:txBody>
+          <a:bodyPr/>
+          <a:lstStyle/>
+          <a:p>
+            <a:pPr marL="0" indent="0">
+              <a:buNone/>
+            </a:pPr>
+            <a:r>
+              <a:rPr lang="es-PE" dirty="0" smtClean="0"/>
+              <a:t>Pensar no es lo mismo que conocer</a:t>
+            </a:r>
+          </a:p>
+          <a:p>
+            <a:pPr marL="0" indent="0">
+              <a:buNone/>
+            </a:pPr>
+            <a:endParaRPr lang="es-PE" dirty="0"/>
+          </a:p>
+          <a:p>
+            <a:pPr marL="0" indent="0">
+              <a:buNone/>
+            </a:pPr>
+            <a:r>
+              <a:rPr lang="es-PE" dirty="0" smtClean="0"/>
+              <a:t>Se lo debemos exigir a TODOS por igual</a:t>
+            </a:r>
+          </a:p>
+          <a:p>
+            <a:pPr marL="0" indent="0">
+              <a:buNone/>
+            </a:pPr>
+            <a:endParaRPr lang="es-PE" dirty="0"/>
+          </a:p>
+          <a:p>
+            <a:pPr marL="0" indent="0">
+              <a:buNone/>
+            </a:pPr>
+            <a:r>
+              <a:rPr lang="es-PE" dirty="0" smtClean="0"/>
+              <a:t>La banalidad de mal</a:t>
+            </a:r>
+            <a:endParaRPr lang="es-PE" dirty="0"/>
+          </a:p>
+        </p:txBody>
+      </p:sp>
+    </p:spTree>
+    <p:extLst>
+      <p:ext uri="{BB962C8B-B14F-4D97-AF65-F5344CB8AC3E}">
+        <p14:creationId xmlns:p14="http://schemas.microsoft.com/office/powerpoint/2010/main" val="2054415251"/>
+      </p:ext>
+    </p:extLst>
+  </p:cSld>
+  <p:clrMapOvr>
+    <a:masterClrMapping/>
+  </p:clrMapOvr>
+</p:sld>
+</file>
+
+<file path=ppt/slides/slide23.xml><?xml version="1.0" encoding="utf-8"?>
+<p:sld xmlns:a="http://schemas.openxmlformats.org/drawingml/2006/main" xmlns:r="http://schemas.openxmlformats.org/officeDocument/2006/relationships" xmlns:p="http://schemas.openxmlformats.org/presentationml/2006/main">
+  <p:cSld>
+    <p:spTree>
+      <p:nvGrpSpPr>
+        <p:cNvPr id="1" name=""/>
+        <p:cNvGrpSpPr/>
+        <p:nvPr/>
+      </p:nvGrpSpPr>
+      <p:grpSpPr>
+        <a:xfrm>
+          <a:off x="0" y="0"/>
+          <a:ext cx="0" cy="0"/>
+          <a:chOff x="0" y="0"/>
+          <a:chExt cx="0" cy="0"/>
+        </a:xfrm>
+      </p:grpSpPr>
+      <p:sp>
+        <p:nvSpPr>
+          <p:cNvPr id="2" name="Título 1"/>
+          <p:cNvSpPr>
+            <a:spLocks noGrp="1"/>
+          </p:cNvSpPr>
+          <p:nvPr>
+            <p:ph type="title"/>
+          </p:nvPr>
+        </p:nvSpPr>
+        <p:spPr/>
+        <p:txBody>
+          <a:bodyPr>
+            <a:noAutofit/>
+          </a:bodyPr>
+          <a:lstStyle/>
+          <a:p>
+            <a:r>
+              <a:rPr lang="es-PE" sz="2000" dirty="0" err="1"/>
+              <a:t>Agazzi</a:t>
+            </a:r>
+            <a:r>
+              <a:rPr lang="es-PE" sz="2000" dirty="0"/>
+              <a:t>, Aldo. </a:t>
+            </a:r>
+            <a:r>
+              <a:rPr lang="es-PE" sz="2000" i="1" dirty="0"/>
+              <a:t>Historia de la filosofía y de la pedagogía. Tomo II.</a:t>
+            </a:r>
+            <a:r>
+              <a:rPr lang="es-PE" sz="2000" dirty="0"/>
+              <a:t> Ed. Marfil, Valencia, 1966.</a:t>
+            </a:r>
+            <a:r>
+              <a:rPr lang="es-PE" sz="800" dirty="0"/>
+              <a:t/>
+            </a:r>
+            <a:br>
+              <a:rPr lang="es-PE" sz="800" dirty="0"/>
+            </a:br>
+            <a:endParaRPr lang="es-PE" sz="800" dirty="0"/>
+          </a:p>
+        </p:txBody>
+      </p:sp>
+      <p:sp>
+        <p:nvSpPr>
+          <p:cNvPr id="3" name="Marcador de contenido 2"/>
+          <p:cNvSpPr>
+            <a:spLocks noGrp="1"/>
+          </p:cNvSpPr>
+          <p:nvPr>
+            <p:ph idx="1"/>
+          </p:nvPr>
+        </p:nvSpPr>
+        <p:spPr/>
+        <p:txBody>
+          <a:bodyPr>
+            <a:normAutofit/>
+          </a:bodyPr>
+          <a:lstStyle/>
+          <a:p>
+            <a:pPr marL="0" indent="0">
+              <a:buNone/>
+            </a:pPr>
+            <a:r>
+              <a:rPr lang="es-PE" dirty="0"/>
+              <a:t>“El fin de la </a:t>
+            </a:r>
+            <a:r>
+              <a:rPr lang="es-PE" dirty="0">
+                <a:solidFill>
+                  <a:srgbClr val="FF0000"/>
+                </a:solidFill>
+              </a:rPr>
+              <a:t>educación</a:t>
+            </a:r>
+            <a:r>
+              <a:rPr lang="es-PE" dirty="0"/>
+              <a:t> es el mismo fin del hombre y de la historia (…) La moralidad, aun siendo propia del hombre, </a:t>
+            </a:r>
+            <a:r>
+              <a:rPr lang="es-PE" dirty="0">
+                <a:solidFill>
+                  <a:srgbClr val="FF0000"/>
+                </a:solidFill>
+              </a:rPr>
+              <a:t>no es un punto de partida sino el fruto de una conquista</a:t>
+            </a:r>
+            <a:r>
+              <a:rPr lang="es-PE" dirty="0"/>
+              <a:t>.” (1966, p.360</a:t>
+            </a:r>
+            <a:r>
+              <a:rPr lang="es-PE" dirty="0" smtClean="0"/>
+              <a:t>)</a:t>
+            </a:r>
+          </a:p>
+          <a:p>
+            <a:endParaRPr lang="es-PE" dirty="0"/>
+          </a:p>
+          <a:p>
+            <a:pPr marL="0" indent="0">
+              <a:buNone/>
+            </a:pPr>
+            <a:r>
+              <a:rPr lang="es-PE" dirty="0"/>
+              <a:t>“Este es el lado individual de la educación; junto a él, está el del progreso universal del género humano, en cuya virtud los niños deben ser educados, no de acuerdo con el estado presente de la humanidad, sino </a:t>
+            </a:r>
+            <a:r>
+              <a:rPr lang="es-PE" dirty="0">
+                <a:solidFill>
+                  <a:srgbClr val="FF0000"/>
+                </a:solidFill>
+              </a:rPr>
+              <a:t>para un estado mejor y superior, posible en el futuro según el ideal de la humanidad </a:t>
+            </a:r>
+            <a:r>
+              <a:rPr lang="es-PE" dirty="0"/>
+              <a:t>y de su destino.” (1966, p.361)</a:t>
+            </a:r>
+          </a:p>
+          <a:p>
+            <a:endParaRPr lang="es-PE" dirty="0"/>
+          </a:p>
+          <a:p>
+            <a:pPr marL="0" indent="0">
+              <a:buNone/>
+            </a:pPr>
+            <a:endParaRPr lang="es-PE" dirty="0"/>
+          </a:p>
+        </p:txBody>
+      </p:sp>
+    </p:spTree>
+    <p:extLst>
+      <p:ext uri="{BB962C8B-B14F-4D97-AF65-F5344CB8AC3E}">
+        <p14:creationId xmlns:p14="http://schemas.microsoft.com/office/powerpoint/2010/main" val="2442826637"/>
+      </p:ext>
+    </p:extLst>
+  </p:cSld>
+  <p:clrMapOvr>
+    <a:masterClrMapping/>
+  </p:clrMapOvr>
+</p:sld>
+</file>
+
+<file path=ppt/slides/slide24.xml><?xml version="1.0" encoding="utf-8"?>
+<p:sld xmlns:a="http://schemas.openxmlformats.org/drawingml/2006/main" xmlns:r="http://schemas.openxmlformats.org/officeDocument/2006/relationships" xmlns:p="http://schemas.openxmlformats.org/presentationml/2006/main">
+  <p:cSld>
+    <p:spTree>
+      <p:nvGrpSpPr>
+        <p:cNvPr id="1" name=""/>
+        <p:cNvGrpSpPr/>
+        <p:nvPr/>
+      </p:nvGrpSpPr>
+      <p:grpSpPr>
+        <a:xfrm>
+          <a:off x="0" y="0"/>
+          <a:ext cx="0" cy="0"/>
+          <a:chOff x="0" y="0"/>
+          <a:chExt cx="0" cy="0"/>
+        </a:xfrm>
+      </p:grpSpPr>
+      <p:sp>
+        <p:nvSpPr>
+          <p:cNvPr id="2" name="Título 1"/>
+          <p:cNvSpPr>
+            <a:spLocks noGrp="1"/>
+          </p:cNvSpPr>
+          <p:nvPr>
+            <p:ph type="title"/>
+          </p:nvPr>
+        </p:nvSpPr>
+        <p:spPr/>
+        <p:txBody>
+          <a:bodyPr>
+            <a:noAutofit/>
+          </a:bodyPr>
+          <a:lstStyle/>
+          <a:p>
+            <a:r>
+              <a:rPr lang="es-PE" sz="2000" dirty="0" err="1"/>
+              <a:t>Agazzi</a:t>
+            </a:r>
+            <a:r>
+              <a:rPr lang="es-PE" sz="2000" dirty="0"/>
+              <a:t>, Aldo. </a:t>
+            </a:r>
+            <a:r>
+              <a:rPr lang="es-PE" sz="2000" i="1" dirty="0"/>
+              <a:t>Historia de la filosofía y de la pedagogía. Tomo II.</a:t>
+            </a:r>
+            <a:r>
+              <a:rPr lang="es-PE" sz="2000" dirty="0"/>
+              <a:t> Ed. Marfil, Valencia, 1966.</a:t>
+            </a:r>
+            <a:r>
+              <a:rPr lang="es-PE" sz="800" dirty="0"/>
+              <a:t/>
+            </a:r>
+            <a:br>
+              <a:rPr lang="es-PE" sz="800" dirty="0"/>
+            </a:br>
+            <a:endParaRPr lang="es-PE" sz="800" dirty="0"/>
+          </a:p>
+        </p:txBody>
+      </p:sp>
+      <p:sp>
+        <p:nvSpPr>
+          <p:cNvPr id="3" name="Marcador de contenido 2"/>
+          <p:cNvSpPr>
+            <a:spLocks noGrp="1"/>
+          </p:cNvSpPr>
+          <p:nvPr>
+            <p:ph idx="1"/>
+          </p:nvPr>
+        </p:nvSpPr>
+        <p:spPr/>
+        <p:txBody>
+          <a:bodyPr>
+            <a:normAutofit/>
+          </a:bodyPr>
+          <a:lstStyle/>
+          <a:p>
+            <a:r>
+              <a:rPr lang="es-PE" dirty="0"/>
+              <a:t>Kant asigna a la </a:t>
+            </a:r>
+            <a:r>
+              <a:rPr lang="es-PE" dirty="0">
+                <a:solidFill>
+                  <a:srgbClr val="FF0000"/>
+                </a:solidFill>
+              </a:rPr>
+              <a:t>educación</a:t>
+            </a:r>
+            <a:r>
+              <a:rPr lang="es-PE" dirty="0"/>
+              <a:t> una doble tarea: 1. </a:t>
+            </a:r>
+            <a:r>
+              <a:rPr lang="es-PE" dirty="0">
+                <a:solidFill>
+                  <a:srgbClr val="FF0000"/>
+                </a:solidFill>
+              </a:rPr>
+              <a:t>Hacer surgir al hombre desde su “naturalidad” a su “humanidad</a:t>
+            </a:r>
+            <a:r>
+              <a:rPr lang="es-PE" dirty="0"/>
+              <a:t>” mediante la superación moral de las inclinaciones y de los instintos sensibles. 2</a:t>
+            </a:r>
+            <a:r>
+              <a:rPr lang="es-PE" dirty="0">
+                <a:solidFill>
+                  <a:srgbClr val="FF0000"/>
+                </a:solidFill>
+              </a:rPr>
+              <a:t>. Hacer progresar al género humano</a:t>
+            </a:r>
+            <a:r>
+              <a:rPr lang="es-PE" dirty="0"/>
+              <a:t>, de generación en generación, hasta la perfección: la humanidad solo progresa por obra de la educación y solo a causa de la educación podemos pensar en una humanidad cada vez mejor.” (1966, p.360)</a:t>
+            </a:r>
+            <a:endParaRPr lang="es-PE" dirty="0"/>
+          </a:p>
+          <a:p>
+            <a:pPr marL="0" indent="0">
+              <a:buNone/>
+            </a:pPr>
+            <a:endParaRPr lang="es-PE" dirty="0"/>
+          </a:p>
+        </p:txBody>
+      </p:sp>
+    </p:spTree>
+    <p:extLst>
+      <p:ext uri="{BB962C8B-B14F-4D97-AF65-F5344CB8AC3E}">
+        <p14:creationId xmlns:p14="http://schemas.microsoft.com/office/powerpoint/2010/main" val="1138552369"/>
+      </p:ext>
+    </p:extLst>
+  </p:cSld>
+  <p:clrMapOvr>
+    <a:masterClrMapping/>
+  </p:clrMapOvr>
+</p:sld>
+</file>
+
+<file path=ppt/slides/slide25.xml><?xml version="1.0" encoding="utf-8"?>
+<p:sld xmlns:a="http://schemas.openxmlformats.org/drawingml/2006/main" xmlns:r="http://schemas.openxmlformats.org/officeDocument/2006/relationships" xmlns:p="http://schemas.openxmlformats.org/presentationml/2006/main">
+  <p:cSld>
+    <p:spTree>
+      <p:nvGrpSpPr>
+        <p:cNvPr id="1" name=""/>
+        <p:cNvGrpSpPr/>
+        <p:nvPr/>
+      </p:nvGrpSpPr>
+      <p:grpSpPr>
+        <a:xfrm>
+          <a:off x="0" y="0"/>
+          <a:ext cx="0" cy="0"/>
+          <a:chOff x="0" y="0"/>
+          <a:chExt cx="0" cy="0"/>
+        </a:xfrm>
+      </p:grpSpPr>
+      <p:sp>
+        <p:nvSpPr>
+          <p:cNvPr id="2" name="Título 1"/>
+          <p:cNvSpPr>
+            <a:spLocks noGrp="1"/>
+          </p:cNvSpPr>
+          <p:nvPr>
+            <p:ph type="title"/>
+          </p:nvPr>
+        </p:nvSpPr>
+        <p:spPr/>
+        <p:txBody>
+          <a:bodyPr>
+            <a:noAutofit/>
+          </a:bodyPr>
+          <a:lstStyle/>
+          <a:p>
+            <a:r>
+              <a:rPr lang="es-PE" sz="2000" dirty="0"/>
+              <a:t>Kant, I. Sobre Pedagogía. Universidad Nacional de Córdoba. Encuentro Grupo Editor. 2009</a:t>
+            </a:r>
+            <a:br>
+              <a:rPr lang="es-PE" sz="2000" dirty="0"/>
+            </a:br>
+            <a:r>
+              <a:rPr lang="es-PE" sz="200" dirty="0"/>
+              <a:t/>
+            </a:r>
+            <a:br>
+              <a:rPr lang="es-PE" sz="200" dirty="0"/>
+            </a:br>
+            <a:endParaRPr lang="es-PE" sz="200" dirty="0"/>
+          </a:p>
+        </p:txBody>
+      </p:sp>
+      <p:pic>
+        <p:nvPicPr>
+          <p:cNvPr id="5" name="Imagen 4"/>
+          <p:cNvPicPr>
+            <a:picLocks noChangeAspect="1"/>
+          </p:cNvPicPr>
+          <p:nvPr/>
+        </p:nvPicPr>
+        <p:blipFill>
+          <a:blip r:embed="rId2"/>
+          <a:stretch>
+            <a:fillRect/>
+          </a:stretch>
+        </p:blipFill>
+        <p:spPr>
+          <a:xfrm>
+            <a:off x="616959" y="1223529"/>
+            <a:ext cx="4911004" cy="4598744"/>
+          </a:xfrm>
+          <a:prstGeom prst="rect">
+            <a:avLst/>
+          </a:prstGeom>
+        </p:spPr>
+      </p:pic>
+      <p:pic>
+        <p:nvPicPr>
+          <p:cNvPr id="6" name="Imagen 5"/>
+          <p:cNvPicPr>
+            <a:picLocks noChangeAspect="1"/>
+          </p:cNvPicPr>
+          <p:nvPr/>
+        </p:nvPicPr>
+        <p:blipFill>
+          <a:blip r:embed="rId3"/>
+          <a:stretch>
+            <a:fillRect/>
+          </a:stretch>
+        </p:blipFill>
+        <p:spPr>
+          <a:xfrm>
+            <a:off x="2424761" y="5822273"/>
+            <a:ext cx="1295400" cy="857250"/>
+          </a:xfrm>
+          <a:prstGeom prst="rect">
+            <a:avLst/>
+          </a:prstGeom>
+        </p:spPr>
+      </p:pic>
+      <p:pic>
+        <p:nvPicPr>
+          <p:cNvPr id="7" name="Imagen 6"/>
+          <p:cNvPicPr>
+            <a:picLocks noChangeAspect="1"/>
+          </p:cNvPicPr>
+          <p:nvPr/>
+        </p:nvPicPr>
+        <p:blipFill>
+          <a:blip r:embed="rId4"/>
+          <a:stretch>
+            <a:fillRect/>
+          </a:stretch>
+        </p:blipFill>
+        <p:spPr>
+          <a:xfrm>
+            <a:off x="5936240" y="1690688"/>
+            <a:ext cx="3810432" cy="4912404"/>
+          </a:xfrm>
+          <a:prstGeom prst="rect">
+            <a:avLst/>
+          </a:prstGeom>
+        </p:spPr>
+      </p:pic>
+    </p:spTree>
+    <p:extLst>
+      <p:ext uri="{BB962C8B-B14F-4D97-AF65-F5344CB8AC3E}">
+        <p14:creationId xmlns:p14="http://schemas.microsoft.com/office/powerpoint/2010/main" val="3621350359"/>
+      </p:ext>
+    </p:extLst>
+  </p:cSld>
+  <p:clrMapOvr>
+    <a:masterClrMapping/>
+  </p:clrMapOvr>
+</p:sld>
+</file>
+
+<file path=ppt/slides/slide26.xml><?xml version="1.0" encoding="utf-8"?>
+<p:sld xmlns:a="http://schemas.openxmlformats.org/drawingml/2006/main" xmlns:r="http://schemas.openxmlformats.org/officeDocument/2006/relationships" xmlns:p="http://schemas.openxmlformats.org/presentationml/2006/main">
+  <p:cSld>
+    <p:spTree>
+      <p:nvGrpSpPr>
+        <p:cNvPr id="1" name=""/>
+        <p:cNvGrpSpPr/>
+        <p:nvPr/>
+      </p:nvGrpSpPr>
+      <p:grpSpPr>
+        <a:xfrm>
+          <a:off x="0" y="0"/>
+          <a:ext cx="0" cy="0"/>
+          <a:chOff x="0" y="0"/>
+          <a:chExt cx="0" cy="0"/>
+        </a:xfrm>
+      </p:grpSpPr>
+      <p:sp>
+        <p:nvSpPr>
+          <p:cNvPr id="2" name="Título 1"/>
+          <p:cNvSpPr>
+            <a:spLocks noGrp="1"/>
+          </p:cNvSpPr>
+          <p:nvPr>
+            <p:ph type="title"/>
+          </p:nvPr>
+        </p:nvSpPr>
+        <p:spPr/>
+        <p:txBody>
+          <a:bodyPr>
+            <a:noAutofit/>
+          </a:bodyPr>
+          <a:lstStyle/>
+          <a:p>
+            <a:r>
+              <a:rPr lang="es-PE" sz="2000" dirty="0"/>
+              <a:t>Kant, I. Sobre Pedagogía. Universidad Nacional de Córdoba. Encuentro Grupo Editor. 2009</a:t>
+            </a:r>
+            <a:br>
+              <a:rPr lang="es-PE" sz="2000" dirty="0"/>
+            </a:br>
+            <a:r>
+              <a:rPr lang="es-PE" sz="200" dirty="0"/>
+              <a:t/>
+            </a:r>
+            <a:br>
+              <a:rPr lang="es-PE" sz="200" dirty="0"/>
+            </a:br>
+            <a:endParaRPr lang="es-PE" sz="200" dirty="0"/>
+          </a:p>
+        </p:txBody>
+      </p:sp>
+      <p:sp>
+        <p:nvSpPr>
+          <p:cNvPr id="3" name="Marcador de contenido 2"/>
+          <p:cNvSpPr>
+            <a:spLocks noGrp="1"/>
+          </p:cNvSpPr>
+          <p:nvPr>
+            <p:ph idx="1"/>
+          </p:nvPr>
+        </p:nvSpPr>
+        <p:spPr/>
+        <p:txBody>
+          <a:bodyPr>
+            <a:normAutofit/>
+          </a:bodyPr>
+          <a:lstStyle/>
+          <a:p>
+            <a:r>
+              <a:rPr lang="es-PE" dirty="0"/>
+              <a:t>“El hombre es la única criatura que tiene que ser educada</a:t>
+            </a:r>
+            <a:r>
+              <a:rPr lang="es-PE" dirty="0" smtClean="0"/>
+              <a:t>. (educación: </a:t>
+            </a:r>
+            <a:r>
+              <a:rPr lang="es-PE" dirty="0" err="1" smtClean="0"/>
+              <a:t>cuidado+disciplina</a:t>
+            </a:r>
+            <a:r>
+              <a:rPr lang="es-PE" dirty="0" smtClean="0"/>
+              <a:t>(crianza)+</a:t>
+            </a:r>
+            <a:r>
+              <a:rPr lang="es-PE" dirty="0" err="1" smtClean="0"/>
+              <a:t>instrucción+formación</a:t>
+            </a:r>
+            <a:r>
+              <a:rPr lang="es-PE" dirty="0" smtClean="0"/>
+              <a:t>) (2009, p. 27)</a:t>
+            </a:r>
+          </a:p>
+          <a:p>
+            <a:endParaRPr lang="es-PE" dirty="0" smtClean="0"/>
+          </a:p>
+          <a:p>
+            <a:r>
+              <a:rPr lang="es-PE" dirty="0" smtClean="0"/>
+              <a:t>“Una </a:t>
+            </a:r>
+            <a:r>
+              <a:rPr lang="es-PE" dirty="0"/>
+              <a:t>generación educa a la otra. </a:t>
+            </a:r>
+            <a:r>
+              <a:rPr lang="es-PE" dirty="0" smtClean="0"/>
+              <a:t>(…) </a:t>
+            </a:r>
+            <a:r>
+              <a:rPr lang="es-PE" dirty="0"/>
+              <a:t>La crianza es, por lo tanto, meramente negativa: es decir, la acción por la que se le quita al hombre su salvajismo. La instrucción es en cambio la parte positiva de la educación. Salvajismo es independencia de leyes. La disciplina somete al hombre a las leyes de la humanidad, y empieza a hacerle sentir la coacción de las leyes.” (2009, p. 28)</a:t>
+            </a:r>
+          </a:p>
+          <a:p>
+            <a:endParaRPr lang="es-PE" dirty="0" smtClean="0"/>
+          </a:p>
+          <a:p>
+            <a:pPr marL="0" indent="0">
+              <a:buNone/>
+            </a:pPr>
+            <a:endParaRPr lang="es-PE" dirty="0"/>
+          </a:p>
+        </p:txBody>
+      </p:sp>
+    </p:spTree>
+    <p:extLst>
+      <p:ext uri="{BB962C8B-B14F-4D97-AF65-F5344CB8AC3E}">
+        <p14:creationId xmlns:p14="http://schemas.microsoft.com/office/powerpoint/2010/main" val="3587284961"/>
+      </p:ext>
+    </p:extLst>
+  </p:cSld>
+  <p:clrMapOvr>
+    <a:masterClrMapping/>
+  </p:clrMapOvr>
+</p:sld>
+</file>
+
+<file path=ppt/slides/slide27.xml><?xml version="1.0" encoding="utf-8"?>
+<p:sld xmlns:a="http://schemas.openxmlformats.org/drawingml/2006/main" xmlns:r="http://schemas.openxmlformats.org/officeDocument/2006/relationships" xmlns:p="http://schemas.openxmlformats.org/presentationml/2006/main">
+  <p:cSld>
+    <p:spTree>
+      <p:nvGrpSpPr>
+        <p:cNvPr id="1" name=""/>
+        <p:cNvGrpSpPr/>
+        <p:nvPr/>
+      </p:nvGrpSpPr>
+      <p:grpSpPr>
+        <a:xfrm>
+          <a:off x="0" y="0"/>
+          <a:ext cx="0" cy="0"/>
+          <a:chOff x="0" y="0"/>
+          <a:chExt cx="0" cy="0"/>
+        </a:xfrm>
+      </p:grpSpPr>
+      <p:sp>
+        <p:nvSpPr>
+          <p:cNvPr id="2" name="Título 1"/>
+          <p:cNvSpPr>
+            <a:spLocks noGrp="1"/>
+          </p:cNvSpPr>
+          <p:nvPr>
+            <p:ph type="title"/>
+          </p:nvPr>
+        </p:nvSpPr>
+        <p:spPr/>
+        <p:txBody>
+          <a:bodyPr>
+            <a:noAutofit/>
+          </a:bodyPr>
+          <a:lstStyle/>
+          <a:p>
+            <a:r>
+              <a:rPr lang="es-PE" sz="2000" dirty="0"/>
+              <a:t>Kant, I. Sobre Pedagogía. Universidad Nacional de Córdoba. Encuentro Grupo Editor. 2009</a:t>
+            </a:r>
+            <a:br>
+              <a:rPr lang="es-PE" sz="2000" dirty="0"/>
+            </a:br>
+            <a:r>
+              <a:rPr lang="es-PE" sz="200" dirty="0"/>
+              <a:t/>
+            </a:r>
+            <a:br>
+              <a:rPr lang="es-PE" sz="200" dirty="0"/>
+            </a:br>
+            <a:endParaRPr lang="es-PE" sz="200" dirty="0"/>
+          </a:p>
+        </p:txBody>
+      </p:sp>
+      <p:sp>
+        <p:nvSpPr>
+          <p:cNvPr id="3" name="Marcador de contenido 2"/>
+          <p:cNvSpPr>
+            <a:spLocks noGrp="1"/>
+          </p:cNvSpPr>
+          <p:nvPr>
+            <p:ph idx="1"/>
+          </p:nvPr>
+        </p:nvSpPr>
+        <p:spPr/>
+        <p:txBody>
+          <a:bodyPr>
+            <a:normAutofit/>
+          </a:bodyPr>
+          <a:lstStyle/>
+          <a:p>
+            <a:r>
+              <a:rPr lang="es-PE" dirty="0"/>
+              <a:t>“El hombre sólo por la educación puede llegar a ser hombre. No es nada más que lo que la educación hace de él. </a:t>
+            </a:r>
+            <a:r>
+              <a:rPr lang="es-PE" dirty="0" smtClean="0"/>
+              <a:t>(…) </a:t>
+            </a:r>
+            <a:r>
+              <a:rPr lang="es-PE" dirty="0"/>
+              <a:t>la educación en parte enseña algo al hombre, en parte también desarrolla algo en </a:t>
+            </a:r>
+            <a:r>
+              <a:rPr lang="es-PE" dirty="0" smtClean="0"/>
+              <a:t>él” </a:t>
+            </a:r>
+            <a:r>
+              <a:rPr lang="es-PE" dirty="0"/>
+              <a:t>(2009, p.31</a:t>
+            </a:r>
+            <a:r>
+              <a:rPr lang="es-PE" dirty="0" smtClean="0"/>
+              <a:t>)</a:t>
+            </a:r>
+          </a:p>
+          <a:p>
+            <a:endParaRPr lang="es-PE" dirty="0"/>
+          </a:p>
+          <a:p>
+            <a:r>
+              <a:rPr lang="es-PE" dirty="0"/>
+              <a:t>“Es maravilloso imaginarse que la naturaleza humana se ha de desarrollar por la educación cada vez mejor, y que a esta se la pueda impartir de una forma que sea adecuada a la humanidad. Esto nos abre la perspectiva hacia un futuro género humano más feliz.” (2009, p. 32)</a:t>
+            </a:r>
+          </a:p>
+          <a:p>
+            <a:endParaRPr lang="es-PE" dirty="0"/>
+          </a:p>
+          <a:p>
+            <a:endParaRPr lang="es-PE" dirty="0" smtClean="0"/>
+          </a:p>
+          <a:p>
+            <a:pPr marL="0" indent="0">
+              <a:buNone/>
+            </a:pPr>
+            <a:endParaRPr lang="es-PE" dirty="0"/>
+          </a:p>
+        </p:txBody>
+      </p:sp>
+    </p:spTree>
+    <p:extLst>
+      <p:ext uri="{BB962C8B-B14F-4D97-AF65-F5344CB8AC3E}">
+        <p14:creationId xmlns:p14="http://schemas.microsoft.com/office/powerpoint/2010/main" val="3915715418"/>
+      </p:ext>
+    </p:extLst>
+  </p:cSld>
+  <p:clrMapOvr>
+    <a:masterClrMapping/>
+  </p:clrMapOvr>
+</p:sld>
+</file>
+
+<file path=ppt/slides/slide28.xml><?xml version="1.0" encoding="utf-8"?>
+<p:sld xmlns:a="http://schemas.openxmlformats.org/drawingml/2006/main" xmlns:r="http://schemas.openxmlformats.org/officeDocument/2006/relationships" xmlns:p="http://schemas.openxmlformats.org/presentationml/2006/main">
+  <p:cSld>
+    <p:spTree>
+      <p:nvGrpSpPr>
+        <p:cNvPr id="1" name=""/>
+        <p:cNvGrpSpPr/>
+        <p:nvPr/>
+      </p:nvGrpSpPr>
+      <p:grpSpPr>
+        <a:xfrm>
+          <a:off x="0" y="0"/>
+          <a:ext cx="0" cy="0"/>
+          <a:chOff x="0" y="0"/>
+          <a:chExt cx="0" cy="0"/>
+        </a:xfrm>
+      </p:grpSpPr>
+      <p:sp>
+        <p:nvSpPr>
+          <p:cNvPr id="2" name="Título 1"/>
+          <p:cNvSpPr>
+            <a:spLocks noGrp="1"/>
+          </p:cNvSpPr>
+          <p:nvPr>
+            <p:ph type="title"/>
+          </p:nvPr>
+        </p:nvSpPr>
+        <p:spPr/>
+        <p:txBody>
+          <a:bodyPr>
+            <a:noAutofit/>
+          </a:bodyPr>
+          <a:lstStyle/>
+          <a:p>
+            <a:r>
+              <a:rPr lang="es-PE" sz="2000" dirty="0"/>
+              <a:t>Kant, I. Sobre Pedagogía. Universidad Nacional de Córdoba. Encuentro Grupo Editor. 2009</a:t>
+            </a:r>
+            <a:br>
+              <a:rPr lang="es-PE" sz="2000" dirty="0"/>
+            </a:br>
+            <a:r>
+              <a:rPr lang="es-PE" sz="200" dirty="0"/>
+              <a:t/>
+            </a:r>
+            <a:br>
+              <a:rPr lang="es-PE" sz="200" dirty="0"/>
+            </a:br>
+            <a:endParaRPr lang="es-PE" sz="200" dirty="0"/>
+          </a:p>
+        </p:txBody>
+      </p:sp>
+      <p:sp>
+        <p:nvSpPr>
+          <p:cNvPr id="3" name="Marcador de contenido 2"/>
+          <p:cNvSpPr>
+            <a:spLocks noGrp="1"/>
+          </p:cNvSpPr>
+          <p:nvPr>
+            <p:ph idx="1"/>
+          </p:nvPr>
+        </p:nvSpPr>
+        <p:spPr/>
+        <p:txBody>
+          <a:bodyPr>
+            <a:normAutofit/>
+          </a:bodyPr>
+          <a:lstStyle/>
+          <a:p>
+            <a:r>
+              <a:rPr lang="es-PE" dirty="0"/>
+              <a:t>“Con el adiestramiento, sin embargo, no se ha logrado el objetivo; sino que se trata sobre todo de que los niños aprendan a pensar. Ello lleva a los principios de los que resultan todas las acciones. Se ve, pues, que en la auténtica educación hay que hacer mucho</a:t>
+            </a:r>
+            <a:r>
+              <a:rPr lang="es-PE" dirty="0" smtClean="0"/>
+              <a:t>.” </a:t>
+            </a:r>
+            <a:r>
+              <a:rPr lang="es-PE" dirty="0"/>
+              <a:t>(2009, p. 42)</a:t>
+            </a:r>
+          </a:p>
+          <a:p>
+            <a:endParaRPr lang="es-PE" dirty="0"/>
+          </a:p>
+          <a:p>
+            <a:endParaRPr lang="es-PE" dirty="0" smtClean="0"/>
+          </a:p>
+          <a:p>
+            <a:pPr marL="0" indent="0">
+              <a:buNone/>
+            </a:pPr>
+            <a:endParaRPr lang="es-PE" dirty="0"/>
+          </a:p>
+        </p:txBody>
+      </p:sp>
+    </p:spTree>
+    <p:extLst>
+      <p:ext uri="{BB962C8B-B14F-4D97-AF65-F5344CB8AC3E}">
+        <p14:creationId xmlns:p14="http://schemas.microsoft.com/office/powerpoint/2010/main" val="899578926"/>
+      </p:ext>
+    </p:extLst>
+  </p:cSld>
+  <p:clrMapOvr>
+    <a:masterClrMapping/>
+  </p:clrMapOvr>
+</p:sld>
+</file>
+
+<file path=ppt/slides/slide29.xml><?xml version="1.0" encoding="utf-8"?>
+<p:sld xmlns:a="http://schemas.openxmlformats.org/drawingml/2006/main" xmlns:r="http://schemas.openxmlformats.org/officeDocument/2006/relationships" xmlns:p="http://schemas.openxmlformats.org/presentationml/2006/main">
+  <p:cSld>
+    <p:spTree>
+      <p:nvGrpSpPr>
+        <p:cNvPr id="1" name=""/>
+        <p:cNvGrpSpPr/>
+        <p:nvPr/>
+      </p:nvGrpSpPr>
+      <p:grpSpPr>
+        <a:xfrm>
+          <a:off x="0" y="0"/>
+          <a:ext cx="0" cy="0"/>
+          <a:chOff x="0" y="0"/>
+          <a:chExt cx="0" cy="0"/>
+        </a:xfrm>
+      </p:grpSpPr>
+      <p:sp>
+        <p:nvSpPr>
+          <p:cNvPr id="2" name="Título 1"/>
+          <p:cNvSpPr>
+            <a:spLocks noGrp="1"/>
+          </p:cNvSpPr>
+          <p:nvPr>
+            <p:ph type="title"/>
+          </p:nvPr>
+        </p:nvSpPr>
+        <p:spPr/>
+        <p:txBody>
+          <a:bodyPr>
+            <a:noAutofit/>
+          </a:bodyPr>
+          <a:lstStyle/>
+          <a:p>
+            <a:r>
+              <a:rPr lang="es-PE" sz="2000" dirty="0"/>
+              <a:t>Kant, I. Sobre Pedagogía. Universidad Nacional de Córdoba. Encuentro Grupo Editor. 2009</a:t>
+            </a:r>
+            <a:br>
+              <a:rPr lang="es-PE" sz="2000" dirty="0"/>
+            </a:br>
+            <a:r>
+              <a:rPr lang="es-PE" sz="200" dirty="0"/>
+              <a:t/>
+            </a:r>
+            <a:br>
+              <a:rPr lang="es-PE" sz="200" dirty="0"/>
+            </a:br>
+            <a:endParaRPr lang="es-PE" sz="200" dirty="0"/>
+          </a:p>
+        </p:txBody>
+      </p:sp>
+      <p:sp>
+        <p:nvSpPr>
+          <p:cNvPr id="3" name="Marcador de contenido 2"/>
+          <p:cNvSpPr>
+            <a:spLocks noGrp="1"/>
+          </p:cNvSpPr>
+          <p:nvPr>
+            <p:ph idx="1"/>
+          </p:nvPr>
+        </p:nvSpPr>
+        <p:spPr/>
+        <p:txBody>
+          <a:bodyPr>
+            <a:normAutofit/>
+          </a:bodyPr>
+          <a:lstStyle/>
+          <a:p>
+            <a:r>
+              <a:rPr lang="es-PE" dirty="0"/>
+              <a:t>La educación es privada o pública. </a:t>
+            </a:r>
+            <a:r>
+              <a:rPr lang="es-PE" dirty="0" smtClean="0"/>
+              <a:t>(…)difícil </a:t>
+            </a:r>
+            <a:r>
+              <a:rPr lang="es-PE" dirty="0"/>
+              <a:t>que participen de dichos institutos niños que no sean hijos de ricos. (2009, p. 45</a:t>
+            </a:r>
+            <a:r>
+              <a:rPr lang="es-PE" dirty="0" smtClean="0"/>
+              <a:t>) (Considerar diferencias de la época)</a:t>
+            </a:r>
+          </a:p>
+          <a:p>
+            <a:endParaRPr lang="es-PE" dirty="0"/>
+          </a:p>
+          <a:p>
+            <a:r>
+              <a:rPr lang="es-PE" dirty="0"/>
+              <a:t>“Aquí tiene la educación pública sus más patentes ventajas; pues en ella se aprende a medir las propias fuerzas, se conocen las limitaciones por el derecho de los otros. Nadie tiene ventajas porque en todas partes se siente resistencia, porque sólo así se percibe que uno se destaca por el mérito. Este tipo de educación da el mejor modelo del futuro ciudadano.” (2009, p. 49)</a:t>
+            </a:r>
+          </a:p>
+          <a:p>
+            <a:endParaRPr lang="es-PE" dirty="0"/>
+          </a:p>
+          <a:p>
+            <a:endParaRPr lang="es-PE" dirty="0" smtClean="0"/>
+          </a:p>
+          <a:p>
+            <a:pPr marL="0" indent="0">
+              <a:buNone/>
+            </a:pPr>
+            <a:endParaRPr lang="es-PE" dirty="0"/>
+          </a:p>
+        </p:txBody>
+      </p:sp>
+    </p:spTree>
+    <p:extLst>
+      <p:ext uri="{BB962C8B-B14F-4D97-AF65-F5344CB8AC3E}">
+        <p14:creationId xmlns:p14="http://schemas.microsoft.com/office/powerpoint/2010/main" val="1690993027"/>
+      </p:ext>
+    </p:extLst>
+  </p:cSld>
+  <p:clrMapOvr>
+    <a:masterClrMapping/>
+  </p:clrMapOvr>
+</p:sld>
+</file>
+
+<file path=ppt/slides/slide3.xml><?xml version="1.0" encoding="utf-8"?>
+<p:sld xmlns:a="http://schemas.openxmlformats.org/drawingml/2006/main" xmlns:r="http://schemas.openxmlformats.org/officeDocument/2006/relationships" xmlns:p="http://schemas.openxmlformats.org/presentationml/2006/main">
+  <p:cSld>
+    <p:spTree>
+      <p:nvGrpSpPr>
+        <p:cNvPr id="1" name=""/>
+        <p:cNvGrpSpPr/>
+        <p:nvPr/>
+      </p:nvGrpSpPr>
+      <p:grpSpPr>
+        <a:xfrm>
+          <a:off x="0" y="0"/>
+          <a:ext cx="0" cy="0"/>
+          <a:chOff x="0" y="0"/>
+          <a:chExt cx="0" cy="0"/>
+        </a:xfrm>
+      </p:grpSpPr>
+      <p:sp>
+        <p:nvSpPr>
+          <p:cNvPr id="2" name="Título 1"/>
+          <p:cNvSpPr>
+            <a:spLocks noGrp="1"/>
+          </p:cNvSpPr>
+          <p:nvPr>
+            <p:ph type="title"/>
+          </p:nvPr>
+        </p:nvSpPr>
+        <p:spPr/>
+        <p:txBody>
+          <a:bodyPr>
+            <a:normAutofit/>
+          </a:bodyPr>
+          <a:lstStyle/>
+          <a:p>
+            <a:pPr algn="ctr"/>
+            <a:r>
+              <a:rPr lang="es-PE" sz="3600" dirty="0" smtClean="0"/>
+              <a:t>Reflexión final: ¿qué pasa con la educación en Perú?</a:t>
+            </a:r>
+            <a:endParaRPr lang="es-PE" sz="3600" dirty="0"/>
+          </a:p>
+        </p:txBody>
+      </p:sp>
+      <p:pic>
+        <p:nvPicPr>
+          <p:cNvPr id="4" name="Marcador de contenido 3"/>
+          <p:cNvPicPr>
+            <a:picLocks noGrp="1" noChangeAspect="1"/>
+          </p:cNvPicPr>
+          <p:nvPr>
+            <p:ph idx="1"/>
+          </p:nvPr>
+        </p:nvPicPr>
+        <p:blipFill>
+          <a:blip r:embed="rId2"/>
+          <a:stretch>
+            <a:fillRect/>
+          </a:stretch>
+        </p:blipFill>
+        <p:spPr>
+          <a:xfrm>
+            <a:off x="1194318" y="1927759"/>
+            <a:ext cx="9442579" cy="4788930"/>
+          </a:xfrm>
+          <a:prstGeom prst="rect">
+            <a:avLst/>
+          </a:prstGeom>
+        </p:spPr>
+      </p:pic>
+    </p:spTree>
+    <p:extLst>
+      <p:ext uri="{BB962C8B-B14F-4D97-AF65-F5344CB8AC3E}">
+        <p14:creationId xmlns:p14="http://schemas.microsoft.com/office/powerpoint/2010/main" val="1643174174"/>
+      </p:ext>
+    </p:extLst>
+  </p:cSld>
+  <p:clrMapOvr>
+    <a:masterClrMapping/>
+  </p:clrMapOvr>
+</p:sld>
+</file>
+
+<file path=ppt/slides/slide30.xml><?xml version="1.0" encoding="utf-8"?>
+<p:sld xmlns:a="http://schemas.openxmlformats.org/drawingml/2006/main" xmlns:r="http://schemas.openxmlformats.org/officeDocument/2006/relationships" xmlns:p="http://schemas.openxmlformats.org/presentationml/2006/main">
+  <p:cSld>
+    <p:spTree>
+      <p:nvGrpSpPr>
+        <p:cNvPr id="1" name=""/>
+        <p:cNvGrpSpPr/>
+        <p:nvPr/>
+      </p:nvGrpSpPr>
+      <p:grpSpPr>
+        <a:xfrm>
+          <a:off x="0" y="0"/>
+          <a:ext cx="0" cy="0"/>
+          <a:chOff x="0" y="0"/>
+          <a:chExt cx="0" cy="0"/>
+        </a:xfrm>
+      </p:grpSpPr>
+      <p:sp>
+        <p:nvSpPr>
+          <p:cNvPr id="2" name="Título 1"/>
+          <p:cNvSpPr>
+            <a:spLocks noGrp="1"/>
+          </p:cNvSpPr>
+          <p:nvPr>
+            <p:ph type="title"/>
+          </p:nvPr>
+        </p:nvSpPr>
+        <p:spPr/>
+        <p:txBody>
+          <a:bodyPr/>
+          <a:lstStyle/>
+          <a:p>
+            <a:pPr algn="ctr"/>
+            <a:r>
+              <a:rPr lang="es-PE" dirty="0" smtClean="0"/>
+              <a:t>¿qué pasa con la educación HOY?</a:t>
+            </a:r>
+            <a:endParaRPr lang="es-PE" dirty="0"/>
+          </a:p>
+        </p:txBody>
+      </p:sp>
+      <p:pic>
+        <p:nvPicPr>
+          <p:cNvPr id="3" name="Imagen 2"/>
+          <p:cNvPicPr>
+            <a:picLocks noChangeAspect="1"/>
+          </p:cNvPicPr>
+          <p:nvPr/>
+        </p:nvPicPr>
+        <p:blipFill>
+          <a:blip r:embed="rId2"/>
+          <a:stretch>
+            <a:fillRect/>
+          </a:stretch>
+        </p:blipFill>
+        <p:spPr>
+          <a:xfrm>
+            <a:off x="1895474" y="1404937"/>
+            <a:ext cx="7915275" cy="5153470"/>
+          </a:xfrm>
+          <a:prstGeom prst="rect">
+            <a:avLst/>
+          </a:prstGeom>
+        </p:spPr>
+      </p:pic>
+      <p:sp>
+        <p:nvSpPr>
+          <p:cNvPr id="4" name="Rectángulo 3"/>
+          <p:cNvSpPr/>
+          <p:nvPr/>
+        </p:nvSpPr>
+        <p:spPr>
+          <a:xfrm>
+            <a:off x="9734548" y="1404937"/>
+            <a:ext cx="171451" cy="5153470"/>
+          </a:xfrm>
+          <a:prstGeom prst="rect">
+            <a:avLst/>
+          </a:prstGeom>
+          <a:solidFill>
+            <a:schemeClr val="bg1"/>
+          </a:solidFill>
+          <a:ln w="57150">
+            <a:solidFill>
+              <a:schemeClr val="bg1"/>
+            </a:solidFill>
+          </a:ln>
+        </p:spPr>
+        <p:style>
+          <a:lnRef idx="2">
+            <a:schemeClr val="accent1">
+              <a:shade val="50000"/>
+            </a:schemeClr>
+          </a:lnRef>
+          <a:fillRef idx="1">
+            <a:schemeClr val="accent1"/>
+          </a:fillRef>
+          <a:effectRef idx="0">
+            <a:schemeClr val="accent1"/>
+          </a:effectRef>
+          <a:fontRef idx="minor">
+            <a:schemeClr val="lt1"/>
+          </a:fontRef>
+        </p:style>
+        <p:txBody>
+          <a:bodyPr rot="0" spcFirstLastPara="0" vertOverflow="overflow" horzOverflow="overflow" vert="horz" wrap="square" lIns="91440" tIns="45720" rIns="91440" bIns="45720" numCol="1" spcCol="0" rtlCol="0" fromWordArt="0" anchor="ctr" anchorCtr="0" forceAA="0" compatLnSpc="1">
+            <a:prstTxWarp prst="textNoShape">
+              <a:avLst/>
+            </a:prstTxWarp>
+            <a:noAutofit/>
+          </a:bodyPr>
+          <a:lstStyle/>
+          <a:p>
+            <a:pPr algn="ctr"/>
+            <a:endParaRPr lang="es-PE"/>
+          </a:p>
+        </p:txBody>
+      </p:sp>
+    </p:spTree>
+    <p:extLst>
+      <p:ext uri="{BB962C8B-B14F-4D97-AF65-F5344CB8AC3E}">
+        <p14:creationId xmlns:p14="http://schemas.microsoft.com/office/powerpoint/2010/main" val="3934865875"/>
+      </p:ext>
+    </p:extLst>
+  </p:cSld>
+  <p:clrMapOvr>
+    <a:masterClrMapping/>
+  </p:clrMapOvr>
+</p:sld>
+</file>
+
+<file path=ppt/slides/slide31.xml><?xml version="1.0" encoding="utf-8"?>
+<p:sld xmlns:a="http://schemas.openxmlformats.org/drawingml/2006/main" xmlns:r="http://schemas.openxmlformats.org/officeDocument/2006/relationships" xmlns:p="http://schemas.openxmlformats.org/presentationml/2006/main">
+  <p:cSld>
+    <p:spTree>
+      <p:nvGrpSpPr>
+        <p:cNvPr id="1" name=""/>
+        <p:cNvGrpSpPr/>
+        <p:nvPr/>
+      </p:nvGrpSpPr>
+      <p:grpSpPr>
+        <a:xfrm>
+          <a:off x="0" y="0"/>
+          <a:ext cx="0" cy="0"/>
+          <a:chOff x="0" y="0"/>
+          <a:chExt cx="0" cy="0"/>
+        </a:xfrm>
+      </p:grpSpPr>
+      <p:sp>
+        <p:nvSpPr>
+          <p:cNvPr id="2" name="Título 1"/>
+          <p:cNvSpPr>
+            <a:spLocks noGrp="1"/>
+          </p:cNvSpPr>
+          <p:nvPr>
+            <p:ph type="title"/>
+          </p:nvPr>
+        </p:nvSpPr>
+        <p:spPr>
+          <a:xfrm>
+            <a:off x="952500" y="0"/>
+            <a:ext cx="10515600" cy="1325563"/>
+          </a:xfrm>
+        </p:spPr>
+        <p:txBody>
+          <a:bodyPr>
+            <a:noAutofit/>
+          </a:bodyPr>
+          <a:lstStyle/>
+          <a:p>
+            <a:r>
+              <a:rPr lang="es-PE" sz="2000" dirty="0"/>
+              <a:t>Figueroa, Maximiliano. </a:t>
+            </a:r>
+            <a:r>
+              <a:rPr lang="es-PE" sz="2000" i="1" dirty="0"/>
+              <a:t>Kant y el sentido ético de la educación. Una lectura en la época de la globalización.</a:t>
+            </a:r>
+            <a:r>
+              <a:rPr lang="es-PE" sz="2000" dirty="0"/>
+              <a:t> En: Persona y Sociedad, Universidad Alberto Hurtado, Vol. XX, Nº3, 2006, pp. 73-87. </a:t>
+            </a:r>
+            <a:br>
+              <a:rPr lang="es-PE" sz="2000" dirty="0"/>
+            </a:br>
+            <a:r>
+              <a:rPr lang="es-PE" sz="200" dirty="0"/>
+              <a:t/>
+            </a:r>
+            <a:br>
+              <a:rPr lang="es-PE" sz="200" dirty="0"/>
+            </a:br>
+            <a:endParaRPr lang="es-PE" sz="200" dirty="0"/>
+          </a:p>
+        </p:txBody>
+      </p:sp>
+      <p:sp>
+        <p:nvSpPr>
+          <p:cNvPr id="3" name="Marcador de contenido 2"/>
+          <p:cNvSpPr>
+            <a:spLocks noGrp="1"/>
+          </p:cNvSpPr>
+          <p:nvPr>
+            <p:ph idx="1"/>
+          </p:nvPr>
+        </p:nvSpPr>
+        <p:spPr>
+          <a:xfrm>
+            <a:off x="514350" y="1325563"/>
+            <a:ext cx="11391900" cy="5048250"/>
+          </a:xfrm>
+        </p:spPr>
+        <p:txBody>
+          <a:bodyPr>
+            <a:normAutofit fontScale="92500" lnSpcReduction="20000"/>
+          </a:bodyPr>
+          <a:lstStyle/>
+          <a:p>
+            <a:pPr marL="0" indent="0" algn="just">
+              <a:buNone/>
+            </a:pPr>
+            <a:r>
+              <a:rPr lang="es-PE" dirty="0"/>
+              <a:t>“La creciente complejidad de las relaciones económicas a nivel mundial –que exigen mayor eficiencia y sofisticación técnica, productiva y comercial- intensifica el carácter competitivo de nuestras sociedades y el énfasis en </a:t>
+            </a:r>
+            <a:r>
+              <a:rPr lang="es-PE" dirty="0">
+                <a:solidFill>
+                  <a:srgbClr val="FF0000"/>
+                </a:solidFill>
+              </a:rPr>
+              <a:t>expectativas de utilidad económica </a:t>
+            </a:r>
+            <a:r>
+              <a:rPr lang="es-PE" dirty="0"/>
+              <a:t>que los sujetos y los gobiernos dirigen a la </a:t>
+            </a:r>
+            <a:r>
+              <a:rPr lang="es-PE" dirty="0">
+                <a:solidFill>
+                  <a:srgbClr val="FF0000"/>
+                </a:solidFill>
+              </a:rPr>
+              <a:t>educación</a:t>
+            </a:r>
+            <a:r>
+              <a:rPr lang="es-PE" dirty="0"/>
+              <a:t>.” (2006, p. 73</a:t>
+            </a:r>
+            <a:r>
+              <a:rPr lang="es-PE" dirty="0" smtClean="0"/>
+              <a:t>)</a:t>
+            </a:r>
+          </a:p>
+          <a:p>
+            <a:endParaRPr lang="es-PE" dirty="0"/>
+          </a:p>
+          <a:p>
+            <a:pPr marL="0" indent="0" algn="just">
+              <a:buNone/>
+            </a:pPr>
+            <a:r>
+              <a:rPr lang="es-PE" dirty="0"/>
+              <a:t>“Si la educación se transforma en pura capacitación, lo que entonces se patentiza es el influjo que </a:t>
+            </a:r>
+            <a:r>
+              <a:rPr lang="es-PE" dirty="0">
+                <a:solidFill>
+                  <a:srgbClr val="FF0000"/>
+                </a:solidFill>
+              </a:rPr>
+              <a:t>la visión instrumental </a:t>
+            </a:r>
+            <a:r>
+              <a:rPr lang="es-PE" dirty="0"/>
+              <a:t>está ejerciendo sobre nosotros y nuestras expectativas, y, por lo tanto, el drástico deterioro o </a:t>
+            </a:r>
+            <a:r>
+              <a:rPr lang="es-PE" dirty="0">
+                <a:solidFill>
+                  <a:srgbClr val="FF0000"/>
+                </a:solidFill>
+              </a:rPr>
+              <a:t>empobrecimiento de sentido </a:t>
+            </a:r>
+            <a:r>
+              <a:rPr lang="es-PE" dirty="0"/>
+              <a:t>a que esta queda expuesta.” (2006, p. 74</a:t>
+            </a:r>
+            <a:r>
+              <a:rPr lang="es-PE" dirty="0" smtClean="0"/>
+              <a:t>)</a:t>
+            </a:r>
+          </a:p>
+          <a:p>
+            <a:endParaRPr lang="es-PE" dirty="0" smtClean="0"/>
+          </a:p>
+          <a:p>
+            <a:pPr marL="0" indent="0" algn="just">
+              <a:buNone/>
+            </a:pPr>
+            <a:r>
+              <a:rPr lang="es-PE" dirty="0"/>
+              <a:t>“Paradójicamente</a:t>
+            </a:r>
+            <a:r>
+              <a:rPr lang="es-PE" dirty="0">
+                <a:solidFill>
+                  <a:srgbClr val="FF0000"/>
+                </a:solidFill>
+              </a:rPr>
+              <a:t>, la vigencia de los cánones económico-utilitarios </a:t>
+            </a:r>
+            <a:r>
+              <a:rPr lang="es-PE" dirty="0" smtClean="0">
+                <a:solidFill>
+                  <a:srgbClr val="FF0000"/>
+                </a:solidFill>
+              </a:rPr>
+              <a:t>aparece</a:t>
+            </a:r>
+            <a:r>
+              <a:rPr lang="es-PE" dirty="0">
+                <a:solidFill>
+                  <a:srgbClr val="FF0000"/>
+                </a:solidFill>
+              </a:rPr>
+              <a:t>, en los hechos, fortaleciendo la desigualdad en el acceso y en la calidad de la educación</a:t>
+            </a:r>
+            <a:r>
+              <a:rPr lang="es-PE" dirty="0"/>
+              <a:t>. (…) Se hace inevitable esta retórica que vincula educación y desarrollo resulte sospechosa al no reflejar, al mismo tiempo, impulsos efectivos hacia la inclusión y equidad en el sistema educativo.” (2006, p.75)</a:t>
+            </a:r>
+          </a:p>
+          <a:p>
+            <a:endParaRPr lang="es-PE" dirty="0"/>
+          </a:p>
+          <a:p>
+            <a:endParaRPr lang="es-PE" dirty="0"/>
+          </a:p>
+          <a:p>
+            <a:pPr marL="0" indent="0">
+              <a:buNone/>
+            </a:pPr>
+            <a:endParaRPr lang="es-PE" dirty="0"/>
+          </a:p>
+        </p:txBody>
+      </p:sp>
+    </p:spTree>
+    <p:extLst>
+      <p:ext uri="{BB962C8B-B14F-4D97-AF65-F5344CB8AC3E}">
+        <p14:creationId xmlns:p14="http://schemas.microsoft.com/office/powerpoint/2010/main" val="2891717382"/>
+      </p:ext>
+    </p:extLst>
+  </p:cSld>
+  <p:clrMapOvr>
+    <a:masterClrMapping/>
+  </p:clrMapOvr>
+</p:sld>
+</file>
+
+<file path=ppt/slides/slide32.xml><?xml version="1.0" encoding="utf-8"?>
+<p:sld xmlns:a="http://schemas.openxmlformats.org/drawingml/2006/main" xmlns:r="http://schemas.openxmlformats.org/officeDocument/2006/relationships" xmlns:p="http://schemas.openxmlformats.org/presentationml/2006/main">
+  <p:cSld>
+    <p:spTree>
+      <p:nvGrpSpPr>
+        <p:cNvPr id="1" name=""/>
+        <p:cNvGrpSpPr/>
+        <p:nvPr/>
+      </p:nvGrpSpPr>
+      <p:grpSpPr>
+        <a:xfrm>
+          <a:off x="0" y="0"/>
+          <a:ext cx="0" cy="0"/>
+          <a:chOff x="0" y="0"/>
+          <a:chExt cx="0" cy="0"/>
+        </a:xfrm>
+      </p:grpSpPr>
+      <p:sp>
+        <p:nvSpPr>
+          <p:cNvPr id="2" name="Título 1"/>
+          <p:cNvSpPr>
+            <a:spLocks noGrp="1"/>
+          </p:cNvSpPr>
+          <p:nvPr>
+            <p:ph type="title"/>
+          </p:nvPr>
+        </p:nvSpPr>
+        <p:spPr/>
+        <p:txBody>
+          <a:bodyPr>
             <a:noAutofit/>
           </a:bodyPr>
           <a:lstStyle/>
@@ -5146,7 +6540,7 @@
 </p:sld>
 </file>
 
-<file path=ppt/slides/slide23.xml><?xml version="1.0" encoding="utf-8"?>
+<file path=ppt/slides/slide33.xml><?xml version="1.0" encoding="utf-8"?>
 <p:sld xmlns:a="http://schemas.openxmlformats.org/drawingml/2006/main" xmlns:r="http://schemas.openxmlformats.org/officeDocument/2006/relationships" xmlns:p="http://schemas.openxmlformats.org/presentationml/2006/main">
   <p:cSld>
     <p:spTree>
@@ -5200,7 +6594,7 @@
 </p:sld>
 </file>
 
-<file path=ppt/slides/slide24.xml><?xml version="1.0" encoding="utf-8"?>
+<file path=ppt/slides/slide34.xml><?xml version="1.0" encoding="utf-8"?>
 <p:sld xmlns:a="http://schemas.openxmlformats.org/drawingml/2006/main" xmlns:r="http://schemas.openxmlformats.org/officeDocument/2006/relationships" xmlns:p="http://schemas.openxmlformats.org/presentationml/2006/main">
   <p:cSld>
     <p:spTree>
@@ -5278,7 +6672,7 @@
 </p:sld>
 </file>
 
-<file path=ppt/slides/slide25.xml><?xml version="1.0" encoding="utf-8"?>
+<file path=ppt/slides/slide35.xml><?xml version="1.0" encoding="utf-8"?>
 <p:sld xmlns:a="http://schemas.openxmlformats.org/drawingml/2006/main" xmlns:r="http://schemas.openxmlformats.org/officeDocument/2006/relationships" xmlns:p="http://schemas.openxmlformats.org/presentationml/2006/main">
   <p:cSld>
     <p:spTree>
@@ -5777,7 +7171,7 @@
 </p:sld>
 </file>
 
-<file path=ppt/slides/slide26.xml><?xml version="1.0" encoding="utf-8"?>
+<file path=ppt/slides/slide36.xml><?xml version="1.0" encoding="utf-8"?>
 <p:sld xmlns:a="http://schemas.openxmlformats.org/drawingml/2006/main" xmlns:r="http://schemas.openxmlformats.org/officeDocument/2006/relationships" xmlns:p="http://schemas.openxmlformats.org/presentationml/2006/main">
   <p:cSld>
     <p:spTree>
@@ -5922,88 +7316,6 @@
     <p:extLst>
       <p:ext uri="{BB962C8B-B14F-4D97-AF65-F5344CB8AC3E}">
         <p14:creationId xmlns:p14="http://schemas.microsoft.com/office/powerpoint/2010/main" val="3159338309"/>
-      </p:ext>
-    </p:extLst>
-  </p:cSld>
-  <p:clrMapOvr>
-    <a:masterClrMapping/>
-  </p:clrMapOvr>
-</p:sld>
-</file>
-
-<file path=ppt/slides/slide3.xml><?xml version="1.0" encoding="utf-8"?>
-<p:sld xmlns:a="http://schemas.openxmlformats.org/drawingml/2006/main" xmlns:r="http://schemas.openxmlformats.org/officeDocument/2006/relationships" xmlns:p="http://schemas.openxmlformats.org/presentationml/2006/main">
-  <p:cSld>
-    <p:spTree>
-      <p:nvGrpSpPr>
-        <p:cNvPr id="1" name=""/>
-        <p:cNvGrpSpPr/>
-        <p:nvPr/>
-      </p:nvGrpSpPr>
-      <p:grpSpPr>
-        <a:xfrm>
-          <a:off x="0" y="0"/>
-          <a:ext cx="0" cy="0"/>
-          <a:chOff x="0" y="0"/>
-          <a:chExt cx="0" cy="0"/>
-        </a:xfrm>
-      </p:grpSpPr>
-      <p:sp>
-        <p:nvSpPr>
-          <p:cNvPr id="2" name="Título 1"/>
-          <p:cNvSpPr>
-            <a:spLocks noGrp="1"/>
-          </p:cNvSpPr>
-          <p:nvPr>
-            <p:ph type="title"/>
-          </p:nvPr>
-        </p:nvSpPr>
-        <p:spPr/>
-        <p:txBody>
-          <a:bodyPr>
-            <a:normAutofit/>
-          </a:bodyPr>
-          <a:lstStyle/>
-          <a:p>
-            <a:pPr algn="ctr"/>
-            <a:r>
-              <a:rPr lang="es-PE" sz="3600" dirty="0" smtClean="0"/>
-              <a:t>Reflexión final: ¿qué pasa con la educación en Perú?</a:t>
-            </a:r>
-            <a:endParaRPr lang="es-PE" sz="3600" dirty="0"/>
-          </a:p>
-        </p:txBody>
-      </p:sp>
-      <p:pic>
-        <p:nvPicPr>
-          <p:cNvPr id="4" name="Marcador de contenido 3"/>
-          <p:cNvPicPr>
-            <a:picLocks noGrp="1" noChangeAspect="1"/>
-          </p:cNvPicPr>
-          <p:nvPr>
-            <p:ph idx="1"/>
-          </p:nvPr>
-        </p:nvPicPr>
-        <p:blipFill>
-          <a:blip r:embed="rId2"/>
-          <a:stretch>
-            <a:fillRect/>
-          </a:stretch>
-        </p:blipFill>
-        <p:spPr>
-          <a:xfrm>
-            <a:off x="1194318" y="1927759"/>
-            <a:ext cx="9442579" cy="4788930"/>
-          </a:xfrm>
-          <a:prstGeom prst="rect">
-            <a:avLst/>
-          </a:prstGeom>
-        </p:spPr>
-      </p:pic>
-    </p:spTree>
-    <p:extLst>
-      <p:ext uri="{BB962C8B-B14F-4D97-AF65-F5344CB8AC3E}">
-        <p14:creationId xmlns:p14="http://schemas.microsoft.com/office/powerpoint/2010/main" val="1643174174"/>
       </p:ext>
     </p:extLst>
   </p:cSld>
@@ -6486,6 +7798,107 @@
         </p:nvSpPr>
         <p:spPr/>
         <p:txBody>
+          <a:bodyPr>
+            <a:normAutofit/>
+          </a:bodyPr>
+          <a:lstStyle/>
+          <a:p>
+            <a:r>
+              <a:rPr lang="es-PE" sz="2000" dirty="0"/>
+              <a:t>Gómez </a:t>
+            </a:r>
+            <a:r>
+              <a:rPr lang="es-PE" sz="2000" dirty="0" err="1"/>
+              <a:t>Caffarena</a:t>
+            </a:r>
+            <a:r>
+              <a:rPr lang="es-PE" sz="2000" dirty="0"/>
+              <a:t>, José. </a:t>
+            </a:r>
+            <a:r>
+              <a:rPr lang="es-PE" sz="2000" i="1" dirty="0"/>
+              <a:t>El teísmo moral de Kant</a:t>
+            </a:r>
+            <a:r>
+              <a:rPr lang="es-PE" sz="2000" dirty="0"/>
+              <a:t>. Ediciones Cristiandad, 1983, Madrid. </a:t>
+            </a:r>
+            <a:endParaRPr lang="es-PE" sz="2000" dirty="0"/>
+          </a:p>
+        </p:txBody>
+      </p:sp>
+      <p:sp>
+        <p:nvSpPr>
+          <p:cNvPr id="3" name="Marcador de contenido 2"/>
+          <p:cNvSpPr>
+            <a:spLocks noGrp="1"/>
+          </p:cNvSpPr>
+          <p:nvPr>
+            <p:ph idx="1"/>
+          </p:nvPr>
+        </p:nvSpPr>
+        <p:spPr>
+          <a:xfrm>
+            <a:off x="838200" y="3675887"/>
+            <a:ext cx="10515600" cy="2501075"/>
+          </a:xfrm>
+        </p:spPr>
+        <p:txBody>
+          <a:bodyPr/>
+          <a:lstStyle/>
+          <a:p>
+            <a:r>
+              <a:rPr lang="es-PE" dirty="0"/>
+              <a:t>“No es Kant un metafísico según el uso que le precedía y que él criticó. Kant es, ante todo, un filósofo crítico.” (1983, p.23)</a:t>
+            </a:r>
+          </a:p>
+          <a:p>
+            <a:endParaRPr lang="es-PE" dirty="0"/>
+          </a:p>
+        </p:txBody>
+      </p:sp>
+    </p:spTree>
+    <p:extLst>
+      <p:ext uri="{BB962C8B-B14F-4D97-AF65-F5344CB8AC3E}">
+        <p14:creationId xmlns:p14="http://schemas.microsoft.com/office/powerpoint/2010/main" val="1926129867"/>
+      </p:ext>
+    </p:extLst>
+  </p:cSld>
+  <p:clrMapOvr>
+    <a:masterClrMapping/>
+  </p:clrMapOvr>
+</p:sld>
+</file>
+
+<file path=ppt/slides/slide6.xml><?xml version="1.0" encoding="utf-8"?>
+<p:sld xmlns:a="http://schemas.openxmlformats.org/drawingml/2006/main" xmlns:r="http://schemas.openxmlformats.org/officeDocument/2006/relationships" xmlns:p="http://schemas.openxmlformats.org/presentationml/2006/main">
+  <p:cSld>
+    <p:spTree>
+      <p:nvGrpSpPr>
+        <p:cNvPr id="1" name=""/>
+        <p:cNvGrpSpPr/>
+        <p:nvPr/>
+      </p:nvGrpSpPr>
+      <p:grpSpPr>
+        <a:xfrm>
+          <a:off x="0" y="0"/>
+          <a:ext cx="0" cy="0"/>
+          <a:chOff x="0" y="0"/>
+          <a:chExt cx="0" cy="0"/>
+        </a:xfrm>
+      </p:grpSpPr>
+      <p:sp>
+        <p:nvSpPr>
+          <p:cNvPr id="2" name="Título 1"/>
+          <p:cNvSpPr>
+            <a:spLocks noGrp="1"/>
+          </p:cNvSpPr>
+          <p:nvPr>
+            <p:ph type="title"/>
+          </p:nvPr>
+        </p:nvSpPr>
+        <p:spPr/>
+        <p:txBody>
           <a:bodyPr/>
           <a:lstStyle/>
           <a:p>
@@ -6536,8 +7949,8 @@
         </p:nvSpPr>
         <p:spPr>
           <a:xfrm>
-            <a:off x="6976057" y="3646724"/>
-            <a:ext cx="5996473" cy="1323439"/>
+            <a:off x="6630954" y="3646723"/>
+            <a:ext cx="5996473" cy="2554545"/>
           </a:xfrm>
           <a:prstGeom prst="rect">
             <a:avLst/>
@@ -6552,7 +7965,20 @@
           <a:p>
             <a:r>
               <a:rPr lang="es-PE" sz="4000" dirty="0" smtClean="0"/>
-              <a:t>Invitación a la autonomía/libertad</a:t>
+              <a:t>Invitación a la </a:t>
+            </a:r>
+            <a:r>
+              <a:rPr lang="es-PE" sz="4000" dirty="0" smtClean="0"/>
+              <a:t>autonomía/libertad</a:t>
+            </a:r>
+          </a:p>
+          <a:p>
+            <a:endParaRPr lang="es-PE" sz="4000" dirty="0"/>
+          </a:p>
+          <a:p>
+            <a:r>
+              <a:rPr lang="es-PE" sz="4000" dirty="0" smtClean="0"/>
+              <a:t>vs dogmatismo metafísico</a:t>
             </a:r>
             <a:endParaRPr lang="es-PE" sz="4000" dirty="0"/>
           </a:p>
@@ -6604,6 +8030,198 @@
           <a:xfrm>
             <a:off x="6811215" y="2047325"/>
             <a:ext cx="2008935" cy="1400725"/>
+          </a:xfrm>
+          <a:prstGeom prst="straightConnector1">
+            <a:avLst/>
+          </a:prstGeom>
+          <a:ln w="57150">
+            <a:solidFill>
+              <a:srgbClr val="FF0000"/>
+            </a:solidFill>
+            <a:tailEnd type="triangle"/>
+          </a:ln>
+        </p:spPr>
+        <p:style>
+          <a:lnRef idx="1">
+            <a:schemeClr val="accent1"/>
+          </a:lnRef>
+          <a:fillRef idx="0">
+            <a:schemeClr val="accent1"/>
+          </a:fillRef>
+          <a:effectRef idx="0">
+            <a:schemeClr val="accent1"/>
+          </a:effectRef>
+          <a:fontRef idx="minor">
+            <a:schemeClr val="tx1"/>
+          </a:fontRef>
+        </p:style>
+      </p:cxnSp>
+      <p:sp>
+        <p:nvSpPr>
+          <p:cNvPr id="3" name="CuadroTexto 2"/>
+          <p:cNvSpPr txBox="1"/>
+          <p:nvPr/>
+        </p:nvSpPr>
+        <p:spPr>
+          <a:xfrm>
+            <a:off x="152400" y="5611090"/>
+            <a:ext cx="3442855" cy="923330"/>
+          </a:xfrm>
+          <a:prstGeom prst="rect">
+            <a:avLst/>
+          </a:prstGeom>
+          <a:noFill/>
+        </p:spPr>
+        <p:txBody>
+          <a:bodyPr wrap="square" rtlCol="0">
+            <a:spAutoFit/>
+          </a:bodyPr>
+          <a:lstStyle/>
+          <a:p>
+            <a:r>
+              <a:rPr lang="es-PE" dirty="0" smtClean="0"/>
+              <a:t>Entendimiento</a:t>
+            </a:r>
+          </a:p>
+          <a:p>
+            <a:r>
+              <a:rPr lang="es-PE" dirty="0" smtClean="0"/>
+              <a:t>Voluntad</a:t>
+            </a:r>
+          </a:p>
+          <a:p>
+            <a:r>
+              <a:rPr lang="es-PE" dirty="0" smtClean="0"/>
+              <a:t>Sensibilidad</a:t>
+            </a:r>
+            <a:endParaRPr lang="es-PE" dirty="0"/>
+          </a:p>
+        </p:txBody>
+      </p:sp>
+      <p:sp>
+        <p:nvSpPr>
+          <p:cNvPr id="9" name="CuadroTexto 8"/>
+          <p:cNvSpPr txBox="1"/>
+          <p:nvPr/>
+        </p:nvSpPr>
+        <p:spPr>
+          <a:xfrm>
+            <a:off x="2750038" y="5611090"/>
+            <a:ext cx="3442855" cy="923330"/>
+          </a:xfrm>
+          <a:prstGeom prst="rect">
+            <a:avLst/>
+          </a:prstGeom>
+          <a:noFill/>
+        </p:spPr>
+        <p:txBody>
+          <a:bodyPr wrap="square" rtlCol="0">
+            <a:spAutoFit/>
+          </a:bodyPr>
+          <a:lstStyle/>
+          <a:p>
+            <a:r>
+              <a:rPr lang="es-PE" dirty="0" smtClean="0"/>
+              <a:t>Razón pura</a:t>
+            </a:r>
+          </a:p>
+          <a:p>
+            <a:r>
+              <a:rPr lang="es-PE" dirty="0" smtClean="0"/>
+              <a:t>Razón práctica</a:t>
+            </a:r>
+          </a:p>
+          <a:p>
+            <a:r>
+              <a:rPr lang="es-PE" dirty="0" smtClean="0"/>
+              <a:t>Juicio</a:t>
+            </a:r>
+            <a:endParaRPr lang="es-PE" dirty="0"/>
+          </a:p>
+        </p:txBody>
+      </p:sp>
+      <p:cxnSp>
+        <p:nvCxnSpPr>
+          <p:cNvPr id="12" name="Conector recto de flecha 11"/>
+          <p:cNvCxnSpPr/>
+          <p:nvPr/>
+        </p:nvCxnSpPr>
+        <p:spPr>
+          <a:xfrm flipV="1">
+            <a:off x="1764900" y="5777345"/>
+            <a:ext cx="959250" cy="3426"/>
+          </a:xfrm>
+          <a:prstGeom prst="straightConnector1">
+            <a:avLst/>
+          </a:prstGeom>
+          <a:ln w="57150">
+            <a:solidFill>
+              <a:srgbClr val="FF0000"/>
+            </a:solidFill>
+            <a:tailEnd type="triangle"/>
+          </a:ln>
+        </p:spPr>
+        <p:style>
+          <a:lnRef idx="1">
+            <a:schemeClr val="accent1"/>
+          </a:lnRef>
+          <a:fillRef idx="0">
+            <a:schemeClr val="accent1"/>
+          </a:fillRef>
+          <a:effectRef idx="0">
+            <a:schemeClr val="accent1"/>
+          </a:effectRef>
+          <a:fontRef idx="minor">
+            <a:schemeClr val="tx1"/>
+          </a:fontRef>
+        </p:style>
+      </p:cxnSp>
+      <p:cxnSp>
+        <p:nvCxnSpPr>
+          <p:cNvPr id="13" name="Conector recto de flecha 12"/>
+          <p:cNvCxnSpPr/>
+          <p:nvPr/>
+        </p:nvCxnSpPr>
+        <p:spPr>
+          <a:xfrm flipV="1">
+            <a:off x="1790788" y="6117744"/>
+            <a:ext cx="959250" cy="3426"/>
+          </a:xfrm>
+          <a:prstGeom prst="straightConnector1">
+            <a:avLst/>
+          </a:prstGeom>
+          <a:ln w="57150">
+            <a:solidFill>
+              <a:srgbClr val="FF0000"/>
+            </a:solidFill>
+            <a:tailEnd type="triangle"/>
+          </a:ln>
+        </p:spPr>
+        <p:style>
+          <a:lnRef idx="1">
+            <a:schemeClr val="accent1"/>
+          </a:lnRef>
+          <a:fillRef idx="0">
+            <a:schemeClr val="accent1"/>
+          </a:fillRef>
+          <a:effectRef idx="0">
+            <a:schemeClr val="accent1"/>
+          </a:effectRef>
+          <a:fontRef idx="minor">
+            <a:schemeClr val="tx1"/>
+          </a:fontRef>
+        </p:style>
+      </p:cxnSp>
+      <p:cxnSp>
+        <p:nvCxnSpPr>
+          <p:cNvPr id="14" name="Conector recto de flecha 13"/>
+          <p:cNvCxnSpPr/>
+          <p:nvPr/>
+        </p:nvCxnSpPr>
+        <p:spPr>
+          <a:xfrm flipV="1">
+            <a:off x="1790788" y="6415385"/>
+            <a:ext cx="959250" cy="3426"/>
           </a:xfrm>
           <a:prstGeom prst="straightConnector1">
             <a:avLst/>
@@ -6643,613 +8261,7 @@
 </p:sld>
 </file>
 
-<file path=ppt/slides/slide6.xml><?xml version="1.0" encoding="utf-8"?>
-<p:sld xmlns:a="http://schemas.openxmlformats.org/drawingml/2006/main" xmlns:r="http://schemas.openxmlformats.org/officeDocument/2006/relationships" xmlns:p="http://schemas.openxmlformats.org/presentationml/2006/main">
-  <p:cSld>
-    <p:spTree>
-      <p:nvGrpSpPr>
-        <p:cNvPr id="1" name=""/>
-        <p:cNvGrpSpPr/>
-        <p:nvPr/>
-      </p:nvGrpSpPr>
-      <p:grpSpPr>
-        <a:xfrm>
-          <a:off x="0" y="0"/>
-          <a:ext cx="0" cy="0"/>
-          <a:chOff x="0" y="0"/>
-          <a:chExt cx="0" cy="0"/>
-        </a:xfrm>
-      </p:grpSpPr>
-      <p:sp>
-        <p:nvSpPr>
-          <p:cNvPr id="4" name="3 CuadroTexto"/>
-          <p:cNvSpPr txBox="1"/>
-          <p:nvPr/>
-        </p:nvSpPr>
-        <p:spPr>
-          <a:xfrm>
-            <a:off x="1881158" y="214291"/>
-            <a:ext cx="8501122" cy="6340197"/>
-          </a:xfrm>
-          <a:prstGeom prst="rect">
-            <a:avLst/>
-          </a:prstGeom>
-          <a:noFill/>
-        </p:spPr>
-        <p:txBody>
-          <a:bodyPr wrap="square" rtlCol="0">
-            <a:spAutoFit/>
-          </a:bodyPr>
-          <a:lstStyle/>
-          <a:p>
-            <a:pPr algn="just"/>
-            <a:r>
-              <a:rPr lang="es-PE" sz="1400" dirty="0"/>
-              <a:t>Kant recibe la tradición alemana </a:t>
-            </a:r>
-            <a:r>
-              <a:rPr lang="es-PE" sz="1400" dirty="0">
-                <a:solidFill>
-                  <a:srgbClr val="C00000"/>
-                </a:solidFill>
-              </a:rPr>
-              <a:t>racionalista</a:t>
-            </a:r>
-            <a:r>
-              <a:rPr lang="es-PE" sz="1400" dirty="0"/>
-              <a:t>. Lo que sostiene esta tradición es que </a:t>
-            </a:r>
-            <a:r>
-              <a:rPr lang="es-PE" sz="1400" dirty="0">
-                <a:solidFill>
-                  <a:srgbClr val="C00000"/>
-                </a:solidFill>
-              </a:rPr>
-              <a:t>existen ideas innatas</a:t>
-            </a:r>
-            <a:r>
-              <a:rPr lang="es-PE" sz="1400" dirty="0"/>
-              <a:t> a la razón, de modo que no necesito salir de mi razón para tener conocimiento de la realidad, en este sentido, se prescinde totalmente de la experiencia.</a:t>
-            </a:r>
-          </a:p>
-          <a:p>
-            <a:pPr algn="just"/>
-            <a:endParaRPr lang="es-PE" sz="1400" dirty="0"/>
-          </a:p>
-          <a:p>
-            <a:pPr algn="just"/>
-            <a:endParaRPr lang="es-PE" sz="1400" dirty="0"/>
-          </a:p>
-          <a:p>
-            <a:pPr algn="just"/>
-            <a:endParaRPr lang="es-PE" sz="1400" dirty="0"/>
-          </a:p>
-          <a:p>
-            <a:pPr algn="just"/>
-            <a:endParaRPr lang="es-PE" sz="1400" dirty="0"/>
-          </a:p>
-          <a:p>
-            <a:pPr algn="just"/>
-            <a:endParaRPr lang="es-PE" sz="1400" dirty="0"/>
-          </a:p>
-          <a:p>
-            <a:pPr algn="just"/>
-            <a:endParaRPr lang="es-PE" sz="1400" dirty="0"/>
-          </a:p>
-          <a:p>
-            <a:pPr algn="just"/>
-            <a:endParaRPr lang="es-PE" sz="1400" dirty="0"/>
-          </a:p>
-          <a:p>
-            <a:pPr algn="just"/>
-            <a:endParaRPr lang="es-PE" sz="1400" dirty="0"/>
-          </a:p>
-          <a:p>
-            <a:pPr algn="just"/>
-            <a:endParaRPr lang="es-PE" sz="1400" dirty="0"/>
-          </a:p>
-          <a:p>
-            <a:pPr algn="just"/>
-            <a:endParaRPr lang="es-PE" sz="1400" dirty="0"/>
-          </a:p>
-          <a:p>
-            <a:pPr algn="just"/>
-            <a:endParaRPr lang="es-PE" sz="1400" dirty="0"/>
-          </a:p>
-          <a:p>
-            <a:pPr algn="just"/>
-            <a:endParaRPr lang="es-PE" sz="1400" dirty="0"/>
-          </a:p>
-          <a:p>
-            <a:pPr algn="just"/>
-            <a:endParaRPr lang="es-PE" sz="1400" dirty="0"/>
-          </a:p>
-          <a:p>
-            <a:pPr algn="just"/>
-            <a:endParaRPr lang="es-PE" sz="1400" dirty="0"/>
-          </a:p>
-          <a:p>
-            <a:pPr algn="just"/>
-            <a:endParaRPr lang="es-PE" sz="1400" dirty="0"/>
-          </a:p>
-          <a:p>
-            <a:pPr algn="just"/>
-            <a:endParaRPr lang="es-PE" sz="1400" dirty="0"/>
-          </a:p>
-          <a:p>
-            <a:pPr algn="just"/>
-            <a:endParaRPr lang="es-PE" sz="1400" dirty="0"/>
-          </a:p>
-          <a:p>
-            <a:pPr algn="just"/>
-            <a:endParaRPr lang="es-PE" sz="1400" dirty="0"/>
-          </a:p>
-          <a:p>
-            <a:pPr algn="just"/>
-            <a:endParaRPr lang="es-PE" sz="1400" dirty="0"/>
-          </a:p>
-          <a:p>
-            <a:pPr algn="just"/>
-            <a:endParaRPr lang="es-PE" sz="1400" dirty="0"/>
-          </a:p>
-          <a:p>
-            <a:pPr algn="just"/>
-            <a:endParaRPr lang="es-PE" sz="1400" dirty="0"/>
-          </a:p>
-          <a:p>
-            <a:pPr algn="just"/>
-            <a:r>
-              <a:rPr lang="es-PE" sz="1400" dirty="0"/>
-              <a:t>Los mercaderes ingleses llevaron a </a:t>
-            </a:r>
-            <a:r>
-              <a:rPr lang="es-PE" sz="1400" dirty="0" err="1"/>
-              <a:t>Köningsberg</a:t>
-            </a:r>
-            <a:r>
-              <a:rPr lang="es-PE" sz="1400" dirty="0"/>
-              <a:t> los textos de </a:t>
-            </a:r>
-            <a:r>
-              <a:rPr lang="es-PE" sz="1400" dirty="0" err="1"/>
-              <a:t>Hume</a:t>
-            </a:r>
-            <a:r>
-              <a:rPr lang="es-PE" sz="1400" dirty="0"/>
-              <a:t>, el escéptico </a:t>
-            </a:r>
-            <a:r>
-              <a:rPr lang="es-PE" sz="1400" dirty="0">
-                <a:solidFill>
-                  <a:srgbClr val="C00000"/>
-                </a:solidFill>
-              </a:rPr>
-              <a:t>empirista</a:t>
-            </a:r>
-            <a:r>
-              <a:rPr lang="es-PE" sz="1400" dirty="0"/>
-              <a:t>. Al removerle las convicciones racionalistas (como por ejemplo, la idea de causalidad), Kant declara que </a:t>
-            </a:r>
-            <a:r>
-              <a:rPr lang="es-PE" sz="1400" dirty="0" err="1"/>
-              <a:t>Hume</a:t>
-            </a:r>
-            <a:r>
-              <a:rPr lang="es-PE" sz="1400" dirty="0"/>
-              <a:t> le ha despertado de su sueño dogmático</a:t>
-            </a:r>
-            <a:r>
-              <a:rPr lang="es-PE" sz="1400" dirty="0">
-                <a:solidFill>
-                  <a:srgbClr val="C00000"/>
-                </a:solidFill>
-              </a:rPr>
-              <a:t>: NO HAY IDEAS INNATAS</a:t>
-            </a:r>
-            <a:r>
-              <a:rPr lang="es-PE" sz="1400" dirty="0"/>
-              <a:t>, su origen se encuentra en la experiencia. Mientras los racionalistas consideraban las ideas innatas como intuiciones racionales, los empiristas creen en una intuición sensible. </a:t>
-            </a:r>
-            <a:r>
-              <a:rPr lang="es-PE" sz="1400" dirty="0">
-                <a:solidFill>
-                  <a:srgbClr val="00B050"/>
-                </a:solidFill>
-              </a:rPr>
-              <a:t>Kant, de algún modo, sintetiza ambas corrientes.</a:t>
-            </a:r>
-          </a:p>
-        </p:txBody>
-      </p:sp>
-      <p:pic>
-        <p:nvPicPr>
-          <p:cNvPr id="17410" name="Picture 2"/>
-          <p:cNvPicPr>
-            <a:picLocks noChangeAspect="1" noChangeArrowheads="1"/>
-          </p:cNvPicPr>
-          <p:nvPr/>
-        </p:nvPicPr>
-        <p:blipFill>
-          <a:blip r:embed="rId2"/>
-          <a:srcRect/>
-          <a:stretch>
-            <a:fillRect/>
-          </a:stretch>
-        </p:blipFill>
-        <p:spPr bwMode="auto">
-          <a:xfrm>
-            <a:off x="1524001" y="1268760"/>
-            <a:ext cx="8878303" cy="3816424"/>
-          </a:xfrm>
-          <a:prstGeom prst="rect">
-            <a:avLst/>
-          </a:prstGeom>
-          <a:noFill/>
-          <a:ln w="9525">
-            <a:noFill/>
-            <a:miter lim="800000"/>
-            <a:headEnd/>
-            <a:tailEnd/>
-          </a:ln>
-          <a:effectLst/>
-        </p:spPr>
-      </p:pic>
-      <p:sp>
-        <p:nvSpPr>
-          <p:cNvPr id="2" name="Rectángulo 1"/>
-          <p:cNvSpPr/>
-          <p:nvPr/>
-        </p:nvSpPr>
-        <p:spPr>
-          <a:xfrm>
-            <a:off x="2855640" y="1271108"/>
-            <a:ext cx="2376264" cy="357692"/>
-          </a:xfrm>
-          <a:prstGeom prst="rect">
-            <a:avLst/>
-          </a:prstGeom>
-          <a:noFill/>
-          <a:ln w="38100">
-            <a:solidFill>
-              <a:srgbClr val="FF0000"/>
-            </a:solidFill>
-          </a:ln>
-        </p:spPr>
-        <p:style>
-          <a:lnRef idx="2">
-            <a:schemeClr val="accent1">
-              <a:shade val="50000"/>
-            </a:schemeClr>
-          </a:lnRef>
-          <a:fillRef idx="1">
-            <a:schemeClr val="accent1"/>
-          </a:fillRef>
-          <a:effectRef idx="0">
-            <a:schemeClr val="accent1"/>
-          </a:effectRef>
-          <a:fontRef idx="minor">
-            <a:schemeClr val="lt1"/>
-          </a:fontRef>
-        </p:style>
-        <p:txBody>
-          <a:bodyPr rot="0" spcFirstLastPara="0" vertOverflow="overflow" horzOverflow="overflow" vert="horz" wrap="square" lIns="91440" tIns="45720" rIns="91440" bIns="45720" numCol="1" spcCol="0" rtlCol="0" fromWordArt="0" anchor="ctr" anchorCtr="0" forceAA="0" compatLnSpc="1">
-            <a:prstTxWarp prst="textNoShape">
-              <a:avLst/>
-            </a:prstTxWarp>
-            <a:noAutofit/>
-          </a:bodyPr>
-          <a:lstStyle/>
-          <a:p>
-            <a:pPr algn="ctr"/>
-            <a:endParaRPr lang="es-PE"/>
-          </a:p>
-        </p:txBody>
-      </p:sp>
-      <p:sp>
-        <p:nvSpPr>
-          <p:cNvPr id="3" name="Rectángulo 2"/>
-          <p:cNvSpPr/>
-          <p:nvPr/>
-        </p:nvSpPr>
-        <p:spPr>
-          <a:xfrm>
-            <a:off x="2135560" y="4725144"/>
-            <a:ext cx="2736304" cy="360040"/>
-          </a:xfrm>
-          <a:prstGeom prst="rect">
-            <a:avLst/>
-          </a:prstGeom>
-          <a:noFill/>
-          <a:ln w="38100">
-            <a:solidFill>
-              <a:srgbClr val="FF0000"/>
-            </a:solidFill>
-          </a:ln>
-        </p:spPr>
-        <p:style>
-          <a:lnRef idx="2">
-            <a:schemeClr val="accent1">
-              <a:shade val="50000"/>
-            </a:schemeClr>
-          </a:lnRef>
-          <a:fillRef idx="1">
-            <a:schemeClr val="accent1"/>
-          </a:fillRef>
-          <a:effectRef idx="0">
-            <a:schemeClr val="accent1"/>
-          </a:effectRef>
-          <a:fontRef idx="minor">
-            <a:schemeClr val="lt1"/>
-          </a:fontRef>
-        </p:style>
-        <p:txBody>
-          <a:bodyPr rot="0" spcFirstLastPara="0" vertOverflow="overflow" horzOverflow="overflow" vert="horz" wrap="square" lIns="91440" tIns="45720" rIns="91440" bIns="45720" numCol="1" spcCol="0" rtlCol="0" fromWordArt="0" anchor="ctr" anchorCtr="0" forceAA="0" compatLnSpc="1">
-            <a:prstTxWarp prst="textNoShape">
-              <a:avLst/>
-            </a:prstTxWarp>
-            <a:noAutofit/>
-          </a:bodyPr>
-          <a:lstStyle/>
-          <a:p>
-            <a:pPr algn="ctr"/>
-            <a:endParaRPr lang="es-PE"/>
-          </a:p>
-        </p:txBody>
-      </p:sp>
-      <p:sp>
-        <p:nvSpPr>
-          <p:cNvPr id="5" name="Rectángulo 4"/>
-          <p:cNvSpPr/>
-          <p:nvPr/>
-        </p:nvSpPr>
-        <p:spPr>
-          <a:xfrm>
-            <a:off x="9120336" y="2708920"/>
-            <a:ext cx="1080120" cy="720080"/>
-          </a:xfrm>
-          <a:prstGeom prst="rect">
-            <a:avLst/>
-          </a:prstGeom>
-          <a:noFill/>
-          <a:ln w="38100">
-            <a:solidFill>
-              <a:srgbClr val="FF0000"/>
-            </a:solidFill>
-          </a:ln>
-        </p:spPr>
-        <p:style>
-          <a:lnRef idx="2">
-            <a:schemeClr val="accent1">
-              <a:shade val="50000"/>
-            </a:schemeClr>
-          </a:lnRef>
-          <a:fillRef idx="1">
-            <a:schemeClr val="accent1"/>
-          </a:fillRef>
-          <a:effectRef idx="0">
-            <a:schemeClr val="accent1"/>
-          </a:effectRef>
-          <a:fontRef idx="minor">
-            <a:schemeClr val="lt1"/>
-          </a:fontRef>
-        </p:style>
-        <p:txBody>
-          <a:bodyPr rot="0" spcFirstLastPara="0" vertOverflow="overflow" horzOverflow="overflow" vert="horz" wrap="square" lIns="91440" tIns="45720" rIns="91440" bIns="45720" numCol="1" spcCol="0" rtlCol="0" fromWordArt="0" anchor="ctr" anchorCtr="0" forceAA="0" compatLnSpc="1">
-            <a:prstTxWarp prst="textNoShape">
-              <a:avLst/>
-            </a:prstTxWarp>
-            <a:noAutofit/>
-          </a:bodyPr>
-          <a:lstStyle/>
-          <a:p>
-            <a:pPr algn="ctr"/>
-            <a:endParaRPr lang="es-PE"/>
-          </a:p>
-        </p:txBody>
-      </p:sp>
-    </p:spTree>
-    <p:extLst>
-      <p:ext uri="{BB962C8B-B14F-4D97-AF65-F5344CB8AC3E}">
-        <p14:creationId xmlns:p14="http://schemas.microsoft.com/office/powerpoint/2010/main" val="1941522950"/>
-      </p:ext>
-    </p:extLst>
-  </p:cSld>
-  <p:clrMapOvr>
-    <a:masterClrMapping/>
-  </p:clrMapOvr>
-  <p:timing>
-    <p:tnLst>
-      <p:par>
-        <p:cTn id="1" dur="indefinite" restart="never" nodeType="tmRoot"/>
-      </p:par>
-    </p:tnLst>
-  </p:timing>
-</p:sld>
-</file>
-
 <file path=ppt/slides/slide7.xml><?xml version="1.0" encoding="utf-8"?>
-<p:sld xmlns:a="http://schemas.openxmlformats.org/drawingml/2006/main" xmlns:r="http://schemas.openxmlformats.org/officeDocument/2006/relationships" xmlns:p="http://schemas.openxmlformats.org/presentationml/2006/main">
-  <p:cSld>
-    <p:spTree>
-      <p:nvGrpSpPr>
-        <p:cNvPr id="1" name=""/>
-        <p:cNvGrpSpPr/>
-        <p:nvPr/>
-      </p:nvGrpSpPr>
-      <p:grpSpPr>
-        <a:xfrm>
-          <a:off x="0" y="0"/>
-          <a:ext cx="0" cy="0"/>
-          <a:chOff x="0" y="0"/>
-          <a:chExt cx="0" cy="0"/>
-        </a:xfrm>
-      </p:grpSpPr>
-      <p:sp>
-        <p:nvSpPr>
-          <p:cNvPr id="4" name="3 CuadroTexto"/>
-          <p:cNvSpPr txBox="1"/>
-          <p:nvPr/>
-        </p:nvSpPr>
-        <p:spPr>
-          <a:xfrm>
-            <a:off x="2024033" y="296736"/>
-            <a:ext cx="8429684" cy="369332"/>
-          </a:xfrm>
-          <a:prstGeom prst="rect">
-            <a:avLst/>
-          </a:prstGeom>
-          <a:noFill/>
-        </p:spPr>
-        <p:txBody>
-          <a:bodyPr wrap="square" rtlCol="0">
-            <a:spAutoFit/>
-          </a:bodyPr>
-          <a:lstStyle/>
-          <a:p>
-            <a:pPr algn="r"/>
-            <a:r>
-              <a:rPr lang="es-PE" dirty="0"/>
-              <a:t>Éste sería el ámbito de la C.R.P</a:t>
-            </a:r>
-          </a:p>
-        </p:txBody>
-      </p:sp>
-      <p:pic>
-        <p:nvPicPr>
-          <p:cNvPr id="20483" name="Picture 3"/>
-          <p:cNvPicPr>
-            <a:picLocks noChangeAspect="1" noChangeArrowheads="1"/>
-          </p:cNvPicPr>
-          <p:nvPr/>
-        </p:nvPicPr>
-        <p:blipFill>
-          <a:blip r:embed="rId2"/>
-          <a:srcRect/>
-          <a:stretch>
-            <a:fillRect/>
-          </a:stretch>
-        </p:blipFill>
-        <p:spPr bwMode="auto">
-          <a:xfrm>
-            <a:off x="1738283" y="1500188"/>
-            <a:ext cx="8715435" cy="5143522"/>
-          </a:xfrm>
-          <a:prstGeom prst="rect">
-            <a:avLst/>
-          </a:prstGeom>
-          <a:noFill/>
-          <a:ln w="9525">
-            <a:noFill/>
-            <a:miter lim="800000"/>
-            <a:headEnd/>
-            <a:tailEnd/>
-          </a:ln>
-          <a:effectLst/>
-        </p:spPr>
-      </p:pic>
-      <p:sp>
-        <p:nvSpPr>
-          <p:cNvPr id="2" name="Rectángulo 1"/>
-          <p:cNvSpPr/>
-          <p:nvPr/>
-        </p:nvSpPr>
-        <p:spPr>
-          <a:xfrm>
-            <a:off x="1738282" y="3933056"/>
-            <a:ext cx="8929718" cy="2710654"/>
-          </a:xfrm>
-          <a:prstGeom prst="rect">
-            <a:avLst/>
-          </a:prstGeom>
-          <a:noFill/>
-          <a:ln w="38100">
-            <a:solidFill>
-              <a:srgbClr val="FF0000"/>
-            </a:solidFill>
-          </a:ln>
-        </p:spPr>
-        <p:style>
-          <a:lnRef idx="2">
-            <a:schemeClr val="accent1">
-              <a:shade val="50000"/>
-            </a:schemeClr>
-          </a:lnRef>
-          <a:fillRef idx="1">
-            <a:schemeClr val="accent1"/>
-          </a:fillRef>
-          <a:effectRef idx="0">
-            <a:schemeClr val="accent1"/>
-          </a:effectRef>
-          <a:fontRef idx="minor">
-            <a:schemeClr val="lt1"/>
-          </a:fontRef>
-        </p:style>
-        <p:txBody>
-          <a:bodyPr rot="0" spcFirstLastPara="0" vertOverflow="overflow" horzOverflow="overflow" vert="horz" wrap="square" lIns="91440" tIns="45720" rIns="91440" bIns="45720" numCol="1" spcCol="0" rtlCol="0" fromWordArt="0" anchor="ctr" anchorCtr="0" forceAA="0" compatLnSpc="1">
-            <a:prstTxWarp prst="textNoShape">
-              <a:avLst/>
-            </a:prstTxWarp>
-            <a:noAutofit/>
-          </a:bodyPr>
-          <a:lstStyle/>
-          <a:p>
-            <a:pPr algn="ctr"/>
-            <a:endParaRPr lang="es-PE"/>
-          </a:p>
-        </p:txBody>
-      </p:sp>
-      <p:cxnSp>
-        <p:nvCxnSpPr>
-          <p:cNvPr id="5" name="Conector angular 4"/>
-          <p:cNvCxnSpPr/>
-          <p:nvPr/>
-        </p:nvCxnSpPr>
-        <p:spPr>
-          <a:xfrm rot="16200000" flipV="1">
-            <a:off x="7659160" y="1751800"/>
-            <a:ext cx="2994360" cy="1080120"/>
-          </a:xfrm>
-          <a:prstGeom prst="bentConnector3">
-            <a:avLst>
-              <a:gd name="adj1" fmla="val 50000"/>
-            </a:avLst>
-          </a:prstGeom>
-          <a:ln>
-            <a:solidFill>
-              <a:srgbClr val="92D050"/>
-            </a:solidFill>
-            <a:tailEnd type="triangle"/>
-          </a:ln>
-        </p:spPr>
-        <p:style>
-          <a:lnRef idx="1">
-            <a:schemeClr val="accent1"/>
-          </a:lnRef>
-          <a:fillRef idx="0">
-            <a:schemeClr val="accent1"/>
-          </a:fillRef>
-          <a:effectRef idx="0">
-            <a:schemeClr val="accent1"/>
-          </a:effectRef>
-          <a:fontRef idx="minor">
-            <a:schemeClr val="tx1"/>
-          </a:fontRef>
-        </p:style>
-      </p:cxnSp>
-    </p:spTree>
-    <p:extLst>
-      <p:ext uri="{BB962C8B-B14F-4D97-AF65-F5344CB8AC3E}">
-        <p14:creationId xmlns:p14="http://schemas.microsoft.com/office/powerpoint/2010/main" val="2574119456"/>
-      </p:ext>
-    </p:extLst>
-  </p:cSld>
-  <p:clrMapOvr>
-    <a:masterClrMapping/>
-  </p:clrMapOvr>
-</p:sld>
-</file>
-
-<file path=ppt/slides/slide8.xml><?xml version="1.0" encoding="utf-8"?>
 <p:sld xmlns:a="http://schemas.openxmlformats.org/drawingml/2006/main" xmlns:r="http://schemas.openxmlformats.org/officeDocument/2006/relationships" xmlns:p="http://schemas.openxmlformats.org/presentationml/2006/main">
   <p:cSld>
     <p:spTree>
@@ -7268,7 +8280,7 @@
       </p:grpSpPr>
       <p:pic>
         <p:nvPicPr>
-          <p:cNvPr id="4" name="Imagen 3"/>
+          <p:cNvPr id="3" name="Imagen 2"/>
           <p:cNvPicPr>
             <a:picLocks noChangeAspect="1"/>
           </p:cNvPicPr>
@@ -7282,32 +8294,8 @@
         </p:blipFill>
         <p:spPr>
           <a:xfrm>
-            <a:off x="866357" y="602432"/>
-            <a:ext cx="10791744" cy="3036117"/>
-          </a:xfrm>
-          <a:prstGeom prst="rect">
-            <a:avLst/>
-          </a:prstGeom>
-        </p:spPr>
-      </p:pic>
-      <p:pic>
-        <p:nvPicPr>
-          <p:cNvPr id="2" name="Imagen 1"/>
-          <p:cNvPicPr>
-            <a:picLocks noChangeAspect="1"/>
-          </p:cNvPicPr>
-          <p:nvPr/>
-        </p:nvPicPr>
-        <p:blipFill>
-          <a:blip r:embed="rId3"/>
-          <a:stretch>
-            <a:fillRect/>
-          </a:stretch>
-        </p:blipFill>
-        <p:spPr>
-          <a:xfrm>
-            <a:off x="2076450" y="3771900"/>
-            <a:ext cx="7562850" cy="2354060"/>
+            <a:off x="3512559" y="178291"/>
+            <a:ext cx="4653664" cy="6451110"/>
           </a:xfrm>
           <a:prstGeom prst="rect">
             <a:avLst/>
@@ -7327,7 +8315,7 @@
 </p:sld>
 </file>
 
-<file path=ppt/slides/slide9.xml><?xml version="1.0" encoding="utf-8"?>
+<file path=ppt/slides/slide8.xml><?xml version="1.0" encoding="utf-8"?>
 <p:sld xmlns:a="http://schemas.openxmlformats.org/drawingml/2006/main" xmlns:r="http://schemas.openxmlformats.org/officeDocument/2006/relationships" xmlns:p="http://schemas.openxmlformats.org/presentationml/2006/main">
   <p:cSld>
     <p:spTree>
@@ -7534,6 +8522,113 @@
     <p:extLst>
       <p:ext uri="{BB962C8B-B14F-4D97-AF65-F5344CB8AC3E}">
         <p14:creationId xmlns:p14="http://schemas.microsoft.com/office/powerpoint/2010/main" val="2390027888"/>
+      </p:ext>
+    </p:extLst>
+  </p:cSld>
+  <p:clrMapOvr>
+    <a:masterClrMapping/>
+  </p:clrMapOvr>
+</p:sld>
+</file>
+
+<file path=ppt/slides/slide9.xml><?xml version="1.0" encoding="utf-8"?>
+<p:sld xmlns:a="http://schemas.openxmlformats.org/drawingml/2006/main" xmlns:r="http://schemas.openxmlformats.org/officeDocument/2006/relationships" xmlns:p="http://schemas.openxmlformats.org/presentationml/2006/main">
+  <p:cSld>
+    <p:spTree>
+      <p:nvGrpSpPr>
+        <p:cNvPr id="1" name=""/>
+        <p:cNvGrpSpPr/>
+        <p:nvPr/>
+      </p:nvGrpSpPr>
+      <p:grpSpPr>
+        <a:xfrm>
+          <a:off x="0" y="0"/>
+          <a:ext cx="0" cy="0"/>
+          <a:chOff x="0" y="0"/>
+          <a:chExt cx="0" cy="0"/>
+        </a:xfrm>
+      </p:grpSpPr>
+      <p:pic>
+        <p:nvPicPr>
+          <p:cNvPr id="13" name="Imagen 12"/>
+          <p:cNvPicPr>
+            <a:picLocks noChangeAspect="1"/>
+          </p:cNvPicPr>
+          <p:nvPr/>
+        </p:nvPicPr>
+        <p:blipFill>
+          <a:blip r:embed="rId2"/>
+          <a:stretch>
+            <a:fillRect/>
+          </a:stretch>
+        </p:blipFill>
+        <p:spPr>
+          <a:xfrm>
+            <a:off x="407436" y="2518488"/>
+            <a:ext cx="11286749" cy="1978090"/>
+          </a:xfrm>
+          <a:prstGeom prst="rect">
+            <a:avLst/>
+          </a:prstGeom>
+        </p:spPr>
+      </p:pic>
+      <p:sp>
+        <p:nvSpPr>
+          <p:cNvPr id="14" name="Rectángulo 13"/>
+          <p:cNvSpPr/>
+          <p:nvPr/>
+        </p:nvSpPr>
+        <p:spPr>
+          <a:xfrm>
+            <a:off x="3543689" y="4086031"/>
+            <a:ext cx="7893698" cy="410547"/>
+          </a:xfrm>
+          <a:prstGeom prst="rect">
+            <a:avLst/>
+          </a:prstGeom>
+          <a:solidFill>
+            <a:schemeClr val="bg1"/>
+          </a:solidFill>
+          <a:ln w="57150">
+            <a:solidFill>
+              <a:schemeClr val="bg1"/>
+            </a:solidFill>
+          </a:ln>
+        </p:spPr>
+        <p:style>
+          <a:lnRef idx="2">
+            <a:schemeClr val="accent1">
+              <a:shade val="50000"/>
+            </a:schemeClr>
+          </a:lnRef>
+          <a:fillRef idx="1">
+            <a:schemeClr val="accent1"/>
+          </a:fillRef>
+          <a:effectRef idx="0">
+            <a:schemeClr val="accent1"/>
+          </a:effectRef>
+          <a:fontRef idx="minor">
+            <a:schemeClr val="lt1"/>
+          </a:fontRef>
+        </p:style>
+        <p:txBody>
+          <a:bodyPr rot="0" spcFirstLastPara="0" vertOverflow="overflow" horzOverflow="overflow" vert="horz" wrap="square" lIns="91440" tIns="45720" rIns="91440" bIns="45720" numCol="1" spcCol="0" rtlCol="0" fromWordArt="0" anchor="ctr" anchorCtr="0" forceAA="0" compatLnSpc="1">
+            <a:prstTxWarp prst="textNoShape">
+              <a:avLst/>
+            </a:prstTxWarp>
+            <a:noAutofit/>
+          </a:bodyPr>
+          <a:lstStyle/>
+          <a:p>
+            <a:pPr algn="ctr"/>
+            <a:endParaRPr lang="es-PE"/>
+          </a:p>
+        </p:txBody>
+      </p:sp>
+    </p:spTree>
+    <p:extLst>
+      <p:ext uri="{BB962C8B-B14F-4D97-AF65-F5344CB8AC3E}">
+        <p14:creationId xmlns:p14="http://schemas.microsoft.com/office/powerpoint/2010/main" val="1125608569"/>
       </p:ext>
     </p:extLst>
   </p:cSld>
